--- a/basic_new/Module 05 - Python Classes and Objects.pptx
+++ b/basic_new/Module 05 - Python Classes and Objects.pptx
@@ -8,7 +8,7 @@
     <p:notesMasterId r:id="rId21"/>
   </p:notesMasterIdLst>
   <p:sldIdLst>
-    <p:sldId id="257" r:id="rId2"/>
+    <p:sldId id="337" r:id="rId2"/>
     <p:sldId id="258" r:id="rId3"/>
     <p:sldId id="264" r:id="rId4"/>
     <p:sldId id="265" r:id="rId5"/>
@@ -505,7 +505,7 @@
           <a:p>
             <a:fld id="{796992F2-40B7-4E8C-9359-9C0561A9C0D8}" type="datetimeFigureOut">
               <a:rPr lang="he-IL" smtClean="0"/>
-              <a:t>ט"ז/תמוז/תשפ"ג</a:t>
+              <a:t>כ'/תמוז/תשפ"ג</a:t>
             </a:fld>
             <a:endParaRPr lang="he-IL"/>
           </a:p>
@@ -774,6 +774,110 @@
 </file>
 
 <file path=ppt/notesSlides/notesSlide1.xml><?xml version="1.0" encoding="utf-8"?>
+<p:notes xmlns:a="http://schemas.openxmlformats.org/drawingml/2006/main" xmlns:r="http://schemas.openxmlformats.org/officeDocument/2006/relationships" xmlns:p="http://schemas.openxmlformats.org/presentationml/2006/main" showMasterSp="0" showMasterPhAnim="0">
+  <p:cSld>
+    <p:spTree>
+      <p:nvGrpSpPr>
+        <p:cNvPr id="1" name="Shape 158"/>
+        <p:cNvGrpSpPr/>
+        <p:nvPr/>
+      </p:nvGrpSpPr>
+      <p:grpSpPr>
+        <a:xfrm>
+          <a:off x="0" y="0"/>
+          <a:ext cx="0" cy="0"/>
+          <a:chOff x="0" y="0"/>
+          <a:chExt cx="0" cy="0"/>
+        </a:xfrm>
+      </p:grpSpPr>
+      <p:sp>
+        <p:nvSpPr>
+          <p:cNvPr id="159" name="Google Shape;159;p3:notes"/>
+          <p:cNvSpPr txBox="1">
+            <a:spLocks noGrp="1"/>
+          </p:cNvSpPr>
+          <p:nvPr>
+            <p:ph type="body" idx="1"/>
+          </p:nvPr>
+        </p:nvSpPr>
+        <p:spPr>
+          <a:xfrm>
+            <a:off x="685800" y="4400550"/>
+            <a:ext cx="5486400" cy="3600450"/>
+          </a:xfrm>
+          <a:prstGeom prst="rect">
+            <a:avLst/>
+          </a:prstGeom>
+        </p:spPr>
+        <p:txBody>
+          <a:bodyPr spcFirstLastPara="1" wrap="square" lIns="91425" tIns="45700" rIns="91425" bIns="45700" anchor="t" anchorCtr="0">
+            <a:noAutofit/>
+          </a:bodyPr>
+          <a:lstStyle/>
+          <a:p>
+            <a:pPr marL="0" lvl="0" indent="0" algn="l" rtl="0">
+              <a:spcBef>
+                <a:spcPts val="0"/>
+              </a:spcBef>
+              <a:spcAft>
+                <a:spcPts val="0"/>
+              </a:spcAft>
+              <a:buNone/>
+            </a:pPr>
+            <a:endParaRPr/>
+          </a:p>
+        </p:txBody>
+      </p:sp>
+      <p:sp>
+        <p:nvSpPr>
+          <p:cNvPr id="160" name="Google Shape;160;p3:notes"/>
+          <p:cNvSpPr>
+            <a:spLocks noGrp="1" noRot="1" noChangeAspect="1"/>
+          </p:cNvSpPr>
+          <p:nvPr>
+            <p:ph type="sldImg" idx="2"/>
+          </p:nvPr>
+        </p:nvSpPr>
+        <p:spPr>
+          <a:xfrm>
+            <a:off x="685800" y="1143000"/>
+            <a:ext cx="5486400" cy="3086100"/>
+          </a:xfrm>
+          <a:custGeom>
+            <a:avLst/>
+            <a:gdLst/>
+            <a:ahLst/>
+            <a:cxnLst/>
+            <a:rect l="l" t="t" r="r" b="b"/>
+            <a:pathLst>
+              <a:path w="120000" h="120000" extrusionOk="0">
+                <a:moveTo>
+                  <a:pt x="0" y="0"/>
+                </a:moveTo>
+                <a:lnTo>
+                  <a:pt x="120000" y="0"/>
+                </a:lnTo>
+                <a:lnTo>
+                  <a:pt x="120000" y="120000"/>
+                </a:lnTo>
+                <a:lnTo>
+                  <a:pt x="0" y="120000"/>
+                </a:lnTo>
+                <a:close/>
+              </a:path>
+            </a:pathLst>
+          </a:custGeom>
+        </p:spPr>
+      </p:sp>
+    </p:spTree>
+  </p:cSld>
+  <p:clrMapOvr>
+    <a:masterClrMapping/>
+  </p:clrMapOvr>
+</p:notes>
+</file>
+
+<file path=ppt/notesSlides/notesSlide10.xml><?xml version="1.0" encoding="utf-8"?>
 <p:notes xmlns:a="http://schemas.openxmlformats.org/drawingml/2006/main" xmlns:r="http://schemas.openxmlformats.org/officeDocument/2006/relationships" xmlns:p="http://schemas.openxmlformats.org/presentationml/2006/main">
   <p:cSld>
     <p:spTree>
@@ -817,70 +921,71 @@
           <a:bodyPr/>
           <a:lstStyle/>
           <a:p>
-            <a:r>
-              <a:rPr lang="en-US" dirty="0"/>
-              <a:t>As mentioned above the basic Python data structures in Python include list, set, tuples, and dictionary. </a:t>
-            </a:r>
-          </a:p>
-          <a:p>
-            <a:r>
-              <a:rPr lang="en-US" dirty="0"/>
-              <a:t>Each of the data structures is unique in its own way. Data structures are “containers” that organize and group data according to type.</a:t>
-            </a:r>
-            <a:endParaRPr lang="en-US" dirty="0">
-              <a:cs typeface="Calibri"/>
+            <a:pPr marL="287338" indent="-287338" algn="l" rtl="0">
+              <a:buFont typeface="Arial" charset="0"/>
+              <a:buChar char="•"/>
+            </a:pPr>
+            <a:r>
+              <a:rPr lang="en-US" sz="1200" dirty="0">
+                <a:solidFill>
+                  <a:schemeClr val="bg1"/>
+                </a:solidFill>
+                <a:latin typeface="Tahoma" pitchFamily="34" charset="0"/>
+                <a:cs typeface="Tahoma" pitchFamily="34" charset="0"/>
+              </a:rPr>
+              <a:t>In Visual Studio we’re able to view web pages. </a:t>
+            </a:r>
+            <a:br>
+              <a:rPr lang="en-US" sz="1200" dirty="0">
+                <a:solidFill>
+                  <a:schemeClr val="bg1"/>
+                </a:solidFill>
+                <a:latin typeface="Tahoma" pitchFamily="34" charset="0"/>
+                <a:cs typeface="Tahoma" pitchFamily="34" charset="0"/>
+              </a:rPr>
+            </a:br>
+            <a:r>
+              <a:rPr lang="en-US" sz="1200" dirty="0">
+                <a:solidFill>
+                  <a:schemeClr val="bg1"/>
+                </a:solidFill>
+                <a:latin typeface="Tahoma" pitchFamily="34" charset="0"/>
+                <a:cs typeface="Tahoma" pitchFamily="34" charset="0"/>
+              </a:rPr>
+              <a:t>This is done by selecting “Web Browser” from the View menu (View --&gt; Other Windows --&gt; Web Browser) and typing the requested URL in the URL dropdown menu. </a:t>
+            </a:r>
+          </a:p>
+          <a:p>
+            <a:pPr marL="287338" indent="-287338" algn="l" rtl="0">
+              <a:buFont typeface="Arial" charset="0"/>
+              <a:buChar char="•"/>
+            </a:pPr>
+            <a:r>
+              <a:rPr lang="en-US" sz="1200" dirty="0">
+                <a:solidFill>
+                  <a:schemeClr val="bg1"/>
+                </a:solidFill>
+                <a:latin typeface="Tahoma" pitchFamily="34" charset="0"/>
+                <a:cs typeface="Tahoma" pitchFamily="34" charset="0"/>
+              </a:rPr>
+              <a:t>We can switch between tabs by clicking on the desired tab.</a:t>
+            </a:r>
+            <a:endParaRPr lang="he-IL" sz="1200" dirty="0">
+              <a:solidFill>
+                <a:schemeClr val="bg1"/>
+              </a:solidFill>
+              <a:latin typeface="Tahoma" pitchFamily="34" charset="0"/>
+              <a:cs typeface="Tahoma" pitchFamily="34" charset="0"/>
             </a:endParaRPr>
           </a:p>
           <a:p>
-            <a:r>
-              <a:rPr lang="en-US" dirty="0"/>
-              <a:t>The data structures differ based on mutability and order.</a:t>
-            </a:r>
-            <a:endParaRPr lang="en-US" dirty="0">
-              <a:cs typeface="Calibri" panose="020F0502020204030204"/>
-            </a:endParaRPr>
-          </a:p>
-          <a:p>
-            <a:r>
-              <a:rPr lang="en-US" b="1" dirty="0"/>
-              <a:t>Mutability</a:t>
-            </a:r>
-            <a:r>
-              <a:rPr lang="en-US" dirty="0"/>
-              <a:t> refers to the ability to change an object after its creation. Mutable objects can be modified, added, or deleted after they’ve been created, while immutable objects cannot be modified after their creation. </a:t>
-            </a:r>
-            <a:endParaRPr lang="en-US" dirty="0">
-              <a:cs typeface="Calibri"/>
-            </a:endParaRPr>
-          </a:p>
-          <a:p>
-            <a:r>
-              <a:rPr lang="en-US" b="1" dirty="0"/>
-              <a:t>Order</a:t>
-            </a:r>
-            <a:r>
-              <a:rPr lang="en-US" dirty="0"/>
-              <a:t>, in this context, relates to whether the position of an element can be used to access the element.</a:t>
-            </a:r>
-            <a:endParaRPr lang="en-US" dirty="0">
-              <a:cs typeface="Calibri"/>
-            </a:endParaRPr>
-          </a:p>
-          <a:p>
-            <a:pPr algn="l" rtl="0" eaLnBrk="1" hangingPunct="1"/>
-            <a:endParaRPr lang="en-US" dirty="0">
-              <a:cs typeface="Calibri"/>
-            </a:endParaRPr>
-          </a:p>
-          <a:p>
-            <a:endParaRPr lang="en-US" u="sng" dirty="0">
-              <a:cs typeface="Calibri" panose="020F0502020204030204"/>
-            </a:endParaRPr>
-          </a:p>
-          <a:p>
-            <a:endParaRPr lang="en-US" u="sng" dirty="0">
-              <a:cs typeface="Calibri" panose="020F0502020204030204"/>
-            </a:endParaRPr>
+            <a:endParaRPr lang="en-US" dirty="0"/>
+          </a:p>
+          <a:p>
+            <a:endParaRPr lang="en-US" dirty="0"/>
+          </a:p>
+          <a:p>
+            <a:endParaRPr lang="en-US" dirty="0"/>
           </a:p>
         </p:txBody>
       </p:sp>
@@ -902,7 +1007,7 @@
             <a:fld id="{C18343ED-3762-4D46-A439-B4D407E13EF8}" type="slidenum">
               <a:rPr lang="en-US" smtClean="0"/>
               <a:pPr/>
-              <a:t>3</a:t>
+              <a:t>17</a:t>
             </a:fld>
             <a:endParaRPr lang="en-US"/>
           </a:p>
@@ -911,7 +1016,7 @@
     </p:spTree>
     <p:extLst>
       <p:ext uri="{BB962C8B-B14F-4D97-AF65-F5344CB8AC3E}">
-        <p14:creationId xmlns:p14="http://schemas.microsoft.com/office/powerpoint/2010/main" val="3003253182"/>
+        <p14:creationId xmlns:p14="http://schemas.microsoft.com/office/powerpoint/2010/main" val="253638339"/>
       </p:ext>
     </p:extLst>
   </p:cSld>
@@ -967,14 +1072,13 @@
           <a:p>
             <a:r>
               <a:rPr lang="en-US" dirty="0"/>
-              <a:t>A list is defined as an ordered collection of items, and it is one of the essential data structures when using Python to create a project. </a:t>
-            </a:r>
-            <a:endParaRPr lang="en-US"/>
+              <a:t>As mentioned above the basic Python data structures in Python include list, set, tuples, and dictionary. </a:t>
+            </a:r>
           </a:p>
           <a:p>
             <a:r>
               <a:rPr lang="en-US" dirty="0"/>
-              <a:t>The term “ordered collections” means that each item in a list comes with an order that uniquely identifies them. </a:t>
+              <a:t>Each of the data structures is unique in its own way. Data structures are “containers” that organize and group data according to type.</a:t>
             </a:r>
             <a:endParaRPr lang="en-US" dirty="0">
               <a:cs typeface="Calibri"/>
@@ -983,7 +1087,20 @@
           <a:p>
             <a:r>
               <a:rPr lang="en-US" dirty="0"/>
-              <a:t>The order of elements is an inherent characteristic that remains constant throughout the life of the list.</a:t>
+              <a:t>The data structures differ based on mutability and order.</a:t>
+            </a:r>
+            <a:endParaRPr lang="en-US" dirty="0">
+              <a:cs typeface="Calibri" panose="020F0502020204030204"/>
+            </a:endParaRPr>
+          </a:p>
+          <a:p>
+            <a:r>
+              <a:rPr lang="en-US" b="1" dirty="0"/>
+              <a:t>Mutability</a:t>
+            </a:r>
+            <a:r>
+              <a:rPr lang="en-US" dirty="0"/>
+              <a:t> refers to the ability to change an object after its creation. Mutable objects can be modified, added, or deleted after they’ve been created, while immutable objects cannot be modified after their creation. </a:t>
             </a:r>
             <a:endParaRPr lang="en-US" dirty="0">
               <a:cs typeface="Calibri"/>
@@ -991,140 +1108,31 @@
           </a:p>
           <a:p>
             <a:r>
+              <a:rPr lang="en-US" b="1" dirty="0"/>
+              <a:t>Order</a:t>
+            </a:r>
+            <a:r>
               <a:rPr lang="en-US" dirty="0"/>
-              <a:t>Since everything in Python is considered an object, creating a list is essentially creating a Python object of a specific type. </a:t>
+              <a:t>, in this context, relates to whether the position of an element can be used to access the element.</a:t>
             </a:r>
             <a:endParaRPr lang="en-US" dirty="0">
               <a:cs typeface="Calibri"/>
             </a:endParaRPr>
           </a:p>
           <a:p>
-            <a:r>
-              <a:rPr lang="en-US" dirty="0"/>
-              <a:t>When creating a list, all the items in the list should be put in square brackets and separated by commas to let Python know that a list has been created. </a:t>
-            </a:r>
+            <a:pPr algn="l" rtl="0" eaLnBrk="1" hangingPunct="1"/>
             <a:endParaRPr lang="en-US" dirty="0">
               <a:cs typeface="Calibri"/>
             </a:endParaRPr>
           </a:p>
           <a:p>
-            <a:r>
-              <a:rPr lang="en-US" dirty="0"/>
-              <a:t>A sample list can be written as follows:</a:t>
-            </a:r>
-            <a:endParaRPr lang="en-US" dirty="0">
-              <a:cs typeface="Calibri"/>
+            <a:endParaRPr lang="en-US" u="sng" dirty="0">
+              <a:cs typeface="Calibri" panose="020F0502020204030204"/>
             </a:endParaRPr>
           </a:p>
           <a:p>
-            <a:r>
-              <a:rPr lang="en-US" b="1" dirty="0" err="1"/>
-              <a:t>List_A</a:t>
-            </a:r>
-            <a:r>
-              <a:rPr lang="en-US" b="1" dirty="0"/>
-              <a:t> = [item 1, item 2, item 3….., item n]</a:t>
-            </a:r>
-            <a:endParaRPr lang="en-US" dirty="0"/>
-          </a:p>
-          <a:p>
-            <a:endParaRPr lang="en-US" b="1" dirty="0">
-              <a:cs typeface="Calibri"/>
-            </a:endParaRPr>
-          </a:p>
-          <a:p>
-            <a:r>
-              <a:rPr lang="en-US" b="1" dirty="0"/>
-              <a:t>Lists can be nested</a:t>
-            </a:r>
-            <a:endParaRPr lang="en-US" dirty="0"/>
-          </a:p>
-          <a:p>
-            <a:r>
-              <a:rPr lang="en-US" dirty="0"/>
-              <a:t>A list can be nested, which means that it can contain any type of object. It can include another list or a </a:t>
-            </a:r>
-            <a:r>
-              <a:rPr lang="en-US" dirty="0" err="1"/>
-              <a:t>sublist</a:t>
-            </a:r>
-            <a:r>
-              <a:rPr lang="en-US" dirty="0"/>
-              <a:t> – which can subsequently contain other </a:t>
-            </a:r>
-            <a:r>
-              <a:rPr lang="en-US" dirty="0" err="1"/>
-              <a:t>sublists</a:t>
-            </a:r>
-            <a:r>
-              <a:rPr lang="en-US" dirty="0"/>
-              <a:t> itself. There is no limit to the depth with which lists can be nested. An example of a nested list is as follows:</a:t>
-            </a:r>
-            <a:endParaRPr lang="en-US" dirty="0">
-              <a:cs typeface="Calibri"/>
-            </a:endParaRPr>
-          </a:p>
-          <a:p>
-            <a:r>
-              <a:rPr lang="en-US" b="1" dirty="0" err="1"/>
-              <a:t>List_A</a:t>
-            </a:r>
-            <a:r>
-              <a:rPr lang="en-US" b="1" dirty="0"/>
-              <a:t> = [item 1, </a:t>
-            </a:r>
-            <a:r>
-              <a:rPr lang="en-US" b="1" dirty="0" err="1"/>
-              <a:t>list_B</a:t>
-            </a:r>
-            <a:r>
-              <a:rPr lang="en-US" b="1" dirty="0"/>
-              <a:t>, item 3….., item n]</a:t>
-            </a:r>
-            <a:endParaRPr lang="en-US" dirty="0"/>
-          </a:p>
-          <a:p>
-            <a:r>
-              <a:rPr lang="en-US" dirty="0"/>
-              <a:t> </a:t>
-            </a:r>
-            <a:endParaRPr lang="en-US" dirty="0">
-              <a:cs typeface="Calibri"/>
-            </a:endParaRPr>
-          </a:p>
-          <a:p>
-            <a:r>
-              <a:rPr lang="en-US" b="1" dirty="0"/>
-              <a:t>Lists are mutable</a:t>
-            </a:r>
-            <a:endParaRPr lang="en-US" dirty="0"/>
-          </a:p>
-          <a:p>
-            <a:r>
-              <a:rPr lang="en-US" dirty="0"/>
-              <a:t>Lists created in Python qualify to be mutable because they can be altered even after being created. A user can search, add, shift, move, and delete elements from a list at their own will. When replacing elements in a list, the number of elements added does not need to be equal to the number of elements, and Python will adjust itself as needed.</a:t>
-            </a:r>
-            <a:endParaRPr lang="en-US" dirty="0">
-              <a:cs typeface="Calibri"/>
-            </a:endParaRPr>
-          </a:p>
-          <a:p>
-            <a:r>
-              <a:rPr lang="en-US" dirty="0"/>
-              <a:t>It also allows you to replace a single element in a list with multiple elements. Mutability also enables the user to input additional elements into the list without making any replacements.</a:t>
-            </a:r>
-            <a:endParaRPr lang="en-US" dirty="0">
-              <a:cs typeface="Calibri"/>
-            </a:endParaRPr>
-          </a:p>
-          <a:p>
-            <a:endParaRPr lang="en-US" b="1" dirty="0">
-              <a:cs typeface="Calibri"/>
-            </a:endParaRPr>
-          </a:p>
-          <a:p>
-            <a:endParaRPr lang="en-US" dirty="0">
-              <a:cs typeface="Calibri"/>
+            <a:endParaRPr lang="en-US" u="sng" dirty="0">
+              <a:cs typeface="Calibri" panose="020F0502020204030204"/>
             </a:endParaRPr>
           </a:p>
         </p:txBody>
@@ -1136,7 +1144,7 @@
             <a:spLocks noGrp="1"/>
           </p:cNvSpPr>
           <p:nvPr>
-            <p:ph type="sldNum" sz="quarter" idx="5"/>
+            <p:ph type="sldNum" sz="quarter" idx="10"/>
           </p:nvPr>
         </p:nvSpPr>
         <p:spPr/>
@@ -1144,18 +1152,19 @@
           <a:bodyPr/>
           <a:lstStyle/>
           <a:p>
-            <a:fld id="{62575186-6A7D-4F06-A935-A9877FBFC19F}" type="slidenum">
-              <a:rPr lang="he-IL" smtClean="0"/>
-              <a:t>5</a:t>
+            <a:fld id="{C18343ED-3762-4D46-A439-B4D407E13EF8}" type="slidenum">
+              <a:rPr lang="en-US" smtClean="0"/>
+              <a:pPr/>
+              <a:t>3</a:t>
             </a:fld>
-            <a:endParaRPr lang="he-IL"/>
+            <a:endParaRPr lang="en-US"/>
           </a:p>
         </p:txBody>
       </p:sp>
     </p:spTree>
     <p:extLst>
       <p:ext uri="{BB962C8B-B14F-4D97-AF65-F5344CB8AC3E}">
-        <p14:creationId xmlns:p14="http://schemas.microsoft.com/office/powerpoint/2010/main" val="1172865871"/>
+        <p14:creationId xmlns:p14="http://schemas.microsoft.com/office/powerpoint/2010/main" val="3003253182"/>
       </p:ext>
     </p:extLst>
   </p:cSld>
@@ -1209,71 +1218,167 @@
           <a:bodyPr/>
           <a:lstStyle/>
           <a:p>
-            <a:pPr marL="287338" indent="-287338" algn="l" rtl="0">
-              <a:buFont typeface="Arial" charset="0"/>
-              <a:buChar char="•"/>
-            </a:pPr>
-            <a:r>
-              <a:rPr lang="en-US" sz="1200" dirty="0">
-                <a:solidFill>
-                  <a:schemeClr val="bg1"/>
-                </a:solidFill>
-                <a:latin typeface="Tahoma" pitchFamily="34" charset="0"/>
-                <a:cs typeface="Tahoma" pitchFamily="34" charset="0"/>
-              </a:rPr>
-              <a:t>In Visual Studio we’re able to view web pages. </a:t>
-            </a:r>
-            <a:br>
-              <a:rPr lang="en-US" sz="1200" dirty="0">
-                <a:solidFill>
-                  <a:schemeClr val="bg1"/>
-                </a:solidFill>
-                <a:latin typeface="Tahoma" pitchFamily="34" charset="0"/>
-                <a:cs typeface="Tahoma" pitchFamily="34" charset="0"/>
-              </a:rPr>
-            </a:br>
-            <a:r>
-              <a:rPr lang="en-US" sz="1200" dirty="0">
-                <a:solidFill>
-                  <a:schemeClr val="bg1"/>
-                </a:solidFill>
-                <a:latin typeface="Tahoma" pitchFamily="34" charset="0"/>
-                <a:cs typeface="Tahoma" pitchFamily="34" charset="0"/>
-              </a:rPr>
-              <a:t>This is done by selecting “Web Browser” from the View menu (View --&gt; Other Windows --&gt; Web Browser) and typing the requested URL in the URL dropdown menu. </a:t>
-            </a:r>
-          </a:p>
-          <a:p>
-            <a:pPr marL="287338" indent="-287338" algn="l" rtl="0">
-              <a:buFont typeface="Arial" charset="0"/>
-              <a:buChar char="•"/>
-            </a:pPr>
-            <a:r>
-              <a:rPr lang="en-US" sz="1200" dirty="0">
-                <a:solidFill>
-                  <a:schemeClr val="bg1"/>
-                </a:solidFill>
-                <a:latin typeface="Tahoma" pitchFamily="34" charset="0"/>
-                <a:cs typeface="Tahoma" pitchFamily="34" charset="0"/>
-              </a:rPr>
-              <a:t>We can switch between tabs by clicking on the desired tab.</a:t>
-            </a:r>
-            <a:endParaRPr lang="he-IL" sz="1200" dirty="0">
-              <a:solidFill>
-                <a:schemeClr val="bg1"/>
-              </a:solidFill>
-              <a:latin typeface="Tahoma" pitchFamily="34" charset="0"/>
-              <a:cs typeface="Tahoma" pitchFamily="34" charset="0"/>
+            <a:r>
+              <a:rPr lang="en-US" dirty="0"/>
+              <a:t>A list is defined as an ordered collection of items, and it is one of the essential data structures when using Python to create a project. </a:t>
+            </a:r>
+            <a:endParaRPr lang="en-US"/>
+          </a:p>
+          <a:p>
+            <a:r>
+              <a:rPr lang="en-US" dirty="0"/>
+              <a:t>The term “ordered collections” means that each item in a list comes with an order that uniquely identifies them. </a:t>
+            </a:r>
+            <a:endParaRPr lang="en-US" dirty="0">
+              <a:cs typeface="Calibri"/>
             </a:endParaRPr>
           </a:p>
           <a:p>
+            <a:r>
+              <a:rPr lang="en-US" dirty="0"/>
+              <a:t>The order of elements is an inherent characteristic that remains constant throughout the life of the list.</a:t>
+            </a:r>
+            <a:endParaRPr lang="en-US" dirty="0">
+              <a:cs typeface="Calibri"/>
+            </a:endParaRPr>
+          </a:p>
+          <a:p>
+            <a:r>
+              <a:rPr lang="en-US" dirty="0"/>
+              <a:t>Since everything in Python is considered an object, creating a list is essentially creating a Python object of a specific type. </a:t>
+            </a:r>
+            <a:endParaRPr lang="en-US" dirty="0">
+              <a:cs typeface="Calibri"/>
+            </a:endParaRPr>
+          </a:p>
+          <a:p>
+            <a:r>
+              <a:rPr lang="en-US" dirty="0"/>
+              <a:t>When creating a list, all the items in the list should be put in square brackets and separated by commas to let Python know that a list has been created. </a:t>
+            </a:r>
+            <a:endParaRPr lang="en-US" dirty="0">
+              <a:cs typeface="Calibri"/>
+            </a:endParaRPr>
+          </a:p>
+          <a:p>
+            <a:r>
+              <a:rPr lang="en-US" dirty="0"/>
+              <a:t>A sample list can be written as follows:</a:t>
+            </a:r>
+            <a:endParaRPr lang="en-US" dirty="0">
+              <a:cs typeface="Calibri"/>
+            </a:endParaRPr>
+          </a:p>
+          <a:p>
+            <a:r>
+              <a:rPr lang="en-US" b="1" dirty="0" err="1"/>
+              <a:t>List_A</a:t>
+            </a:r>
+            <a:r>
+              <a:rPr lang="en-US" b="1" dirty="0"/>
+              <a:t> = [item 1, item 2, item 3….., item n]</a:t>
+            </a:r>
             <a:endParaRPr lang="en-US" dirty="0"/>
           </a:p>
           <a:p>
+            <a:endParaRPr lang="en-US" b="1" dirty="0">
+              <a:cs typeface="Calibri"/>
+            </a:endParaRPr>
+          </a:p>
+          <a:p>
+            <a:r>
+              <a:rPr lang="en-US" b="1" dirty="0"/>
+              <a:t>Lists can be nested</a:t>
+            </a:r>
             <a:endParaRPr lang="en-US" dirty="0"/>
           </a:p>
           <a:p>
+            <a:r>
+              <a:rPr lang="en-US" dirty="0"/>
+              <a:t>A list can be nested, which means that it can contain any type of object. It can include another list or a </a:t>
+            </a:r>
+            <a:r>
+              <a:rPr lang="en-US" dirty="0" err="1"/>
+              <a:t>sublist</a:t>
+            </a:r>
+            <a:r>
+              <a:rPr lang="en-US" dirty="0"/>
+              <a:t> – which can subsequently contain other </a:t>
+            </a:r>
+            <a:r>
+              <a:rPr lang="en-US" dirty="0" err="1"/>
+              <a:t>sublists</a:t>
+            </a:r>
+            <a:r>
+              <a:rPr lang="en-US" dirty="0"/>
+              <a:t> itself. There is no limit to the depth with which lists can be nested. An example of a nested list is as follows:</a:t>
+            </a:r>
+            <a:endParaRPr lang="en-US" dirty="0">
+              <a:cs typeface="Calibri"/>
+            </a:endParaRPr>
+          </a:p>
+          <a:p>
+            <a:r>
+              <a:rPr lang="en-US" b="1" dirty="0" err="1"/>
+              <a:t>List_A</a:t>
+            </a:r>
+            <a:r>
+              <a:rPr lang="en-US" b="1" dirty="0"/>
+              <a:t> = [item 1, </a:t>
+            </a:r>
+            <a:r>
+              <a:rPr lang="en-US" b="1" dirty="0" err="1"/>
+              <a:t>list_B</a:t>
+            </a:r>
+            <a:r>
+              <a:rPr lang="en-US" b="1" dirty="0"/>
+              <a:t>, item 3….., item n]</a:t>
+            </a:r>
             <a:endParaRPr lang="en-US" dirty="0"/>
+          </a:p>
+          <a:p>
+            <a:r>
+              <a:rPr lang="en-US" dirty="0"/>
+              <a:t> </a:t>
+            </a:r>
+            <a:endParaRPr lang="en-US" dirty="0">
+              <a:cs typeface="Calibri"/>
+            </a:endParaRPr>
+          </a:p>
+          <a:p>
+            <a:r>
+              <a:rPr lang="en-US" b="1" dirty="0"/>
+              <a:t>Lists are mutable</a:t>
+            </a:r>
+            <a:endParaRPr lang="en-US" dirty="0"/>
+          </a:p>
+          <a:p>
+            <a:r>
+              <a:rPr lang="en-US" dirty="0"/>
+              <a:t>Lists created in Python qualify to be mutable because they can be altered even after being created. A user can search, add, shift, move, and delete elements from a list at their own will. When replacing elements in a list, the number of elements added does not need to be equal to the number of elements, and Python will adjust itself as needed.</a:t>
+            </a:r>
+            <a:endParaRPr lang="en-US" dirty="0">
+              <a:cs typeface="Calibri"/>
+            </a:endParaRPr>
+          </a:p>
+          <a:p>
+            <a:r>
+              <a:rPr lang="en-US" dirty="0"/>
+              <a:t>It also allows you to replace a single element in a list with multiple elements. Mutability also enables the user to input additional elements into the list without making any replacements.</a:t>
+            </a:r>
+            <a:endParaRPr lang="en-US" dirty="0">
+              <a:cs typeface="Calibri"/>
+            </a:endParaRPr>
+          </a:p>
+          <a:p>
+            <a:endParaRPr lang="en-US" b="1" dirty="0">
+              <a:cs typeface="Calibri"/>
+            </a:endParaRPr>
+          </a:p>
+          <a:p>
+            <a:endParaRPr lang="en-US" dirty="0">
+              <a:cs typeface="Calibri"/>
+            </a:endParaRPr>
           </a:p>
         </p:txBody>
       </p:sp>
@@ -1284,7 +1389,7 @@
             <a:spLocks noGrp="1"/>
           </p:cNvSpPr>
           <p:nvPr>
-            <p:ph type="sldNum" sz="quarter" idx="10"/>
+            <p:ph type="sldNum" sz="quarter" idx="5"/>
           </p:nvPr>
         </p:nvSpPr>
         <p:spPr/>
@@ -1292,19 +1397,18 @@
           <a:bodyPr/>
           <a:lstStyle/>
           <a:p>
-            <a:fld id="{C18343ED-3762-4D46-A439-B4D407E13EF8}" type="slidenum">
-              <a:rPr lang="en-US" smtClean="0"/>
-              <a:pPr/>
-              <a:t>8</a:t>
+            <a:fld id="{62575186-6A7D-4F06-A935-A9877FBFC19F}" type="slidenum">
+              <a:rPr lang="he-IL" smtClean="0"/>
+              <a:t>5</a:t>
             </a:fld>
-            <a:endParaRPr lang="en-US"/>
+            <a:endParaRPr lang="he-IL"/>
           </a:p>
         </p:txBody>
       </p:sp>
     </p:spTree>
     <p:extLst>
       <p:ext uri="{BB962C8B-B14F-4D97-AF65-F5344CB8AC3E}">
-        <p14:creationId xmlns:p14="http://schemas.microsoft.com/office/powerpoint/2010/main" val="346234558"/>
+        <p14:creationId xmlns:p14="http://schemas.microsoft.com/office/powerpoint/2010/main" val="1172865871"/>
       </p:ext>
     </p:extLst>
   </p:cSld>
@@ -1358,161 +1462,71 @@
           <a:bodyPr/>
           <a:lstStyle/>
           <a:p>
-            <a:r>
-              <a:rPr lang="en-US" dirty="0"/>
-              <a:t>Dictionaries are Python’s implementation of a data structure that is more generally known as an associative array. A dictionary consists of a collection of key-value pairs. </a:t>
-            </a:r>
-          </a:p>
-          <a:p>
-            <a:r>
-              <a:rPr lang="en-US"/>
-              <a:t>Each key-value pair maps the key to its associated value.</a:t>
-            </a:r>
-          </a:p>
-          <a:p>
-            <a:pPr>
-              <a:defRPr/>
+            <a:pPr marL="287338" indent="-287338" algn="l" rtl="0">
+              <a:buFont typeface="Arial" charset="0"/>
+              <a:buChar char="•"/>
             </a:pPr>
             <a:r>
-              <a:rPr lang="en-US"/>
-              <a:t>You can define a dictionary by enclosing a comma-separated list of key-value pairs in curly braces ({}). A colon (:) separates each key from its associated value:</a:t>
-            </a:r>
-          </a:p>
-          <a:p>
-            <a:pPr marR="0" algn="l" defTabSz="914400">
-              <a:lnSpc>
-                <a:spcPct val="80000"/>
-              </a:lnSpc>
-              <a:spcBef>
-                <a:spcPts val="0"/>
-              </a:spcBef>
-              <a:spcAft>
-                <a:spcPts val="0"/>
-              </a:spcAft>
-              <a:buClrTx/>
-              <a:buSzTx/>
-              <a:tabLst/>
-              <a:defRPr/>
+              <a:rPr lang="en-US" sz="1200" dirty="0">
+                <a:solidFill>
+                  <a:schemeClr val="bg1"/>
+                </a:solidFill>
+                <a:latin typeface="Tahoma" pitchFamily="34" charset="0"/>
+                <a:cs typeface="Tahoma" pitchFamily="34" charset="0"/>
+              </a:rPr>
+              <a:t>In Visual Studio we’re able to view web pages. </a:t>
+            </a:r>
+            <a:br>
+              <a:rPr lang="en-US" sz="1200" dirty="0">
+                <a:solidFill>
+                  <a:schemeClr val="bg1"/>
+                </a:solidFill>
+                <a:latin typeface="Tahoma" pitchFamily="34" charset="0"/>
+                <a:cs typeface="Tahoma" pitchFamily="34" charset="0"/>
+              </a:rPr>
+            </a:br>
+            <a:r>
+              <a:rPr lang="en-US" sz="1200" dirty="0">
+                <a:solidFill>
+                  <a:schemeClr val="bg1"/>
+                </a:solidFill>
+                <a:latin typeface="Tahoma" pitchFamily="34" charset="0"/>
+                <a:cs typeface="Tahoma" pitchFamily="34" charset="0"/>
+              </a:rPr>
+              <a:t>This is done by selecting “Web Browser” from the View menu (View --&gt; Other Windows --&gt; Web Browser) and typing the requested URL in the URL dropdown menu. </a:t>
+            </a:r>
+          </a:p>
+          <a:p>
+            <a:pPr marL="287338" indent="-287338" algn="l" rtl="0">
+              <a:buFont typeface="Arial" charset="0"/>
+              <a:buChar char="•"/>
             </a:pPr>
-            <a:endParaRPr lang="en-US" dirty="0">
-              <a:cs typeface="Calibri"/>
+            <a:r>
+              <a:rPr lang="en-US" sz="1200" dirty="0">
+                <a:solidFill>
+                  <a:schemeClr val="bg1"/>
+                </a:solidFill>
+                <a:latin typeface="Tahoma" pitchFamily="34" charset="0"/>
+                <a:cs typeface="Tahoma" pitchFamily="34" charset="0"/>
+              </a:rPr>
+              <a:t>We can switch between tabs by clicking on the desired tab.</a:t>
+            </a:r>
+            <a:endParaRPr lang="he-IL" sz="1200" dirty="0">
+              <a:solidFill>
+                <a:schemeClr val="bg1"/>
+              </a:solidFill>
+              <a:latin typeface="Tahoma" pitchFamily="34" charset="0"/>
+              <a:cs typeface="Tahoma" pitchFamily="34" charset="0"/>
             </a:endParaRPr>
           </a:p>
           <a:p>
-            <a:r>
-              <a:rPr lang="en-US" dirty="0"/>
-              <a:t>MLB_team = {
-...    'Colorado' : 'Rockies',
-...    'Boston'   : 'Red Sox',
-...    'Minnesota': 'Twins',
-...    'Milwaukee': 'Brewers',
-...    'Seattle'  : 'Mariners'
-... }</a:t>
-            </a:r>
-            <a:endParaRPr lang="en-US" dirty="0">
-              <a:cs typeface="Calibri"/>
-            </a:endParaRPr>
-          </a:p>
-          <a:p>
-            <a:endParaRPr lang="en-US" dirty="0">
-              <a:cs typeface="Calibri"/>
-            </a:endParaRPr>
-          </a:p>
-          <a:p>
-            <a:r>
-              <a:rPr lang="en-US"/>
-              <a:t>Of course, dictionary elements must be accessible somehow. If you don’t get them by index, then how do you get them?</a:t>
-            </a:r>
-          </a:p>
-          <a:p>
-            <a:r>
-              <a:rPr lang="en-US"/>
-              <a:t>A value is retrieved from a dictionary by specifying its corresponding key in square brackets ([]):</a:t>
-            </a:r>
-          </a:p>
-          <a:p>
-            <a:r>
-              <a:rPr lang="en-US" dirty="0"/>
-              <a:t>&gt;&gt;&gt; MLB_team['Minnesota']
-'Twins'
-</a:t>
-            </a:r>
-            <a:r>
-              <a:rPr lang="en-US"/>
-              <a:t>&gt;&gt;&gt; MLB_team['Colorado']</a:t>
-            </a:r>
-            <a:r>
-              <a:rPr lang="en-US" dirty="0"/>
-              <a:t>
-</a:t>
-            </a:r>
-            <a:r>
-              <a:rPr lang="en-US"/>
-              <a:t>'Rockies'</a:t>
-            </a:r>
-          </a:p>
-          <a:p>
-            <a:endParaRPr lang="en-US" dirty="0">
-              <a:cs typeface="+mn-lt"/>
-            </a:endParaRPr>
-          </a:p>
-          <a:p>
-            <a:r>
-              <a:rPr lang="en-US"/>
-              <a:t>Defining a dictionary using curly braces and a list of key-value pairs, as shown above, is fine if you know all the keys and values in advance. But what if you want to build a dictionary on the fly?</a:t>
-            </a:r>
-          </a:p>
-          <a:p>
-            <a:r>
-              <a:rPr lang="en-US"/>
-              <a:t>You can start by creating an empty dictionary, which is specified by empty curly braces. Then you can add new keys and values one at a time:</a:t>
-            </a:r>
-          </a:p>
-          <a:p>
-            <a:endParaRPr lang="en-US" dirty="0">
-              <a:cs typeface="+mn-lt"/>
-            </a:endParaRPr>
-          </a:p>
-          <a:p>
-            <a:r>
-              <a:rPr lang="en-US" dirty="0"/>
-              <a:t>&gt;&gt;&gt; person = {}
-&gt;&gt;&gt; type(person)
-&lt;class 'dict'&gt;
-&gt;&gt;&gt; person['fname'] = 'Joe'
-&gt;&gt;&gt; person['lname'] = 'Fonebone'
-&gt;&gt;&gt; person['age'] = 51
-&gt;&gt;&gt; person['spouse'] = 'Edna'
-&gt;&gt;&gt; person['children'] = ['Ralph', 'Betty', 'Joey']
-&gt;&gt;&gt; person['pets'] = {'dog': 'Fido', 'cat': 'Sox'}</a:t>
-            </a:r>
-            <a:endParaRPr lang="en-US" dirty="0">
-              <a:cs typeface="Calibri" panose="020F0502020204030204"/>
-            </a:endParaRPr>
-          </a:p>
-          <a:p>
             <a:endParaRPr lang="en-US" dirty="0"/>
           </a:p>
           <a:p>
-            <a:r>
-              <a:rPr lang="en-US"/>
-              <a:t>&gt;&gt;&gt; person
-{'fname': 'Joe', 'lname': 'Fonebone', 'age': 51, 'spouse': 'Edna',
-'children': ['Ralph', 'Betty', 'Joey'], 'pets': {'dog': 'Fido', 'cat': 'Sox'}}</a:t>
-            </a:r>
-            <a:br>
-              <a:rPr lang="en-US" dirty="0">
-                <a:cs typeface="+mn-lt"/>
-              </a:rPr>
-            </a:br>
-            <a:endParaRPr lang="en-US">
-              <a:cs typeface="Calibri"/>
-            </a:endParaRPr>
-          </a:p>
-          <a:p>
-            <a:endParaRPr lang="en-US" dirty="0">
-              <a:cs typeface="Calibri"/>
-            </a:endParaRPr>
+            <a:endParaRPr lang="en-US" dirty="0"/>
+          </a:p>
+          <a:p>
+            <a:endParaRPr lang="en-US" dirty="0"/>
           </a:p>
         </p:txBody>
       </p:sp>
@@ -1534,7 +1548,7 @@
             <a:fld id="{C18343ED-3762-4D46-A439-B4D407E13EF8}" type="slidenum">
               <a:rPr lang="en-US" smtClean="0"/>
               <a:pPr/>
-              <a:t>9</a:t>
+              <a:t>8</a:t>
             </a:fld>
             <a:endParaRPr lang="en-US"/>
           </a:p>
@@ -1543,7 +1557,7 @@
     </p:spTree>
     <p:extLst>
       <p:ext uri="{BB962C8B-B14F-4D97-AF65-F5344CB8AC3E}">
-        <p14:creationId xmlns:p14="http://schemas.microsoft.com/office/powerpoint/2010/main" val="662288823"/>
+        <p14:creationId xmlns:p14="http://schemas.microsoft.com/office/powerpoint/2010/main" val="346234558"/>
       </p:ext>
     </p:extLst>
   </p:cSld>
@@ -1597,71 +1611,161 @@
           <a:bodyPr/>
           <a:lstStyle/>
           <a:p>
-            <a:pPr marL="287338" indent="-287338" algn="l" rtl="0">
-              <a:buFont typeface="Arial" charset="0"/>
-              <a:buChar char="•"/>
+            <a:r>
+              <a:rPr lang="en-US" dirty="0"/>
+              <a:t>Dictionaries are Python’s implementation of a data structure that is more generally known as an associative array. A dictionary consists of a collection of key-value pairs. </a:t>
+            </a:r>
+          </a:p>
+          <a:p>
+            <a:r>
+              <a:rPr lang="en-US"/>
+              <a:t>Each key-value pair maps the key to its associated value.</a:t>
+            </a:r>
+          </a:p>
+          <a:p>
+            <a:pPr>
+              <a:defRPr/>
             </a:pPr>
             <a:r>
-              <a:rPr lang="en-US" sz="1200" dirty="0">
-                <a:solidFill>
-                  <a:schemeClr val="bg1"/>
-                </a:solidFill>
-                <a:latin typeface="Tahoma" pitchFamily="34" charset="0"/>
-                <a:cs typeface="Tahoma" pitchFamily="34" charset="0"/>
-              </a:rPr>
-              <a:t>In Visual Studio we’re able to view web pages. </a:t>
+              <a:rPr lang="en-US"/>
+              <a:t>You can define a dictionary by enclosing a comma-separated list of key-value pairs in curly braces ({}). A colon (:) separates each key from its associated value:</a:t>
+            </a:r>
+          </a:p>
+          <a:p>
+            <a:pPr marR="0" algn="l" defTabSz="914400">
+              <a:lnSpc>
+                <a:spcPct val="80000"/>
+              </a:lnSpc>
+              <a:spcBef>
+                <a:spcPts val="0"/>
+              </a:spcBef>
+              <a:spcAft>
+                <a:spcPts val="0"/>
+              </a:spcAft>
+              <a:buClrTx/>
+              <a:buSzTx/>
+              <a:tabLst/>
+              <a:defRPr/>
+            </a:pPr>
+            <a:endParaRPr lang="en-US" dirty="0">
+              <a:cs typeface="Calibri"/>
+            </a:endParaRPr>
+          </a:p>
+          <a:p>
+            <a:r>
+              <a:rPr lang="en-US" dirty="0"/>
+              <a:t>MLB_team = {
+...    'Colorado' : 'Rockies',
+...    'Boston'   : 'Red Sox',
+...    'Minnesota': 'Twins',
+...    'Milwaukee': 'Brewers',
+...    'Seattle'  : 'Mariners'
+... }</a:t>
+            </a:r>
+            <a:endParaRPr lang="en-US" dirty="0">
+              <a:cs typeface="Calibri"/>
+            </a:endParaRPr>
+          </a:p>
+          <a:p>
+            <a:endParaRPr lang="en-US" dirty="0">
+              <a:cs typeface="Calibri"/>
+            </a:endParaRPr>
+          </a:p>
+          <a:p>
+            <a:r>
+              <a:rPr lang="en-US"/>
+              <a:t>Of course, dictionary elements must be accessible somehow. If you don’t get them by index, then how do you get them?</a:t>
+            </a:r>
+          </a:p>
+          <a:p>
+            <a:r>
+              <a:rPr lang="en-US"/>
+              <a:t>A value is retrieved from a dictionary by specifying its corresponding key in square brackets ([]):</a:t>
+            </a:r>
+          </a:p>
+          <a:p>
+            <a:r>
+              <a:rPr lang="en-US" dirty="0"/>
+              <a:t>&gt;&gt;&gt; MLB_team['Minnesota']
+'Twins'
+</a:t>
+            </a:r>
+            <a:r>
+              <a:rPr lang="en-US"/>
+              <a:t>&gt;&gt;&gt; MLB_team['Colorado']</a:t>
+            </a:r>
+            <a:r>
+              <a:rPr lang="en-US" dirty="0"/>
+              <a:t>
+</a:t>
+            </a:r>
+            <a:r>
+              <a:rPr lang="en-US"/>
+              <a:t>'Rockies'</a:t>
+            </a:r>
+          </a:p>
+          <a:p>
+            <a:endParaRPr lang="en-US" dirty="0">
+              <a:cs typeface="+mn-lt"/>
+            </a:endParaRPr>
+          </a:p>
+          <a:p>
+            <a:r>
+              <a:rPr lang="en-US"/>
+              <a:t>Defining a dictionary using curly braces and a list of key-value pairs, as shown above, is fine if you know all the keys and values in advance. But what if you want to build a dictionary on the fly?</a:t>
+            </a:r>
+          </a:p>
+          <a:p>
+            <a:r>
+              <a:rPr lang="en-US"/>
+              <a:t>You can start by creating an empty dictionary, which is specified by empty curly braces. Then you can add new keys and values one at a time:</a:t>
+            </a:r>
+          </a:p>
+          <a:p>
+            <a:endParaRPr lang="en-US" dirty="0">
+              <a:cs typeface="+mn-lt"/>
+            </a:endParaRPr>
+          </a:p>
+          <a:p>
+            <a:r>
+              <a:rPr lang="en-US" dirty="0"/>
+              <a:t>&gt;&gt;&gt; person = {}
+&gt;&gt;&gt; type(person)
+&lt;class 'dict'&gt;
+&gt;&gt;&gt; person['fname'] = 'Joe'
+&gt;&gt;&gt; person['lname'] = 'Fonebone'
+&gt;&gt;&gt; person['age'] = 51
+&gt;&gt;&gt; person['spouse'] = 'Edna'
+&gt;&gt;&gt; person['children'] = ['Ralph', 'Betty', 'Joey']
+&gt;&gt;&gt; person['pets'] = {'dog': 'Fido', 'cat': 'Sox'}</a:t>
+            </a:r>
+            <a:endParaRPr lang="en-US" dirty="0">
+              <a:cs typeface="Calibri" panose="020F0502020204030204"/>
+            </a:endParaRPr>
+          </a:p>
+          <a:p>
+            <a:endParaRPr lang="en-US" dirty="0"/>
+          </a:p>
+          <a:p>
+            <a:r>
+              <a:rPr lang="en-US"/>
+              <a:t>&gt;&gt;&gt; person
+{'fname': 'Joe', 'lname': 'Fonebone', 'age': 51, 'spouse': 'Edna',
+'children': ['Ralph', 'Betty', 'Joey'], 'pets': {'dog': 'Fido', 'cat': 'Sox'}}</a:t>
             </a:r>
             <a:br>
-              <a:rPr lang="en-US" sz="1200" dirty="0">
-                <a:solidFill>
-                  <a:schemeClr val="bg1"/>
-                </a:solidFill>
-                <a:latin typeface="Tahoma" pitchFamily="34" charset="0"/>
-                <a:cs typeface="Tahoma" pitchFamily="34" charset="0"/>
+              <a:rPr lang="en-US" dirty="0">
+                <a:cs typeface="+mn-lt"/>
               </a:rPr>
             </a:br>
-            <a:r>
-              <a:rPr lang="en-US" sz="1200" dirty="0">
-                <a:solidFill>
-                  <a:schemeClr val="bg1"/>
-                </a:solidFill>
-                <a:latin typeface="Tahoma" pitchFamily="34" charset="0"/>
-                <a:cs typeface="Tahoma" pitchFamily="34" charset="0"/>
-              </a:rPr>
-              <a:t>This is done by selecting “Web Browser” from the View menu (View --&gt; Other Windows --&gt; Web Browser) and typing the requested URL in the URL dropdown menu. </a:t>
-            </a:r>
-          </a:p>
-          <a:p>
-            <a:pPr marL="287338" indent="-287338" algn="l" rtl="0">
-              <a:buFont typeface="Arial" charset="0"/>
-              <a:buChar char="•"/>
-            </a:pPr>
-            <a:r>
-              <a:rPr lang="en-US" sz="1200" dirty="0">
-                <a:solidFill>
-                  <a:schemeClr val="bg1"/>
-                </a:solidFill>
-                <a:latin typeface="Tahoma" pitchFamily="34" charset="0"/>
-                <a:cs typeface="Tahoma" pitchFamily="34" charset="0"/>
-              </a:rPr>
-              <a:t>We can switch between tabs by clicking on the desired tab.</a:t>
-            </a:r>
-            <a:endParaRPr lang="he-IL" sz="1200" dirty="0">
-              <a:solidFill>
-                <a:schemeClr val="bg1"/>
-              </a:solidFill>
-              <a:latin typeface="Tahoma" pitchFamily="34" charset="0"/>
-              <a:cs typeface="Tahoma" pitchFamily="34" charset="0"/>
+            <a:endParaRPr lang="en-US">
+              <a:cs typeface="Calibri"/>
             </a:endParaRPr>
           </a:p>
           <a:p>
-            <a:endParaRPr lang="en-US" dirty="0"/>
-          </a:p>
-          <a:p>
-            <a:endParaRPr lang="en-US" dirty="0"/>
-          </a:p>
-          <a:p>
-            <a:endParaRPr lang="en-US" dirty="0"/>
+            <a:endParaRPr lang="en-US" dirty="0">
+              <a:cs typeface="Calibri"/>
+            </a:endParaRPr>
           </a:p>
         </p:txBody>
       </p:sp>
@@ -1683,7 +1787,7 @@
             <a:fld id="{C18343ED-3762-4D46-A439-B4D407E13EF8}" type="slidenum">
               <a:rPr lang="en-US" smtClean="0"/>
               <a:pPr/>
-              <a:t>12</a:t>
+              <a:t>9</a:t>
             </a:fld>
             <a:endParaRPr lang="en-US"/>
           </a:p>
@@ -1692,7 +1796,7 @@
     </p:spTree>
     <p:extLst>
       <p:ext uri="{BB962C8B-B14F-4D97-AF65-F5344CB8AC3E}">
-        <p14:creationId xmlns:p14="http://schemas.microsoft.com/office/powerpoint/2010/main" val="3566659324"/>
+        <p14:creationId xmlns:p14="http://schemas.microsoft.com/office/powerpoint/2010/main" val="662288823"/>
       </p:ext>
     </p:extLst>
   </p:cSld>
@@ -1746,243 +1850,71 @@
           <a:bodyPr/>
           <a:lstStyle/>
           <a:p>
-            <a:r>
-              <a:rPr lang="en-US" dirty="0"/>
-              <a:t>A tuple is a built-in data structure in Python that is an ordered collection of objects. Unlike lists, tuples come with limited functionality.</a:t>
-            </a:r>
-          </a:p>
-          <a:p>
-            <a:r>
-              <a:rPr lang="en-US" dirty="0"/>
-              <a:t>The primary differing characteristic between lists and tuples is mutability. Lists are mutable, whereas tuples are immutable. </a:t>
-            </a:r>
-          </a:p>
-          <a:p>
-            <a:r>
-              <a:rPr lang="en-US" dirty="0"/>
-              <a:t>Tuples cannot be modified, added, or deleted once they’ve been created. Lists are defined by using parentheses to enclose the elements, which are separated by commas.</a:t>
-            </a:r>
-            <a:endParaRPr lang="en-US" dirty="0">
-              <a:cs typeface="Calibri" panose="020F0502020204030204"/>
+            <a:pPr marL="287338" indent="-287338" algn="l" rtl="0">
+              <a:buFont typeface="Arial" charset="0"/>
+              <a:buChar char="•"/>
+            </a:pPr>
+            <a:r>
+              <a:rPr lang="en-US" sz="1200" dirty="0">
+                <a:solidFill>
+                  <a:schemeClr val="bg1"/>
+                </a:solidFill>
+                <a:latin typeface="Tahoma" pitchFamily="34" charset="0"/>
+                <a:cs typeface="Tahoma" pitchFamily="34" charset="0"/>
+              </a:rPr>
+              <a:t>In Visual Studio we’re able to view web pages. </a:t>
+            </a:r>
+            <a:br>
+              <a:rPr lang="en-US" sz="1200" dirty="0">
+                <a:solidFill>
+                  <a:schemeClr val="bg1"/>
+                </a:solidFill>
+                <a:latin typeface="Tahoma" pitchFamily="34" charset="0"/>
+                <a:cs typeface="Tahoma" pitchFamily="34" charset="0"/>
+              </a:rPr>
+            </a:br>
+            <a:r>
+              <a:rPr lang="en-US" sz="1200" dirty="0">
+                <a:solidFill>
+                  <a:schemeClr val="bg1"/>
+                </a:solidFill>
+                <a:latin typeface="Tahoma" pitchFamily="34" charset="0"/>
+                <a:cs typeface="Tahoma" pitchFamily="34" charset="0"/>
+              </a:rPr>
+              <a:t>This is done by selecting “Web Browser” from the View menu (View --&gt; Other Windows --&gt; Web Browser) and typing the requested URL in the URL dropdown menu. </a:t>
+            </a:r>
+          </a:p>
+          <a:p>
+            <a:pPr marL="287338" indent="-287338" algn="l" rtl="0">
+              <a:buFont typeface="Arial" charset="0"/>
+              <a:buChar char="•"/>
+            </a:pPr>
+            <a:r>
+              <a:rPr lang="en-US" sz="1200" dirty="0">
+                <a:solidFill>
+                  <a:schemeClr val="bg1"/>
+                </a:solidFill>
+                <a:latin typeface="Tahoma" pitchFamily="34" charset="0"/>
+                <a:cs typeface="Tahoma" pitchFamily="34" charset="0"/>
+              </a:rPr>
+              <a:t>We can switch between tabs by clicking on the desired tab.</a:t>
+            </a:r>
+            <a:endParaRPr lang="he-IL" sz="1200" dirty="0">
+              <a:solidFill>
+                <a:schemeClr val="bg1"/>
+              </a:solidFill>
+              <a:latin typeface="Tahoma" pitchFamily="34" charset="0"/>
+              <a:cs typeface="Tahoma" pitchFamily="34" charset="0"/>
             </a:endParaRPr>
           </a:p>
           <a:p>
-            <a:pPr>
-              <a:defRPr/>
-            </a:pPr>
-            <a:r>
-              <a:rPr lang="en-US" dirty="0"/>
-              <a:t>The use of parentheses in creating tuples is optional, but they are recommended to distinguish between the start and end of the tuple. </a:t>
-            </a:r>
-          </a:p>
-          <a:p>
-            <a:pPr>
-              <a:defRPr/>
-            </a:pPr>
-            <a:r>
-              <a:rPr lang="en-US" dirty="0"/>
-              <a:t>A sample tuple is written as follows:</a:t>
-            </a:r>
-            <a:endParaRPr lang="en-US" dirty="0">
-              <a:cs typeface="Calibri" panose="020F0502020204030204"/>
-            </a:endParaRPr>
-          </a:p>
-          <a:p>
-            <a:pPr>
-              <a:defRPr/>
-            </a:pPr>
-            <a:r>
-              <a:rPr lang="en-US" b="1" dirty="0" err="1"/>
-              <a:t>tuple_A</a:t>
-            </a:r>
-            <a:r>
-              <a:rPr lang="en-US" b="1" dirty="0"/>
-              <a:t> = (item 1, item 2, item 3,…, item n)</a:t>
-            </a:r>
-            <a:endParaRPr lang="en-US" dirty="0">
-              <a:ea typeface="+mn-ea"/>
-              <a:cs typeface="+mn-cs"/>
-            </a:endParaRPr>
-          </a:p>
-          <a:p>
-            <a:pPr>
-              <a:defRPr/>
-            </a:pPr>
-            <a:r>
-              <a:rPr lang="en-US" dirty="0"/>
-              <a:t> </a:t>
-            </a:r>
-            <a:endParaRPr lang="en-US" dirty="0">
-              <a:cs typeface="Calibri"/>
-            </a:endParaRPr>
-          </a:p>
-          <a:p>
-            <a:pPr>
-              <a:defRPr/>
-            </a:pPr>
-            <a:r>
-              <a:rPr lang="en-US" b="1" dirty="0"/>
-              <a:t>Empty and One Single Item Tuple</a:t>
-            </a:r>
             <a:endParaRPr lang="en-US" dirty="0"/>
           </a:p>
           <a:p>
-            <a:pPr>
-              <a:defRPr/>
-            </a:pPr>
-            <a:r>
-              <a:rPr lang="en-US" dirty="0"/>
-              <a:t>When writing a tuple with only a single element,</a:t>
-            </a:r>
-            <a:r>
-              <a:rPr lang="en-US" baseline="0" dirty="0"/>
-              <a:t> </a:t>
-            </a:r>
-            <a:r>
-              <a:rPr lang="en-US" dirty="0"/>
-              <a:t>the coder must use a comma after the item. </a:t>
-            </a:r>
-          </a:p>
-          <a:p>
-            <a:pPr>
-              <a:defRPr/>
-            </a:pPr>
-            <a:r>
-              <a:rPr lang="en-US" dirty="0"/>
-              <a:t>This is done to enable Python to differentiate between the tuple and the parentheses surrounding the object in the equation. </a:t>
-            </a:r>
-          </a:p>
-          <a:p>
-            <a:pPr>
-              <a:defRPr/>
-            </a:pPr>
-            <a:r>
-              <a:rPr lang="en-US" dirty="0"/>
-              <a:t>A tuple with a single item can be expressed as follows:</a:t>
-            </a:r>
-            <a:endParaRPr lang="en-US" dirty="0">
-              <a:cs typeface="Calibri" panose="020F0502020204030204"/>
-            </a:endParaRPr>
-          </a:p>
-          <a:p>
-            <a:pPr>
-              <a:defRPr/>
-            </a:pPr>
-            <a:r>
-              <a:rPr lang="en-US" b="1" dirty="0" err="1"/>
-              <a:t>some_tuple</a:t>
-            </a:r>
-            <a:r>
-              <a:rPr lang="en-US" b="1" dirty="0"/>
-              <a:t> = (item 1, )</a:t>
-            </a:r>
             <a:endParaRPr lang="en-US" dirty="0"/>
           </a:p>
           <a:p>
-            <a:pPr>
-              <a:defRPr/>
-            </a:pPr>
-            <a:endParaRPr lang="en-US" b="1" dirty="0"/>
-          </a:p>
-          <a:p>
-            <a:pPr>
-              <a:defRPr/>
-            </a:pPr>
-            <a:r>
-              <a:rPr lang="en-US" dirty="0"/>
-              <a:t>If the tuple is empty, the user should include an empty pair of parentheses as follows:</a:t>
-            </a:r>
-            <a:endParaRPr lang="en-US" dirty="0">
-              <a:cs typeface="Calibri"/>
-            </a:endParaRPr>
-          </a:p>
-          <a:p>
-            <a:pPr>
-              <a:defRPr/>
-            </a:pPr>
-            <a:r>
-              <a:rPr lang="en-US" b="1" dirty="0" err="1"/>
-              <a:t>Empty_tuple</a:t>
-            </a:r>
-            <a:r>
-              <a:rPr lang="en-US" b="1" dirty="0"/>
-              <a:t>= ( )</a:t>
-            </a:r>
             <a:endParaRPr lang="en-US" dirty="0"/>
-          </a:p>
-          <a:p>
-            <a:pPr marL="0" marR="0" indent="0" algn="l" defTabSz="914400">
-              <a:lnSpc>
-                <a:spcPct val="80000"/>
-              </a:lnSpc>
-              <a:spcBef>
-                <a:spcPts val="0"/>
-              </a:spcBef>
-              <a:spcAft>
-                <a:spcPts val="0"/>
-              </a:spcAft>
-              <a:buClrTx/>
-              <a:buSzTx/>
-              <a:buFontTx/>
-              <a:buNone/>
-              <a:tabLst/>
-              <a:defRPr/>
-            </a:pPr>
-            <a:endParaRPr lang="en-US" dirty="0">
-              <a:cs typeface="Calibri"/>
-            </a:endParaRPr>
-          </a:p>
-          <a:p>
-            <a:r>
-              <a:rPr lang="en-US" b="1" dirty="0"/>
-              <a:t>Why Tuples are Preferred over Lists</a:t>
-            </a:r>
-            <a:endParaRPr lang="en-US" dirty="0"/>
-          </a:p>
-          <a:p>
-            <a:r>
-              <a:rPr lang="en-US" dirty="0"/>
-              <a:t>Tuples are preferred when the user does not want the data to be modified. Sometimes, the user can create an object that is intended to remain intact during its lifetime. Tuples are immutable, so they can be used to prevent accidental addition, modification, or removal of data.</a:t>
-            </a:r>
-            <a:endParaRPr lang="en-US" dirty="0">
-              <a:cs typeface="Calibri"/>
-            </a:endParaRPr>
-          </a:p>
-          <a:p>
-            <a:r>
-              <a:rPr lang="en-US" dirty="0"/>
-              <a:t>Also, tuples use less memory, and they make program execution faster than using lists. Lists are slower than tuples because every time a new execution is done with lists, new objects are created, and the objects are not interpreted just once. Tuples are identified by Python as one immutable object. Hence, they are built as one single entity.</a:t>
-            </a:r>
-            <a:endParaRPr lang="en-US" dirty="0">
-              <a:cs typeface="Calibri"/>
-            </a:endParaRPr>
-          </a:p>
-          <a:p>
-            <a:pPr algn="l">
-              <a:lnSpc>
-                <a:spcPct val="80000"/>
-              </a:lnSpc>
-            </a:pPr>
-            <a:endParaRPr lang="en-US" dirty="0">
-              <a:cs typeface="Calibri"/>
-            </a:endParaRPr>
-          </a:p>
-          <a:p>
-            <a:endParaRPr lang="en-US" dirty="0"/>
-          </a:p>
-          <a:p>
-            <a:pPr algn="l" rtl="0" eaLnBrk="1" hangingPunct="1"/>
-            <a:r>
-              <a:rPr lang="en-US" u="sng" dirty="0"/>
-              <a:t>For further reading:</a:t>
-            </a:r>
-          </a:p>
-          <a:p>
-            <a:pPr algn="l" rtl="0" eaLnBrk="1" hangingPunct="1"/>
-            <a:r>
-              <a:rPr lang="en-US" dirty="0"/>
-              <a:t>http://www.visualstudio.com/en-US/products/visual-studio-express-vs</a:t>
-            </a:r>
           </a:p>
         </p:txBody>
       </p:sp>
@@ -2004,7 +1936,7 @@
             <a:fld id="{C18343ED-3762-4D46-A439-B4D407E13EF8}" type="slidenum">
               <a:rPr lang="en-US" smtClean="0"/>
               <a:pPr/>
-              <a:t>13</a:t>
+              <a:t>12</a:t>
             </a:fld>
             <a:endParaRPr lang="en-US"/>
           </a:p>
@@ -2013,7 +1945,7 @@
     </p:spTree>
     <p:extLst>
       <p:ext uri="{BB962C8B-B14F-4D97-AF65-F5344CB8AC3E}">
-        <p14:creationId xmlns:p14="http://schemas.microsoft.com/office/powerpoint/2010/main" val="2573890549"/>
+        <p14:creationId xmlns:p14="http://schemas.microsoft.com/office/powerpoint/2010/main" val="3566659324"/>
       </p:ext>
     </p:extLst>
   </p:cSld>
@@ -2069,31 +2001,22 @@
           <a:p>
             <a:r>
               <a:rPr lang="en-US" dirty="0"/>
-              <a:t>A set is defined as a unique collection of unique elements that do not follow a specific order. </a:t>
+              <a:t>A tuple is a built-in data structure in Python that is an ordered collection of objects. Unlike lists, tuples come with limited functionality.</a:t>
             </a:r>
           </a:p>
           <a:p>
             <a:r>
               <a:rPr lang="en-US" dirty="0"/>
-              <a:t>Sets are used when the existence of an object in a collection of objects is more important than the number of times it appears or the order of the objects. </a:t>
+              <a:t>The primary differing characteristic between lists and tuples is mutability. Lists are mutable, whereas tuples are immutable. </a:t>
+            </a:r>
+          </a:p>
+          <a:p>
+            <a:r>
+              <a:rPr lang="en-US" dirty="0"/>
+              <a:t>Tuples cannot be modified, added, or deleted once they’ve been created. Lists are defined by using parentheses to enclose the elements, which are separated by commas.</a:t>
             </a:r>
             <a:endParaRPr lang="en-US" dirty="0">
-              <a:cs typeface="Calibri"/>
-            </a:endParaRPr>
-          </a:p>
-          <a:p>
-            <a:r>
-              <a:rPr lang="en-US" dirty="0"/>
-              <a:t>Unlike tuples, sets are mutable – they can be modified, added, replaced, or removed. </a:t>
-            </a:r>
-          </a:p>
-          <a:p>
-            <a:r>
-              <a:rPr lang="en-US" dirty="0"/>
-              <a:t>A sample set can be represented as follows:</a:t>
-            </a:r>
-            <a:endParaRPr lang="en-US" dirty="0">
-              <a:cs typeface="Calibri"/>
+              <a:cs typeface="Calibri" panose="020F0502020204030204"/>
             </a:endParaRPr>
           </a:p>
           <a:p>
@@ -2101,12 +2024,33 @@
               <a:defRPr/>
             </a:pPr>
             <a:r>
+              <a:rPr lang="en-US" dirty="0"/>
+              <a:t>The use of parentheses in creating tuples is optional, but they are recommended to distinguish between the start and end of the tuple. </a:t>
+            </a:r>
+          </a:p>
+          <a:p>
+            <a:pPr>
+              <a:defRPr/>
+            </a:pPr>
+            <a:r>
+              <a:rPr lang="en-US" dirty="0"/>
+              <a:t>A sample tuple is written as follows:</a:t>
+            </a:r>
+            <a:endParaRPr lang="en-US" dirty="0">
+              <a:cs typeface="Calibri" panose="020F0502020204030204"/>
+            </a:endParaRPr>
+          </a:p>
+          <a:p>
+            <a:pPr>
+              <a:defRPr/>
+            </a:pPr>
+            <a:r>
               <a:rPr lang="en-US" b="1" dirty="0" err="1"/>
-              <a:t>set_a</a:t>
+              <a:t>tuple_A</a:t>
             </a:r>
             <a:r>
               <a:rPr lang="en-US" b="1" dirty="0"/>
-              <a:t> = {“item 1”, “item 2”, “item 3”,….., “item n”}</a:t>
+              <a:t> = (item 1, item 2, item 3,…, item n)</a:t>
             </a:r>
             <a:endParaRPr lang="en-US" dirty="0">
               <a:ea typeface="+mn-ea"/>
@@ -2130,9 +2074,10 @@
               <a:defRPr/>
             </a:pPr>
             <a:r>
-              <a:rPr lang="en-US" dirty="0"/>
-              <a:t>One of the ways that sets are used is when checking whether or not some elements are contained in a set or not. </a:t>
-            </a:r>
+              <a:rPr lang="en-US" b="1" dirty="0"/>
+              <a:t>Empty and One Single Item Tuple</a:t>
+            </a:r>
+            <a:endParaRPr lang="en-US" dirty="0"/>
           </a:p>
           <a:p>
             <a:pPr>
@@ -2140,7 +2085,15 @@
             </a:pPr>
             <a:r>
               <a:rPr lang="en-US" dirty="0"/>
-              <a:t>For example, sets are highly optimized for membership tests. </a:t>
+              <a:t>When writing a tuple with only a single element,</a:t>
+            </a:r>
+            <a:r>
+              <a:rPr lang="en-US" baseline="0" dirty="0"/>
+              <a:t> </a:t>
+            </a:r>
+            <a:r>
+              <a:rPr lang="en-US" dirty="0"/>
+              <a:t>the coder must use a comma after the item. </a:t>
             </a:r>
           </a:p>
           <a:p>
@@ -2149,7 +2102,109 @@
             </a:pPr>
             <a:r>
               <a:rPr lang="en-US" dirty="0"/>
-              <a:t>They can be used to check whether a set is a subset of another set and to identify the relationship between two sets.</a:t>
+              <a:t>This is done to enable Python to differentiate between the tuple and the parentheses surrounding the object in the equation. </a:t>
+            </a:r>
+          </a:p>
+          <a:p>
+            <a:pPr>
+              <a:defRPr/>
+            </a:pPr>
+            <a:r>
+              <a:rPr lang="en-US" dirty="0"/>
+              <a:t>A tuple with a single item can be expressed as follows:</a:t>
+            </a:r>
+            <a:endParaRPr lang="en-US" dirty="0">
+              <a:cs typeface="Calibri" panose="020F0502020204030204"/>
+            </a:endParaRPr>
+          </a:p>
+          <a:p>
+            <a:pPr>
+              <a:defRPr/>
+            </a:pPr>
+            <a:r>
+              <a:rPr lang="en-US" b="1" dirty="0" err="1"/>
+              <a:t>some_tuple</a:t>
+            </a:r>
+            <a:r>
+              <a:rPr lang="en-US" b="1" dirty="0"/>
+              <a:t> = (item 1, )</a:t>
+            </a:r>
+            <a:endParaRPr lang="en-US" dirty="0"/>
+          </a:p>
+          <a:p>
+            <a:pPr>
+              <a:defRPr/>
+            </a:pPr>
+            <a:endParaRPr lang="en-US" b="1" dirty="0"/>
+          </a:p>
+          <a:p>
+            <a:pPr>
+              <a:defRPr/>
+            </a:pPr>
+            <a:r>
+              <a:rPr lang="en-US" dirty="0"/>
+              <a:t>If the tuple is empty, the user should include an empty pair of parentheses as follows:</a:t>
+            </a:r>
+            <a:endParaRPr lang="en-US" dirty="0">
+              <a:cs typeface="Calibri"/>
+            </a:endParaRPr>
+          </a:p>
+          <a:p>
+            <a:pPr>
+              <a:defRPr/>
+            </a:pPr>
+            <a:r>
+              <a:rPr lang="en-US" b="1" dirty="0" err="1"/>
+              <a:t>Empty_tuple</a:t>
+            </a:r>
+            <a:r>
+              <a:rPr lang="en-US" b="1" dirty="0"/>
+              <a:t>= ( )</a:t>
+            </a:r>
+            <a:endParaRPr lang="en-US" dirty="0"/>
+          </a:p>
+          <a:p>
+            <a:pPr marL="0" marR="0" indent="0" algn="l" defTabSz="914400">
+              <a:lnSpc>
+                <a:spcPct val="80000"/>
+              </a:lnSpc>
+              <a:spcBef>
+                <a:spcPts val="0"/>
+              </a:spcBef>
+              <a:spcAft>
+                <a:spcPts val="0"/>
+              </a:spcAft>
+              <a:buClrTx/>
+              <a:buSzTx/>
+              <a:buFontTx/>
+              <a:buNone/>
+              <a:tabLst/>
+              <a:defRPr/>
+            </a:pPr>
+            <a:endParaRPr lang="en-US" dirty="0">
+              <a:cs typeface="Calibri"/>
+            </a:endParaRPr>
+          </a:p>
+          <a:p>
+            <a:r>
+              <a:rPr lang="en-US" b="1" dirty="0"/>
+              <a:t>Why Tuples are Preferred over Lists</a:t>
+            </a:r>
+            <a:endParaRPr lang="en-US" dirty="0"/>
+          </a:p>
+          <a:p>
+            <a:r>
+              <a:rPr lang="en-US" dirty="0"/>
+              <a:t>Tuples are preferred when the user does not want the data to be modified. Sometimes, the user can create an object that is intended to remain intact during its lifetime. Tuples are immutable, so they can be used to prevent accidental addition, modification, or removal of data.</a:t>
+            </a:r>
+            <a:endParaRPr lang="en-US" dirty="0">
+              <a:cs typeface="Calibri"/>
+            </a:endParaRPr>
+          </a:p>
+          <a:p>
+            <a:r>
+              <a:rPr lang="en-US" dirty="0"/>
+              <a:t>Also, tuples use less memory, and they make program execution faster than using lists. Lists are slower than tuples because every time a new execution is done with lists, new objects are created, and the objects are not interpreted just once. Tuples are identified by Python as one immutable object. Hence, they are built as one single entity.</a:t>
             </a:r>
             <a:endParaRPr lang="en-US" dirty="0">
               <a:cs typeface="Calibri"/>
@@ -2164,6 +2219,23 @@
             <a:endParaRPr lang="en-US" dirty="0">
               <a:cs typeface="Calibri"/>
             </a:endParaRPr>
+          </a:p>
+          <a:p>
+            <a:endParaRPr lang="en-US" dirty="0"/>
+          </a:p>
+          <a:p>
+            <a:pPr algn="l" rtl="0" eaLnBrk="1" hangingPunct="1"/>
+            <a:r>
+              <a:rPr lang="en-US" u="sng" dirty="0"/>
+              <a:t>For further reading:</a:t>
+            </a:r>
+          </a:p>
+          <a:p>
+            <a:pPr algn="l" rtl="0" eaLnBrk="1" hangingPunct="1"/>
+            <a:r>
+              <a:rPr lang="en-US" dirty="0"/>
+              <a:t>http://www.visualstudio.com/en-US/products/visual-studio-express-vs</a:t>
+            </a:r>
           </a:p>
         </p:txBody>
       </p:sp>
@@ -2185,7 +2257,7 @@
             <a:fld id="{C18343ED-3762-4D46-A439-B4D407E13EF8}" type="slidenum">
               <a:rPr lang="en-US" smtClean="0"/>
               <a:pPr/>
-              <a:t>15</a:t>
+              <a:t>13</a:t>
             </a:fld>
             <a:endParaRPr lang="en-US"/>
           </a:p>
@@ -2194,7 +2266,7 @@
     </p:spTree>
     <p:extLst>
       <p:ext uri="{BB962C8B-B14F-4D97-AF65-F5344CB8AC3E}">
-        <p14:creationId xmlns:p14="http://schemas.microsoft.com/office/powerpoint/2010/main" val="1726203197"/>
+        <p14:creationId xmlns:p14="http://schemas.microsoft.com/office/powerpoint/2010/main" val="2573890549"/>
       </p:ext>
     </p:extLst>
   </p:cSld>
@@ -2248,71 +2320,103 @@
           <a:bodyPr/>
           <a:lstStyle/>
           <a:p>
-            <a:pPr marL="287338" indent="-287338" algn="l" rtl="0">
-              <a:buFont typeface="Arial" charset="0"/>
-              <a:buChar char="•"/>
+            <a:r>
+              <a:rPr lang="en-US" dirty="0"/>
+              <a:t>A set is defined as a unique collection of unique elements that do not follow a specific order. </a:t>
+            </a:r>
+          </a:p>
+          <a:p>
+            <a:r>
+              <a:rPr lang="en-US" dirty="0"/>
+              <a:t>Sets are used when the existence of an object in a collection of objects is more important than the number of times it appears or the order of the objects. </a:t>
+            </a:r>
+            <a:endParaRPr lang="en-US" dirty="0">
+              <a:cs typeface="Calibri"/>
+            </a:endParaRPr>
+          </a:p>
+          <a:p>
+            <a:r>
+              <a:rPr lang="en-US" dirty="0"/>
+              <a:t>Unlike tuples, sets are mutable – they can be modified, added, replaced, or removed. </a:t>
+            </a:r>
+          </a:p>
+          <a:p>
+            <a:r>
+              <a:rPr lang="en-US" dirty="0"/>
+              <a:t>A sample set can be represented as follows:</a:t>
+            </a:r>
+            <a:endParaRPr lang="en-US" dirty="0">
+              <a:cs typeface="Calibri"/>
+            </a:endParaRPr>
+          </a:p>
+          <a:p>
+            <a:pPr>
+              <a:defRPr/>
             </a:pPr>
             <a:r>
-              <a:rPr lang="en-US" sz="1200" dirty="0">
-                <a:solidFill>
-                  <a:schemeClr val="bg1"/>
-                </a:solidFill>
-                <a:latin typeface="Tahoma" pitchFamily="34" charset="0"/>
-                <a:cs typeface="Tahoma" pitchFamily="34" charset="0"/>
-              </a:rPr>
-              <a:t>In Visual Studio we’re able to view web pages. </a:t>
-            </a:r>
-            <a:br>
-              <a:rPr lang="en-US" sz="1200" dirty="0">
-                <a:solidFill>
-                  <a:schemeClr val="bg1"/>
-                </a:solidFill>
-                <a:latin typeface="Tahoma" pitchFamily="34" charset="0"/>
-                <a:cs typeface="Tahoma" pitchFamily="34" charset="0"/>
-              </a:rPr>
-            </a:br>
-            <a:r>
-              <a:rPr lang="en-US" sz="1200" dirty="0">
-                <a:solidFill>
-                  <a:schemeClr val="bg1"/>
-                </a:solidFill>
-                <a:latin typeface="Tahoma" pitchFamily="34" charset="0"/>
-                <a:cs typeface="Tahoma" pitchFamily="34" charset="0"/>
-              </a:rPr>
-              <a:t>This is done by selecting “Web Browser” from the View menu (View --&gt; Other Windows --&gt; Web Browser) and typing the requested URL in the URL dropdown menu. </a:t>
-            </a:r>
-          </a:p>
-          <a:p>
-            <a:pPr marL="287338" indent="-287338" algn="l" rtl="0">
-              <a:buFont typeface="Arial" charset="0"/>
-              <a:buChar char="•"/>
+              <a:rPr lang="en-US" b="1" dirty="0" err="1"/>
+              <a:t>set_a</a:t>
+            </a:r>
+            <a:r>
+              <a:rPr lang="en-US" b="1" dirty="0"/>
+              <a:t> = {“item 1”, “item 2”, “item 3”,….., “item n”}</a:t>
+            </a:r>
+            <a:endParaRPr lang="en-US" dirty="0">
+              <a:ea typeface="+mn-ea"/>
+              <a:cs typeface="+mn-cs"/>
+            </a:endParaRPr>
+          </a:p>
+          <a:p>
+            <a:pPr>
+              <a:defRPr/>
             </a:pPr>
             <a:r>
-              <a:rPr lang="en-US" sz="1200" dirty="0">
-                <a:solidFill>
-                  <a:schemeClr val="bg1"/>
-                </a:solidFill>
-                <a:latin typeface="Tahoma" pitchFamily="34" charset="0"/>
-                <a:cs typeface="Tahoma" pitchFamily="34" charset="0"/>
-              </a:rPr>
-              <a:t>We can switch between tabs by clicking on the desired tab.</a:t>
-            </a:r>
-            <a:endParaRPr lang="he-IL" sz="1200" dirty="0">
-              <a:solidFill>
-                <a:schemeClr val="bg1"/>
-              </a:solidFill>
-              <a:latin typeface="Tahoma" pitchFamily="34" charset="0"/>
-              <a:cs typeface="Tahoma" pitchFamily="34" charset="0"/>
+              <a:rPr lang="en-US" dirty="0"/>
+              <a:t> </a:t>
+            </a:r>
+            <a:endParaRPr lang="en-US" dirty="0">
+              <a:cs typeface="Calibri"/>
             </a:endParaRPr>
           </a:p>
           <a:p>
-            <a:endParaRPr lang="en-US" dirty="0"/>
-          </a:p>
-          <a:p>
-            <a:endParaRPr lang="en-US" dirty="0"/>
-          </a:p>
-          <a:p>
-            <a:endParaRPr lang="en-US" dirty="0"/>
+            <a:pPr>
+              <a:defRPr/>
+            </a:pPr>
+            <a:r>
+              <a:rPr lang="en-US" dirty="0"/>
+              <a:t>One of the ways that sets are used is when checking whether or not some elements are contained in a set or not. </a:t>
+            </a:r>
+          </a:p>
+          <a:p>
+            <a:pPr>
+              <a:defRPr/>
+            </a:pPr>
+            <a:r>
+              <a:rPr lang="en-US" dirty="0"/>
+              <a:t>For example, sets are highly optimized for membership tests. </a:t>
+            </a:r>
+          </a:p>
+          <a:p>
+            <a:pPr>
+              <a:defRPr/>
+            </a:pPr>
+            <a:r>
+              <a:rPr lang="en-US" dirty="0"/>
+              <a:t>They can be used to check whether a set is a subset of another set and to identify the relationship between two sets.</a:t>
+            </a:r>
+            <a:endParaRPr lang="en-US" dirty="0">
+              <a:cs typeface="Calibri"/>
+            </a:endParaRPr>
+          </a:p>
+          <a:p>
+            <a:pPr algn="l">
+              <a:lnSpc>
+                <a:spcPct val="80000"/>
+              </a:lnSpc>
+            </a:pPr>
+            <a:endParaRPr lang="en-US" dirty="0">
+              <a:cs typeface="Calibri"/>
+            </a:endParaRPr>
           </a:p>
         </p:txBody>
       </p:sp>
@@ -2334,7 +2438,7 @@
             <a:fld id="{C18343ED-3762-4D46-A439-B4D407E13EF8}" type="slidenum">
               <a:rPr lang="en-US" smtClean="0"/>
               <a:pPr/>
-              <a:t>16</a:t>
+              <a:t>15</a:t>
             </a:fld>
             <a:endParaRPr lang="en-US"/>
           </a:p>
@@ -2343,7 +2447,7 @@
     </p:spTree>
     <p:extLst>
       <p:ext uri="{BB962C8B-B14F-4D97-AF65-F5344CB8AC3E}">
-        <p14:creationId xmlns:p14="http://schemas.microsoft.com/office/powerpoint/2010/main" val="4035843944"/>
+        <p14:creationId xmlns:p14="http://schemas.microsoft.com/office/powerpoint/2010/main" val="1726203197"/>
       </p:ext>
     </p:extLst>
   </p:cSld>
@@ -2483,7 +2587,7 @@
             <a:fld id="{C18343ED-3762-4D46-A439-B4D407E13EF8}" type="slidenum">
               <a:rPr lang="en-US" smtClean="0"/>
               <a:pPr/>
-              <a:t>17</a:t>
+              <a:t>16</a:t>
             </a:fld>
             <a:endParaRPr lang="en-US"/>
           </a:p>
@@ -2492,7 +2596,7 @@
     </p:spTree>
     <p:extLst>
       <p:ext uri="{BB962C8B-B14F-4D97-AF65-F5344CB8AC3E}">
-        <p14:creationId xmlns:p14="http://schemas.microsoft.com/office/powerpoint/2010/main" val="253638339"/>
+        <p14:creationId xmlns:p14="http://schemas.microsoft.com/office/powerpoint/2010/main" val="4035843944"/>
       </p:ext>
     </p:extLst>
   </p:cSld>
@@ -2651,7 +2755,7 @@
           <a:p>
             <a:fld id="{5B983482-B5A0-4227-B1C2-F9D61292994E}" type="datetimeFigureOut">
               <a:rPr lang="he-IL" smtClean="0"/>
-              <a:t>ט"ז/תמוז/תשפ"ג</a:t>
+              <a:t>כ'/תמוז/תשפ"ג</a:t>
             </a:fld>
             <a:endParaRPr lang="he-IL"/>
           </a:p>
@@ -2851,7 +2955,7 @@
           <a:p>
             <a:fld id="{5B983482-B5A0-4227-B1C2-F9D61292994E}" type="datetimeFigureOut">
               <a:rPr lang="he-IL" smtClean="0"/>
-              <a:t>ט"ז/תמוז/תשפ"ג</a:t>
+              <a:t>כ'/תמוז/תשפ"ג</a:t>
             </a:fld>
             <a:endParaRPr lang="he-IL"/>
           </a:p>
@@ -3061,7 +3165,7 @@
           <a:p>
             <a:fld id="{5B983482-B5A0-4227-B1C2-F9D61292994E}" type="datetimeFigureOut">
               <a:rPr lang="he-IL" smtClean="0"/>
-              <a:t>ט"ז/תמוז/תשפ"ג</a:t>
+              <a:t>כ'/תמוז/תשפ"ג</a:t>
             </a:fld>
             <a:endParaRPr lang="he-IL"/>
           </a:p>
@@ -3135,299 +3239,6 @@
 </file>
 
 <file path=ppt/slideLayouts/slideLayout12.xml><?xml version="1.0" encoding="utf-8"?>
-<p:sldLayout xmlns:a="http://schemas.openxmlformats.org/drawingml/2006/main" xmlns:r="http://schemas.openxmlformats.org/officeDocument/2006/relationships" xmlns:p="http://schemas.openxmlformats.org/presentationml/2006/main" userDrawn="1">
-  <p:cSld name="1_Title Slide">
-    <p:spTree>
-      <p:nvGrpSpPr>
-        <p:cNvPr id="1" name=""/>
-        <p:cNvGrpSpPr/>
-        <p:nvPr/>
-      </p:nvGrpSpPr>
-      <p:grpSpPr>
-        <a:xfrm>
-          <a:off x="0" y="0"/>
-          <a:ext cx="0" cy="0"/>
-          <a:chOff x="0" y="0"/>
-          <a:chExt cx="0" cy="0"/>
-        </a:xfrm>
-      </p:grpSpPr>
-      <p:sp>
-        <p:nvSpPr>
-          <p:cNvPr id="2" name="Title 1"/>
-          <p:cNvSpPr>
-            <a:spLocks noGrp="1"/>
-          </p:cNvSpPr>
-          <p:nvPr>
-            <p:ph type="ctrTitle"/>
-          </p:nvPr>
-        </p:nvSpPr>
-        <p:spPr>
-          <a:xfrm>
-            <a:off x="774049" y="1340768"/>
-            <a:ext cx="9850763" cy="1085850"/>
-          </a:xfrm>
-        </p:spPr>
-        <p:txBody>
-          <a:bodyPr vert="horz" lIns="0" tIns="45720" rIns="91440" bIns="45720" rtlCol="0" anchor="t" anchorCtr="0">
-            <a:normAutofit/>
-          </a:bodyPr>
-          <a:lstStyle>
-            <a:lvl1pPr>
-              <a:defRPr lang="en-US" sz="3200" dirty="0">
-                <a:ln w="3175">
-                  <a:noFill/>
-                </a:ln>
-              </a:defRPr>
-            </a:lvl1pPr>
-          </a:lstStyle>
-          <a:p>
-            <a:pPr lvl="0"/>
-            <a:r>
-              <a:rPr lang="en-US"/>
-              <a:t>Click to edit Master title style</a:t>
-            </a:r>
-            <a:endParaRPr lang="en-US" dirty="0"/>
-          </a:p>
-        </p:txBody>
-      </p:sp>
-      <p:sp>
-        <p:nvSpPr>
-          <p:cNvPr id="11" name="TextBox 10"/>
-          <p:cNvSpPr txBox="1"/>
-          <p:nvPr userDrawn="1"/>
-        </p:nvSpPr>
-        <p:spPr>
-          <a:xfrm>
-            <a:off x="774050" y="6362070"/>
-            <a:ext cx="10506527" cy="261610"/>
-          </a:xfrm>
-          <a:prstGeom prst="rect">
-            <a:avLst/>
-          </a:prstGeom>
-          <a:noFill/>
-        </p:spPr>
-        <p:txBody>
-          <a:bodyPr wrap="square" lIns="0" rtlCol="0">
-            <a:spAutoFit/>
-          </a:bodyPr>
-          <a:lstStyle/>
-          <a:p>
-            <a:pPr algn="l"/>
-            <a:r>
-              <a:rPr lang="en-US" sz="1100" kern="1200" dirty="0">
-                <a:solidFill>
-                  <a:schemeClr val="tx1">
-                    <a:lumMod val="85000"/>
-                    <a:lumOff val="15000"/>
-                  </a:schemeClr>
-                </a:solidFill>
-                <a:latin typeface="Segoe" panose="020B0502040504020203" pitchFamily="34" charset="0"/>
-                <a:ea typeface="+mn-ea"/>
-                <a:cs typeface="+mn-cs"/>
-              </a:rPr>
-              <a:t>Copyright © SELA Software &amp; Education Labs, Ltd. | 14-18 Baruch Hirsch St., </a:t>
-            </a:r>
-            <a:r>
-              <a:rPr lang="en-US" sz="1100" kern="1200" dirty="0" err="1">
-                <a:solidFill>
-                  <a:schemeClr val="tx1">
-                    <a:lumMod val="85000"/>
-                    <a:lumOff val="15000"/>
-                  </a:schemeClr>
-                </a:solidFill>
-                <a:latin typeface="Segoe" panose="020B0502040504020203" pitchFamily="34" charset="0"/>
-                <a:ea typeface="+mn-ea"/>
-                <a:cs typeface="+mn-cs"/>
-              </a:rPr>
-              <a:t>Bnei</a:t>
-            </a:r>
-            <a:r>
-              <a:rPr lang="en-US" sz="1100" kern="1200" dirty="0">
-                <a:solidFill>
-                  <a:schemeClr val="tx1">
-                    <a:lumMod val="85000"/>
-                    <a:lumOff val="15000"/>
-                  </a:schemeClr>
-                </a:solidFill>
-                <a:latin typeface="Segoe" panose="020B0502040504020203" pitchFamily="34" charset="0"/>
-                <a:ea typeface="+mn-ea"/>
-                <a:cs typeface="+mn-cs"/>
-              </a:rPr>
-              <a:t> </a:t>
-            </a:r>
-            <a:r>
-              <a:rPr lang="en-US" sz="1100" kern="1200" dirty="0" err="1">
-                <a:solidFill>
-                  <a:schemeClr val="tx1">
-                    <a:lumMod val="85000"/>
-                    <a:lumOff val="15000"/>
-                  </a:schemeClr>
-                </a:solidFill>
-                <a:latin typeface="Segoe" panose="020B0502040504020203" pitchFamily="34" charset="0"/>
-                <a:ea typeface="+mn-ea"/>
-                <a:cs typeface="+mn-cs"/>
-              </a:rPr>
-              <a:t>Brak</a:t>
-            </a:r>
-            <a:r>
-              <a:rPr lang="en-US" sz="1100" kern="1200">
-                <a:solidFill>
-                  <a:schemeClr val="tx1">
-                    <a:lumMod val="85000"/>
-                    <a:lumOff val="15000"/>
-                  </a:schemeClr>
-                </a:solidFill>
-                <a:latin typeface="Segoe" panose="020B0502040504020203" pitchFamily="34" charset="0"/>
-                <a:ea typeface="+mn-ea"/>
-                <a:cs typeface="+mn-cs"/>
-              </a:rPr>
-              <a:t> 51202, Israel | www.selagroup.com</a:t>
-            </a:r>
-            <a:endParaRPr lang="en-US" sz="800" dirty="0">
-              <a:solidFill>
-                <a:schemeClr val="tx1">
-                  <a:lumMod val="85000"/>
-                  <a:lumOff val="15000"/>
-                </a:schemeClr>
-              </a:solidFill>
-              <a:latin typeface="Segoe" panose="020B0502040504020203" pitchFamily="34" charset="0"/>
-            </a:endParaRPr>
-          </a:p>
-        </p:txBody>
-      </p:sp>
-      <p:pic>
-        <p:nvPicPr>
-          <p:cNvPr id="13" name="Picture 12"/>
-          <p:cNvPicPr>
-            <a:picLocks noChangeAspect="1"/>
-          </p:cNvPicPr>
-          <p:nvPr userDrawn="1"/>
-        </p:nvPicPr>
-        <p:blipFill>
-          <a:blip r:embed="rId2" cstate="print">
-            <a:extLst>
-              <a:ext uri="{28A0092B-C50C-407E-A947-70E740481C1C}">
-                <a14:useLocalDpi xmlns:a14="http://schemas.microsoft.com/office/drawing/2010/main" val="0"/>
-              </a:ext>
-            </a:extLst>
-          </a:blip>
-          <a:stretch>
-            <a:fillRect/>
-          </a:stretch>
-        </p:blipFill>
-        <p:spPr>
-          <a:xfrm>
-            <a:off x="774050" y="534798"/>
-            <a:ext cx="3509932" cy="483907"/>
-          </a:xfrm>
-          <a:prstGeom prst="rect">
-            <a:avLst/>
-          </a:prstGeom>
-        </p:spPr>
-      </p:pic>
-      <p:sp>
-        <p:nvSpPr>
-          <p:cNvPr id="7" name="Text Placeholder 6"/>
-          <p:cNvSpPr>
-            <a:spLocks noGrp="1"/>
-          </p:cNvSpPr>
-          <p:nvPr>
-            <p:ph type="body" sz="quarter" idx="10"/>
-          </p:nvPr>
-        </p:nvSpPr>
-        <p:spPr>
-          <a:xfrm>
-            <a:off x="774701" y="2427289"/>
-            <a:ext cx="9850967" cy="1362075"/>
-          </a:xfrm>
-          <a:prstGeom prst="rect">
-            <a:avLst/>
-          </a:prstGeom>
-        </p:spPr>
-        <p:txBody>
-          <a:bodyPr/>
-          <a:lstStyle>
-            <a:lvl1pPr marL="0" marR="0" indent="0" algn="l" defTabSz="914400" rtl="0" eaLnBrk="1" fontAlgn="auto" latinLnBrk="0" hangingPunct="1">
-              <a:lnSpc>
-                <a:spcPct val="100000"/>
-              </a:lnSpc>
-              <a:spcBef>
-                <a:spcPct val="20000"/>
-              </a:spcBef>
-              <a:spcAft>
-                <a:spcPts val="0"/>
-              </a:spcAft>
-              <a:buClrTx/>
-              <a:buSzTx/>
-              <a:buFontTx/>
-              <a:buNone/>
-              <a:tabLst/>
-              <a:defRPr>
-                <a:solidFill>
-                  <a:srgbClr val="E89636"/>
-                </a:solidFill>
-              </a:defRPr>
-            </a:lvl1pPr>
-            <a:lvl2pPr marL="457200" indent="0" algn="l" rtl="0">
-              <a:buFontTx/>
-              <a:buNone/>
-              <a:defRPr/>
-            </a:lvl2pPr>
-            <a:lvl3pPr marL="914400" indent="0" algn="l" rtl="0">
-              <a:buFontTx/>
-              <a:buNone/>
-              <a:defRPr/>
-            </a:lvl3pPr>
-            <a:lvl4pPr marL="1371600" indent="0" algn="l" rtl="0">
-              <a:buFontTx/>
-              <a:buNone/>
-              <a:defRPr/>
-            </a:lvl4pPr>
-            <a:lvl5pPr marL="1828800" indent="0" algn="l" rtl="0">
-              <a:buFontTx/>
-              <a:buNone/>
-              <a:defRPr/>
-            </a:lvl5pPr>
-          </a:lstStyle>
-          <a:p>
-            <a:pPr lvl="0"/>
-            <a:r>
-              <a:rPr lang="en-US"/>
-              <a:t>Click to edit Master text styles</a:t>
-            </a:r>
-          </a:p>
-        </p:txBody>
-      </p:sp>
-    </p:spTree>
-    <p:extLst>
-      <p:ext uri="{BB962C8B-B14F-4D97-AF65-F5344CB8AC3E}">
-        <p14:creationId xmlns:p14="http://schemas.microsoft.com/office/powerpoint/2010/main" val="2706598456"/>
-      </p:ext>
-    </p:extLst>
-  </p:cSld>
-  <p:clrMapOvr>
-    <a:masterClrMapping/>
-  </p:clrMapOvr>
-  <p:extLst>
-    <p:ext uri="{DCECCB84-F9BA-43D5-87BE-67443E8EF086}">
-      <p15:sldGuideLst xmlns:p15="http://schemas.microsoft.com/office/powerpoint/2012/main">
-        <p15:guide id="1" orient="horz" pos="789">
-          <p15:clr>
-            <a:srgbClr val="FBAE40"/>
-          </p15:clr>
-        </p15:guide>
-        <p15:guide id="2" pos="612">
-          <p15:clr>
-            <a:srgbClr val="FBAE40"/>
-          </p15:clr>
-        </p15:guide>
-      </p15:sldGuideLst>
-    </p:ext>
-  </p:extLst>
-</p:sldLayout>
-</file>
-
-<file path=ppt/slideLayouts/slideLayout13.xml><?xml version="1.0" encoding="utf-8"?>
 <p:sldLayout xmlns:a="http://schemas.openxmlformats.org/drawingml/2006/main" xmlns:r="http://schemas.openxmlformats.org/officeDocument/2006/relationships" xmlns:p="http://schemas.openxmlformats.org/presentationml/2006/main" userDrawn="1">
   <p:cSld name="ModuleAgenda">
     <p:spTree>
@@ -3555,7 +3366,7 @@
 </p:sldLayout>
 </file>
 
-<file path=ppt/slideLayouts/slideLayout14.xml><?xml version="1.0" encoding="utf-8"?>
+<file path=ppt/slideLayouts/slideLayout13.xml><?xml version="1.0" encoding="utf-8"?>
 <p:sldLayout xmlns:a="http://schemas.openxmlformats.org/drawingml/2006/main" xmlns:r="http://schemas.openxmlformats.org/officeDocument/2006/relationships" xmlns:p="http://schemas.openxmlformats.org/presentationml/2006/main" userDrawn="1">
   <p:cSld name="Demo Page">
     <p:spTree>
@@ -4073,7 +3884,7 @@
 </p:sldLayout>
 </file>
 
-<file path=ppt/slideLayouts/slideLayout15.xml><?xml version="1.0" encoding="utf-8"?>
+<file path=ppt/slideLayouts/slideLayout14.xml><?xml version="1.0" encoding="utf-8"?>
 <p:sldLayout xmlns:a="http://schemas.openxmlformats.org/drawingml/2006/main" xmlns:r="http://schemas.openxmlformats.org/officeDocument/2006/relationships" xmlns:p="http://schemas.openxmlformats.org/presentationml/2006/main" userDrawn="1">
   <p:cSld name="Questions">
     <p:spTree>
@@ -4554,7 +4365,7 @@
 </p:sldLayout>
 </file>
 
-<file path=ppt/slideLayouts/slideLayout16.xml><?xml version="1.0" encoding="utf-8"?>
+<file path=ppt/slideLayouts/slideLayout15.xml><?xml version="1.0" encoding="utf-8"?>
 <p:sldLayout xmlns:a="http://schemas.openxmlformats.org/drawingml/2006/main" xmlns:r="http://schemas.openxmlformats.org/officeDocument/2006/relationships" xmlns:p="http://schemas.openxmlformats.org/presentationml/2006/main" userDrawn="1">
   <p:cSld name="Lab">
     <p:spTree>
@@ -5071,6 +4882,63 @@
 </p:sldLayout>
 </file>
 
+<file path=ppt/slideLayouts/slideLayout16.xml><?xml version="1.0" encoding="utf-8"?>
+<p:sldLayout xmlns:a="http://schemas.openxmlformats.org/drawingml/2006/main" xmlns:r="http://schemas.openxmlformats.org/officeDocument/2006/relationships" xmlns:p="http://schemas.openxmlformats.org/presentationml/2006/main" matchingName="6_Title Slide">
+  <p:cSld name="6_Title Slide">
+    <p:spTree>
+      <p:nvGrpSpPr>
+        <p:cNvPr id="1" name="Shape 16"/>
+        <p:cNvGrpSpPr/>
+        <p:nvPr/>
+      </p:nvGrpSpPr>
+      <p:grpSpPr>
+        <a:xfrm>
+          <a:off x="0" y="0"/>
+          <a:ext cx="0" cy="0"/>
+          <a:chOff x="0" y="0"/>
+          <a:chExt cx="0" cy="0"/>
+        </a:xfrm>
+      </p:grpSpPr>
+      <p:pic>
+        <p:nvPicPr>
+          <p:cNvPr id="17" name="Google Shape;17;p10"/>
+          <p:cNvPicPr preferRelativeResize="0"/>
+          <p:nvPr/>
+        </p:nvPicPr>
+        <p:blipFill rotWithShape="1">
+          <a:blip r:embed="rId2">
+            <a:alphaModFix/>
+          </a:blip>
+          <a:srcRect/>
+          <a:stretch/>
+        </p:blipFill>
+        <p:spPr>
+          <a:xfrm>
+            <a:off x="10668000" y="5981612"/>
+            <a:ext cx="1246029" cy="511263"/>
+          </a:xfrm>
+          <a:prstGeom prst="rect">
+            <a:avLst/>
+          </a:prstGeom>
+          <a:noFill/>
+          <a:ln>
+            <a:noFill/>
+          </a:ln>
+        </p:spPr>
+      </p:pic>
+    </p:spTree>
+    <p:extLst>
+      <p:ext uri="{BB962C8B-B14F-4D97-AF65-F5344CB8AC3E}">
+        <p14:creationId xmlns:p14="http://schemas.microsoft.com/office/powerpoint/2010/main" val="2029363244"/>
+      </p:ext>
+    </p:extLst>
+  </p:cSld>
+  <p:clrMapOvr>
+    <a:masterClrMapping/>
+  </p:clrMapOvr>
+</p:sldLayout>
+</file>
+
 <file path=ppt/slideLayouts/slideLayout2.xml><?xml version="1.0" encoding="utf-8"?>
 <p:sldLayout xmlns:a="http://schemas.openxmlformats.org/drawingml/2006/main" xmlns:r="http://schemas.openxmlformats.org/officeDocument/2006/relationships" xmlns:p="http://schemas.openxmlformats.org/presentationml/2006/main" type="obj" preserve="1">
   <p:cSld name="Title and Content">
@@ -5198,7 +5066,7 @@
           <a:p>
             <a:fld id="{5B983482-B5A0-4227-B1C2-F9D61292994E}" type="datetimeFigureOut">
               <a:rPr lang="he-IL" smtClean="0"/>
-              <a:t>ט"ז/תמוז/תשפ"ג</a:t>
+              <a:t>כ'/תמוז/תשפ"ג</a:t>
             </a:fld>
             <a:endParaRPr lang="he-IL"/>
           </a:p>
@@ -5474,7 +5342,7 @@
           <a:p>
             <a:fld id="{5B983482-B5A0-4227-B1C2-F9D61292994E}" type="datetimeFigureOut">
               <a:rPr lang="he-IL" smtClean="0"/>
-              <a:t>ט"ז/תמוז/תשפ"ג</a:t>
+              <a:t>כ'/תמוז/תשפ"ג</a:t>
             </a:fld>
             <a:endParaRPr lang="he-IL"/>
           </a:p>
@@ -5742,7 +5610,7 @@
           <a:p>
             <a:fld id="{5B983482-B5A0-4227-B1C2-F9D61292994E}" type="datetimeFigureOut">
               <a:rPr lang="he-IL" smtClean="0"/>
-              <a:t>ט"ז/תמוז/תשפ"ג</a:t>
+              <a:t>כ'/תמוז/תשפ"ג</a:t>
             </a:fld>
             <a:endParaRPr lang="he-IL"/>
           </a:p>
@@ -6157,7 +6025,7 @@
           <a:p>
             <a:fld id="{5B983482-B5A0-4227-B1C2-F9D61292994E}" type="datetimeFigureOut">
               <a:rPr lang="he-IL" smtClean="0"/>
-              <a:t>ט"ז/תמוז/תשפ"ג</a:t>
+              <a:t>כ'/תמוז/תשפ"ג</a:t>
             </a:fld>
             <a:endParaRPr lang="he-IL"/>
           </a:p>
@@ -6299,7 +6167,7 @@
           <a:p>
             <a:fld id="{5B983482-B5A0-4227-B1C2-F9D61292994E}" type="datetimeFigureOut">
               <a:rPr lang="he-IL" smtClean="0"/>
-              <a:t>ט"ז/תמוז/תשפ"ג</a:t>
+              <a:t>כ'/תמוז/תשפ"ג</a:t>
             </a:fld>
             <a:endParaRPr lang="he-IL"/>
           </a:p>
@@ -6412,7 +6280,7 @@
           <a:p>
             <a:fld id="{5B983482-B5A0-4227-B1C2-F9D61292994E}" type="datetimeFigureOut">
               <a:rPr lang="he-IL" smtClean="0"/>
-              <a:t>ט"ז/תמוז/תשפ"ג</a:t>
+              <a:t>כ'/תמוז/תשפ"ג</a:t>
             </a:fld>
             <a:endParaRPr lang="he-IL"/>
           </a:p>
@@ -6725,7 +6593,7 @@
           <a:p>
             <a:fld id="{5B983482-B5A0-4227-B1C2-F9D61292994E}" type="datetimeFigureOut">
               <a:rPr lang="he-IL" smtClean="0"/>
-              <a:t>ט"ז/תמוז/תשפ"ג</a:t>
+              <a:t>כ'/תמוז/תשפ"ג</a:t>
             </a:fld>
             <a:endParaRPr lang="he-IL"/>
           </a:p>
@@ -7014,7 +6882,7 @@
           <a:p>
             <a:fld id="{5B983482-B5A0-4227-B1C2-F9D61292994E}" type="datetimeFigureOut">
               <a:rPr lang="he-IL" smtClean="0"/>
-              <a:t>ט"ז/תמוז/תשפ"ג</a:t>
+              <a:t>כ'/תמוז/תשפ"ג</a:t>
             </a:fld>
             <a:endParaRPr lang="he-IL"/>
           </a:p>
@@ -7257,7 +7125,7 @@
           <a:p>
             <a:fld id="{5B983482-B5A0-4227-B1C2-F9D61292994E}" type="datetimeFigureOut">
               <a:rPr lang="he-IL" smtClean="0"/>
-              <a:t>ט"ז/תמוז/תשפ"ג</a:t>
+              <a:t>כ'/תמוז/תשפ"ג</a:t>
             </a:fld>
             <a:endParaRPr lang="he-IL"/>
           </a:p>
@@ -7373,11 +7241,11 @@
     <p:sldLayoutId id="2147483657" r:id="rId9"/>
     <p:sldLayoutId id="2147483658" r:id="rId10"/>
     <p:sldLayoutId id="2147483659" r:id="rId11"/>
-    <p:sldLayoutId id="2147483660" r:id="rId12"/>
-    <p:sldLayoutId id="2147483661" r:id="rId13"/>
-    <p:sldLayoutId id="2147483663" r:id="rId14"/>
-    <p:sldLayoutId id="2147483667" r:id="rId15"/>
-    <p:sldLayoutId id="2147483668" r:id="rId16"/>
+    <p:sldLayoutId id="2147483661" r:id="rId12"/>
+    <p:sldLayoutId id="2147483663" r:id="rId13"/>
+    <p:sldLayoutId id="2147483667" r:id="rId14"/>
+    <p:sldLayoutId id="2147483668" r:id="rId15"/>
+    <p:sldLayoutId id="2147483669" r:id="rId16"/>
   </p:sldLayoutIdLst>
   <p:txStyles>
     <p:titleStyle>
@@ -7667,7 +7535,7 @@
   <p:cSld>
     <p:spTree>
       <p:nvGrpSpPr>
-        <p:cNvPr id="1" name=""/>
+        <p:cNvPr id="1" name="Shape 161"/>
         <p:cNvGrpSpPr/>
         <p:nvPr/>
       </p:nvGrpSpPr>
@@ -7681,52 +7549,497 @@
       </p:grpSpPr>
       <p:sp>
         <p:nvSpPr>
-          <p:cNvPr id="2" name="Title 1"/>
-          <p:cNvSpPr>
-            <a:spLocks noGrp="1"/>
-          </p:cNvSpPr>
-          <p:nvPr>
-            <p:ph type="ctrTitle"/>
-          </p:nvPr>
+          <p:cNvPr id="162" name="Google Shape;162;p3"/>
+          <p:cNvSpPr/>
+          <p:nvPr/>
         </p:nvSpPr>
         <p:spPr>
           <a:xfrm>
-            <a:off x="2135560" y="1700808"/>
-            <a:ext cx="7388072" cy="1085850"/>
+            <a:off x="753215" y="731221"/>
+            <a:ext cx="1852408" cy="1804715"/>
           </a:xfrm>
+          <a:prstGeom prst="rect">
+            <a:avLst/>
+          </a:prstGeom>
+          <a:noFill/>
+          <a:ln w="114300" cap="flat" cmpd="sng">
+            <a:solidFill>
+              <a:srgbClr val="0071F6"/>
+            </a:solidFill>
+            <a:prstDash val="solid"/>
+            <a:miter lim="800000"/>
+            <a:headEnd type="none" w="sm" len="sm"/>
+            <a:tailEnd type="none" w="sm" len="sm"/>
+          </a:ln>
         </p:spPr>
         <p:txBody>
-          <a:bodyPr/>
+          <a:bodyPr spcFirstLastPara="1" wrap="square" lIns="91425" tIns="45700" rIns="91425" bIns="45700" anchor="ctr" anchorCtr="0">
+            <a:noAutofit/>
+          </a:bodyPr>
           <a:lstStyle/>
           <a:p>
-            <a:r>
-              <a:rPr lang="en-US" dirty="0"/>
-              <a:t>Module 05: Classes </a:t>
-            </a:r>
-            <a:r>
-              <a:rPr lang="en-US"/>
-              <a:t>and Objects</a:t>
-            </a:r>
-            <a:endParaRPr lang="he-IL" dirty="0"/>
+            <a:pPr marL="0" marR="0" lvl="0" indent="0" algn="ctr" rtl="0">
+              <a:spcBef>
+                <a:spcPts val="0"/>
+              </a:spcBef>
+              <a:spcAft>
+                <a:spcPts val="0"/>
+              </a:spcAft>
+              <a:buNone/>
+            </a:pPr>
+            <a:endParaRPr sz="10000" b="0" i="0" u="none" strike="noStrike" cap="none">
+              <a:solidFill>
+                <a:schemeClr val="lt1"/>
+              </a:solidFill>
+              <a:latin typeface="Calibri"/>
+              <a:ea typeface="Calibri"/>
+              <a:cs typeface="Calibri"/>
+              <a:sym typeface="Calibri"/>
+            </a:endParaRPr>
           </a:p>
         </p:txBody>
       </p:sp>
+      <p:sp>
+        <p:nvSpPr>
+          <p:cNvPr id="163" name="Google Shape;163;p3"/>
+          <p:cNvSpPr/>
+          <p:nvPr/>
+        </p:nvSpPr>
+        <p:spPr>
+          <a:xfrm>
+            <a:off x="1024128" y="974550"/>
+            <a:ext cx="1938528" cy="1220010"/>
+          </a:xfrm>
+          <a:prstGeom prst="rect">
+            <a:avLst/>
+          </a:prstGeom>
+          <a:solidFill>
+            <a:schemeClr val="lt1"/>
+          </a:solidFill>
+          <a:ln>
+            <a:noFill/>
+          </a:ln>
+        </p:spPr>
+        <p:txBody>
+          <a:bodyPr spcFirstLastPara="1" wrap="square" lIns="91425" tIns="45700" rIns="91425" bIns="45700" anchor="ctr" anchorCtr="0">
+            <a:noAutofit/>
+          </a:bodyPr>
+          <a:lstStyle/>
+          <a:p>
+            <a:pPr marL="0" marR="0" lvl="0" indent="0" algn="ctr" rtl="0">
+              <a:spcBef>
+                <a:spcPts val="0"/>
+              </a:spcBef>
+              <a:spcAft>
+                <a:spcPts val="0"/>
+              </a:spcAft>
+              <a:buNone/>
+            </a:pPr>
+            <a:endParaRPr sz="1800" b="0" i="0" u="none" strike="noStrike" cap="none">
+              <a:solidFill>
+                <a:schemeClr val="lt1"/>
+              </a:solidFill>
+              <a:latin typeface="Calibri"/>
+              <a:ea typeface="Calibri"/>
+              <a:cs typeface="Calibri"/>
+              <a:sym typeface="Calibri"/>
+            </a:endParaRPr>
+          </a:p>
+        </p:txBody>
+      </p:sp>
+      <p:sp>
+        <p:nvSpPr>
+          <p:cNvPr id="164" name="Google Shape;164;p3"/>
+          <p:cNvSpPr txBox="1"/>
+          <p:nvPr/>
+        </p:nvSpPr>
+        <p:spPr>
+          <a:xfrm>
+            <a:off x="1197504" y="1264978"/>
+            <a:ext cx="10396733" cy="696987"/>
+          </a:xfrm>
+          <a:prstGeom prst="rect">
+            <a:avLst/>
+          </a:prstGeom>
+          <a:noFill/>
+          <a:ln>
+            <a:noFill/>
+          </a:ln>
+        </p:spPr>
+        <p:txBody>
+          <a:bodyPr spcFirstLastPara="1" wrap="square" lIns="0" tIns="0" rIns="0" bIns="0" anchor="t" anchorCtr="0">
+            <a:noAutofit/>
+          </a:bodyPr>
+          <a:lstStyle/>
+          <a:p>
+            <a:pPr marL="0" marR="0" lvl="0" indent="0" algn="l" rtl="0">
+              <a:lnSpc>
+                <a:spcPct val="90000"/>
+              </a:lnSpc>
+              <a:spcBef>
+                <a:spcPts val="0"/>
+              </a:spcBef>
+              <a:spcAft>
+                <a:spcPts val="0"/>
+              </a:spcAft>
+              <a:buClr>
+                <a:schemeClr val="dk1"/>
+              </a:buClr>
+              <a:buSzPts val="5000"/>
+              <a:buFont typeface="Lexend"/>
+              <a:buNone/>
+            </a:pPr>
+            <a:r>
+              <a:rPr lang="en-US" sz="6000" b="1" dirty="0">
+                <a:latin typeface="Lexend" panose="020B0604020202020204"/>
+                <a:cs typeface="Levenim MT" panose="02010502060101010101" pitchFamily="2" charset="-79"/>
+              </a:rPr>
+              <a:t>Module 05- Classes and Objects</a:t>
+            </a:r>
+            <a:endParaRPr lang="en-US" sz="2400" b="1" i="0" u="none" strike="noStrike" cap="none" dirty="0">
+              <a:latin typeface="Lexend" panose="020B0604020202020204"/>
+              <a:ea typeface="Lexend" panose="020B0604020202020204"/>
+              <a:cs typeface="Levenim MT" panose="02010502060101010101" pitchFamily="2" charset="-79"/>
+              <a:sym typeface="Lexend"/>
+            </a:endParaRPr>
+          </a:p>
+        </p:txBody>
+      </p:sp>
+      <p:grpSp>
+        <p:nvGrpSpPr>
+          <p:cNvPr id="26" name="Group 25">
+            <a:extLst>
+              <a:ext uri="{FF2B5EF4-FFF2-40B4-BE49-F238E27FC236}">
+                <a16:creationId xmlns:a16="http://schemas.microsoft.com/office/drawing/2014/main" id="{3707614E-B472-D72F-3362-F3D5800A79AE}"/>
+              </a:ext>
+            </a:extLst>
+          </p:cNvPr>
+          <p:cNvGrpSpPr/>
+          <p:nvPr/>
+        </p:nvGrpSpPr>
+        <p:grpSpPr>
+          <a:xfrm>
+            <a:off x="4768981" y="6314787"/>
+            <a:ext cx="2898939" cy="435065"/>
+            <a:chOff x="4346126" y="6301065"/>
+            <a:chExt cx="2898939" cy="435065"/>
+          </a:xfrm>
+        </p:grpSpPr>
+        <p:sp>
+          <p:nvSpPr>
+            <p:cNvPr id="27" name="Google Shape;157;p2">
+              <a:extLst>
+                <a:ext uri="{FF2B5EF4-FFF2-40B4-BE49-F238E27FC236}">
+                  <a16:creationId xmlns:a16="http://schemas.microsoft.com/office/drawing/2014/main" id="{4EA5EBB7-68D9-5C27-8971-C58931043AB0}"/>
+                </a:ext>
+              </a:extLst>
+            </p:cNvPr>
+            <p:cNvSpPr txBox="1"/>
+            <p:nvPr/>
+          </p:nvSpPr>
+          <p:spPr>
+            <a:xfrm>
+              <a:off x="4346126" y="6301065"/>
+              <a:ext cx="2898939" cy="260080"/>
+            </a:xfrm>
+            <a:prstGeom prst="rect">
+              <a:avLst/>
+            </a:prstGeom>
+            <a:noFill/>
+            <a:ln>
+              <a:noFill/>
+            </a:ln>
+          </p:spPr>
+          <p:txBody>
+            <a:bodyPr spcFirstLastPara="1" wrap="square" lIns="91425" tIns="45700" rIns="91425" bIns="45700" anchor="t" anchorCtr="0">
+              <a:noAutofit/>
+            </a:bodyPr>
+            <a:lstStyle/>
+            <a:p>
+              <a:pPr marL="0" marR="0" lvl="0" indent="0" algn="ctr" rtl="0">
+                <a:lnSpc>
+                  <a:spcPct val="90000"/>
+                </a:lnSpc>
+                <a:spcBef>
+                  <a:spcPts val="0"/>
+                </a:spcBef>
+                <a:spcAft>
+                  <a:spcPts val="0"/>
+                </a:spcAft>
+                <a:buClr>
+                  <a:schemeClr val="lt1"/>
+                </a:buClr>
+                <a:buSzPts val="4000"/>
+                <a:buFont typeface="Lexend"/>
+                <a:buNone/>
+              </a:pPr>
+              <a:r>
+                <a:rPr lang="en-US" sz="1100" b="1" i="0" u="none" strike="noStrike" cap="none" dirty="0">
+                  <a:solidFill>
+                    <a:srgbClr val="00DBE9"/>
+                  </a:solidFill>
+                  <a:latin typeface="+mn-lt"/>
+                  <a:ea typeface="Lexend"/>
+                  <a:cs typeface="+mn-cs"/>
+                  <a:sym typeface="Lexend"/>
+                  <a:hlinkClick r:id="rId3">
+                    <a:extLst>
+                      <a:ext uri="{A12FA001-AC4F-418D-AE19-62706E023703}">
+                        <ahyp:hlinkClr xmlns:ahyp="http://schemas.microsoft.com/office/drawing/2018/hyperlinkcolor" val="tx"/>
+                      </a:ext>
+                    </a:extLst>
+                  </a:hlinkClick>
+                </a:rPr>
+                <a:t>WWW.SELACLOUD.COM</a:t>
+              </a:r>
+              <a:endParaRPr sz="1100" dirty="0">
+                <a:solidFill>
+                  <a:srgbClr val="00DBE9"/>
+                </a:solidFill>
+                <a:latin typeface="+mn-lt"/>
+                <a:cs typeface="+mn-cs"/>
+              </a:endParaRPr>
+            </a:p>
+            <a:p>
+              <a:pPr marL="0" marR="0" lvl="0" indent="0" algn="ctr" rtl="0">
+                <a:lnSpc>
+                  <a:spcPct val="90000"/>
+                </a:lnSpc>
+                <a:spcBef>
+                  <a:spcPts val="0"/>
+                </a:spcBef>
+                <a:spcAft>
+                  <a:spcPts val="0"/>
+                </a:spcAft>
+                <a:buClr>
+                  <a:schemeClr val="lt1"/>
+                </a:buClr>
+                <a:buSzPts val="4000"/>
+                <a:buFont typeface="Noto Sans Hebrew"/>
+                <a:buNone/>
+              </a:pPr>
+              <a:endParaRPr sz="1100" b="1" i="0" u="none" strike="noStrike" cap="none" dirty="0">
+                <a:solidFill>
+                  <a:srgbClr val="00DBE9"/>
+                </a:solidFill>
+                <a:latin typeface="Lexend Light" pitchFamily="2" charset="0"/>
+                <a:ea typeface="Lexend"/>
+                <a:cs typeface="Lexend"/>
+                <a:sym typeface="Lexend"/>
+              </a:endParaRPr>
+            </a:p>
+          </p:txBody>
+        </p:sp>
+        <p:grpSp>
+          <p:nvGrpSpPr>
+            <p:cNvPr id="28" name="Group 27">
+              <a:extLst>
+                <a:ext uri="{FF2B5EF4-FFF2-40B4-BE49-F238E27FC236}">
+                  <a16:creationId xmlns:a16="http://schemas.microsoft.com/office/drawing/2014/main" id="{60FDA890-33F8-40FC-59E2-9BD7B4CF4B60}"/>
+                </a:ext>
+              </a:extLst>
+            </p:cNvPr>
+            <p:cNvGrpSpPr/>
+            <p:nvPr/>
+          </p:nvGrpSpPr>
+          <p:grpSpPr>
+            <a:xfrm>
+              <a:off x="5196988" y="6503312"/>
+              <a:ext cx="1188416" cy="232818"/>
+              <a:chOff x="5196988" y="6503312"/>
+              <a:chExt cx="1188416" cy="232818"/>
+            </a:xfrm>
+          </p:grpSpPr>
+          <p:pic>
+            <p:nvPicPr>
+              <p:cNvPr id="29" name="Picture 28" descr="Icon&#10;&#10;Description automatically generated">
+                <a:hlinkClick r:id="rId4"/>
+                <a:extLst>
+                  <a:ext uri="{FF2B5EF4-FFF2-40B4-BE49-F238E27FC236}">
+                    <a16:creationId xmlns:a16="http://schemas.microsoft.com/office/drawing/2014/main" id="{64501E28-0CD7-BEAB-240F-3FE7691367B8}"/>
+                  </a:ext>
+                </a:extLst>
+              </p:cNvPr>
+              <p:cNvPicPr>
+                <a:picLocks noChangeAspect="1"/>
+              </p:cNvPicPr>
+              <p:nvPr/>
+            </p:nvPicPr>
+            <p:blipFill>
+              <a:blip r:embed="rId5"/>
+              <a:stretch>
+                <a:fillRect/>
+              </a:stretch>
+            </p:blipFill>
+            <p:spPr>
+              <a:xfrm>
+                <a:off x="5407162" y="6503312"/>
+                <a:ext cx="338919" cy="232817"/>
+              </a:xfrm>
+              <a:prstGeom prst="rect">
+                <a:avLst/>
+              </a:prstGeom>
+            </p:spPr>
+          </p:pic>
+          <p:pic>
+            <p:nvPicPr>
+              <p:cNvPr id="30" name="Picture 29" descr="Logo, icon&#10;&#10;Description automatically generated">
+                <a:hlinkClick r:id="rId6"/>
+                <a:extLst>
+                  <a:ext uri="{FF2B5EF4-FFF2-40B4-BE49-F238E27FC236}">
+                    <a16:creationId xmlns:a16="http://schemas.microsoft.com/office/drawing/2014/main" id="{4D899894-16A2-81DC-1AC3-0E3C481677CD}"/>
+                  </a:ext>
+                </a:extLst>
+              </p:cNvPr>
+              <p:cNvPicPr>
+                <a:picLocks noChangeAspect="1"/>
+              </p:cNvPicPr>
+              <p:nvPr/>
+            </p:nvPicPr>
+            <p:blipFill>
+              <a:blip r:embed="rId7"/>
+              <a:stretch>
+                <a:fillRect/>
+              </a:stretch>
+            </p:blipFill>
+            <p:spPr>
+              <a:xfrm>
+                <a:off x="5837917" y="6503313"/>
+                <a:ext cx="338919" cy="232817"/>
+              </a:xfrm>
+              <a:prstGeom prst="rect">
+                <a:avLst/>
+              </a:prstGeom>
+            </p:spPr>
+          </p:pic>
+          <p:pic>
+            <p:nvPicPr>
+              <p:cNvPr id="31" name="Picture 30" descr="Logo&#10;&#10;Description automatically generated">
+                <a:hlinkClick r:id="rId8"/>
+                <a:extLst>
+                  <a:ext uri="{FF2B5EF4-FFF2-40B4-BE49-F238E27FC236}">
+                    <a16:creationId xmlns:a16="http://schemas.microsoft.com/office/drawing/2014/main" id="{6DECAAD2-14ED-D62E-83E5-01D62FD73E58}"/>
+                  </a:ext>
+                </a:extLst>
+              </p:cNvPr>
+              <p:cNvPicPr>
+                <a:picLocks noChangeAspect="1"/>
+              </p:cNvPicPr>
+              <p:nvPr/>
+            </p:nvPicPr>
+            <p:blipFill>
+              <a:blip r:embed="rId9"/>
+              <a:stretch>
+                <a:fillRect/>
+              </a:stretch>
+            </p:blipFill>
+            <p:spPr>
+              <a:xfrm>
+                <a:off x="6046485" y="6503313"/>
+                <a:ext cx="338919" cy="232817"/>
+              </a:xfrm>
+              <a:prstGeom prst="rect">
+                <a:avLst/>
+              </a:prstGeom>
+            </p:spPr>
+          </p:pic>
+          <p:pic>
+            <p:nvPicPr>
+              <p:cNvPr id="32" name="Picture 31" descr="Icon&#10;&#10;Description automatically generated">
+                <a:hlinkClick r:id="rId10"/>
+                <a:extLst>
+                  <a:ext uri="{FF2B5EF4-FFF2-40B4-BE49-F238E27FC236}">
+                    <a16:creationId xmlns:a16="http://schemas.microsoft.com/office/drawing/2014/main" id="{DC102836-817A-8573-C7AB-C2724E6E5F1C}"/>
+                  </a:ext>
+                </a:extLst>
+              </p:cNvPr>
+              <p:cNvPicPr>
+                <a:picLocks noChangeAspect="1"/>
+              </p:cNvPicPr>
+              <p:nvPr/>
+            </p:nvPicPr>
+            <p:blipFill>
+              <a:blip r:embed="rId11"/>
+              <a:stretch>
+                <a:fillRect/>
+              </a:stretch>
+            </p:blipFill>
+            <p:spPr>
+              <a:xfrm>
+                <a:off x="5196988" y="6503312"/>
+                <a:ext cx="338919" cy="232817"/>
+              </a:xfrm>
+              <a:prstGeom prst="rect">
+                <a:avLst/>
+              </a:prstGeom>
+            </p:spPr>
+          </p:pic>
+          <p:pic>
+            <p:nvPicPr>
+              <p:cNvPr id="33" name="Picture 32" descr="Icon&#10;&#10;Description automatically generated">
+                <a:hlinkClick r:id="rId12"/>
+                <a:extLst>
+                  <a:ext uri="{FF2B5EF4-FFF2-40B4-BE49-F238E27FC236}">
+                    <a16:creationId xmlns:a16="http://schemas.microsoft.com/office/drawing/2014/main" id="{F46B6109-4740-9E76-5C84-B96F79785CAF}"/>
+                  </a:ext>
+                </a:extLst>
+              </p:cNvPr>
+              <p:cNvPicPr>
+                <a:picLocks noChangeAspect="1"/>
+              </p:cNvPicPr>
+              <p:nvPr/>
+            </p:nvPicPr>
+            <p:blipFill>
+              <a:blip r:embed="rId13"/>
+              <a:stretch>
+                <a:fillRect/>
+              </a:stretch>
+            </p:blipFill>
+            <p:spPr>
+              <a:xfrm>
+                <a:off x="5626137" y="6503312"/>
+                <a:ext cx="338919" cy="232817"/>
+              </a:xfrm>
+              <a:prstGeom prst="rect">
+                <a:avLst/>
+              </a:prstGeom>
+            </p:spPr>
+          </p:pic>
+        </p:grpSp>
+      </p:grpSp>
     </p:spTree>
-    <p:extLst>
-      <p:ext uri="{BB962C8B-B14F-4D97-AF65-F5344CB8AC3E}">
-        <p14:creationId xmlns:p14="http://schemas.microsoft.com/office/powerpoint/2010/main" val="1629193451"/>
-      </p:ext>
-    </p:extLst>
   </p:cSld>
   <p:clrMapOvr>
     <a:masterClrMapping/>
   </p:clrMapOvr>
+  <mc:AlternateContent xmlns:mc="http://schemas.openxmlformats.org/markup-compatibility/2006" xmlns:p14="http://schemas.microsoft.com/office/powerpoint/2010/main">
+    <mc:Choice Requires="p14">
+      <p:transition spd="slow" p14:dur="2000" advTm="2283"/>
+    </mc:Choice>
+    <mc:Fallback xmlns="">
+      <p:transition spd="slow" advTm="2283"/>
+    </mc:Fallback>
+  </mc:AlternateContent>
 </p:sld>
 </file>
 
 <file path=ppt/slides/slide10.xml><?xml version="1.0" encoding="utf-8"?>
 <p:sld xmlns:a="http://schemas.openxmlformats.org/drawingml/2006/main" xmlns:r="http://schemas.openxmlformats.org/officeDocument/2006/relationships" xmlns:p="http://schemas.openxmlformats.org/presentationml/2006/main">
   <p:cSld>
+    <p:bg>
+      <p:bgPr>
+        <a:blipFill dpi="0" rotWithShape="1">
+          <a:blip r:embed="rId2">
+            <a:lum/>
+          </a:blip>
+          <a:srcRect/>
+          <a:stretch>
+            <a:fillRect/>
+          </a:stretch>
+        </a:blipFill>
+        <a:effectLst/>
+      </p:bgPr>
+    </p:bg>
     <p:spTree>
       <p:nvGrpSpPr>
         <p:cNvPr id="1" name=""/>
@@ -7757,10 +8070,14 @@
           <a:lstStyle/>
           <a:p>
             <a:r>
-              <a:rPr lang="en-US" dirty="0"/>
+              <a:rPr lang="en-US" b="1" dirty="0">
+                <a:latin typeface="Lexend Light"/>
+              </a:rPr>
               <a:t>Lab 01-02</a:t>
             </a:r>
-            <a:endParaRPr lang="he-IL" dirty="0"/>
+            <a:endParaRPr lang="he-IL" b="1" dirty="0">
+              <a:latin typeface="Lexend Light"/>
+            </a:endParaRPr>
           </a:p>
         </p:txBody>
       </p:sp>
@@ -7780,6 +8097,20 @@
 <file path=ppt/slides/slide11.xml><?xml version="1.0" encoding="utf-8"?>
 <p:sld xmlns:a="http://schemas.openxmlformats.org/drawingml/2006/main" xmlns:r="http://schemas.openxmlformats.org/officeDocument/2006/relationships" xmlns:p="http://schemas.openxmlformats.org/presentationml/2006/main">
   <p:cSld>
+    <p:bg>
+      <p:bgPr>
+        <a:blipFill dpi="0" rotWithShape="1">
+          <a:blip r:embed="rId2">
+            <a:lum/>
+          </a:blip>
+          <a:srcRect/>
+          <a:stretch>
+            <a:fillRect/>
+          </a:stretch>
+        </a:blipFill>
+        <a:effectLst/>
+      </p:bgPr>
+    </p:bg>
     <p:spTree>
       <p:nvGrpSpPr>
         <p:cNvPr id="1" name=""/>
@@ -7823,10 +8154,20 @@
           <a:lstStyle/>
           <a:p>
             <a:r>
-              <a:rPr lang="en-US" dirty="0"/>
+              <a:rPr lang="en-US" b="1" dirty="0">
+                <a:solidFill>
+                  <a:srgbClr val="0071F6"/>
+                </a:solidFill>
+                <a:latin typeface="Lexend" panose="020B0604020202020204"/>
+              </a:rPr>
               <a:t>Hide Implementation</a:t>
             </a:r>
-            <a:endParaRPr lang="he-IL" dirty="0"/>
+            <a:endParaRPr lang="he-IL" b="1" dirty="0">
+              <a:solidFill>
+                <a:srgbClr val="0071F6"/>
+              </a:solidFill>
+              <a:latin typeface="Lexend" panose="020B0604020202020204"/>
+            </a:endParaRPr>
           </a:p>
         </p:txBody>
       </p:sp>
@@ -7866,7 +8207,9 @@
               <a:buChar char="•"/>
             </a:pPr>
             <a:r>
-              <a:rPr lang="en-US" sz="2800" dirty="0"/>
+              <a:rPr lang="en-US" sz="2800" dirty="0">
+                <a:latin typeface="Lexend Light"/>
+              </a:rPr>
               <a:t>Python defines private attributes by convention</a:t>
             </a:r>
           </a:p>
@@ -7876,7 +8219,9 @@
               <a:buChar char="•"/>
             </a:pPr>
             <a:r>
-              <a:rPr lang="en-US" sz="2800" dirty="0"/>
+              <a:rPr lang="en-US" sz="2800" dirty="0">
+                <a:latin typeface="Lexend Light"/>
+              </a:rPr>
               <a:t>Attributes, whose name starts with an underscore (e.g. _spam) should be treated as a non-public and should be never accessed outside the class</a:t>
             </a:r>
           </a:p>
@@ -7886,7 +8231,9 @@
               <a:buChar char="•"/>
             </a:pPr>
             <a:r>
-              <a:rPr lang="en-US" sz="2800" dirty="0"/>
+              <a:rPr lang="en-US" sz="2800" dirty="0">
+                <a:latin typeface="Lexend Light"/>
+              </a:rPr>
               <a:t>Attributes, whose name starts with two leading underscores (e.g. __spam) will be treated as strongly private (Python simply changes their names in outside class access)</a:t>
             </a:r>
           </a:p>
@@ -7896,7 +8243,9 @@
               <a:buChar char="•"/>
             </a:pPr>
             <a:r>
-              <a:rPr lang="en-US" sz="2800" dirty="0"/>
+              <a:rPr lang="en-US" sz="2800" dirty="0">
+                <a:latin typeface="Lexend Light"/>
+              </a:rPr>
               <a:t>It is still possible to access or modify a variable that is considered to be non-public</a:t>
             </a:r>
           </a:p>
@@ -7918,6 +8267,20 @@
 <file path=ppt/slides/slide12.xml><?xml version="1.0" encoding="utf-8"?>
 <p:sld xmlns:a="http://schemas.openxmlformats.org/drawingml/2006/main" xmlns:r="http://schemas.openxmlformats.org/officeDocument/2006/relationships" xmlns:p="http://schemas.openxmlformats.org/presentationml/2006/main">
   <p:cSld>
+    <p:bg>
+      <p:bgPr>
+        <a:blipFill dpi="0" rotWithShape="1">
+          <a:blip r:embed="rId3">
+            <a:lum/>
+          </a:blip>
+          <a:srcRect/>
+          <a:stretch>
+            <a:fillRect/>
+          </a:stretch>
+        </a:blipFill>
+        <a:effectLst/>
+      </p:bgPr>
+    </p:bg>
     <p:spTree>
       <p:nvGrpSpPr>
         <p:cNvPr id="1" name=""/>
@@ -7950,7 +8313,12 @@
           <a:lstStyle/>
           <a:p>
             <a:r>
-              <a:rPr lang="en-US" dirty="0"/>
+              <a:rPr lang="en-US" b="1" dirty="0">
+                <a:solidFill>
+                  <a:srgbClr val="0071F6"/>
+                </a:solidFill>
+                <a:latin typeface="Lexend" panose="020B0604020202020204"/>
+              </a:rPr>
               <a:t>Classes clean-up</a:t>
             </a:r>
           </a:p>
@@ -7979,39 +8347,53 @@
           <a:lstStyle/>
           <a:p>
             <a:r>
-              <a:rPr lang="en-US" sz="2900" dirty="0"/>
+              <a:rPr lang="en-US" sz="2900" dirty="0">
+                <a:latin typeface="Lexend Light"/>
+              </a:rPr>
               <a:t>Since the memory in python is managed, destruction/cleanup is usually needed for resources</a:t>
             </a:r>
           </a:p>
           <a:p>
-            <a:endParaRPr lang="en-US" sz="1600" dirty="0"/>
-          </a:p>
-          <a:p>
-            <a:r>
-              <a:rPr lang="en-US" sz="2900" dirty="0"/>
+            <a:endParaRPr lang="en-US" sz="1600" dirty="0">
+              <a:latin typeface="Lexend Light"/>
+            </a:endParaRPr>
+          </a:p>
+          <a:p>
+            <a:r>
+              <a:rPr lang="en-US" sz="2900" dirty="0">
+                <a:latin typeface="Lexend Light"/>
+              </a:rPr>
               <a:t>One of the ways to manage object cleanup is by defining the __del__() method</a:t>
             </a:r>
           </a:p>
           <a:p>
             <a:r>
-              <a:rPr lang="en-US" sz="2900" dirty="0"/>
+              <a:rPr lang="en-US" sz="2900" dirty="0">
+                <a:latin typeface="Lexend Light"/>
+              </a:rPr>
               <a:t>The __del__() is called when the instance is about to be destroyed by GC</a:t>
             </a:r>
           </a:p>
           <a:p>
-            <a:endParaRPr lang="en-US" dirty="0"/>
+            <a:endParaRPr lang="en-US" dirty="0">
+              <a:latin typeface="Lexend Light"/>
+            </a:endParaRPr>
           </a:p>
           <a:p>
             <a:pPr marL="0" indent="0">
               <a:buNone/>
             </a:pPr>
-            <a:endParaRPr lang="en-US" dirty="0"/>
+            <a:endParaRPr lang="en-US" dirty="0">
+              <a:latin typeface="Lexend Light"/>
+            </a:endParaRPr>
           </a:p>
           <a:p>
             <a:pPr marL="0" indent="0">
               <a:buNone/>
             </a:pPr>
-            <a:endParaRPr lang="en-US" dirty="0"/>
+            <a:endParaRPr lang="en-US" dirty="0">
+              <a:latin typeface="Lexend Light"/>
+            </a:endParaRPr>
           </a:p>
         </p:txBody>
       </p:sp>
@@ -8570,6 +8952,20 @@
 <file path=ppt/slides/slide13.xml><?xml version="1.0" encoding="utf-8"?>
 <p:sld xmlns:a="http://schemas.openxmlformats.org/drawingml/2006/main" xmlns:r="http://schemas.openxmlformats.org/officeDocument/2006/relationships" xmlns:p="http://schemas.openxmlformats.org/presentationml/2006/main">
   <p:cSld>
+    <p:bg>
+      <p:bgPr>
+        <a:blipFill dpi="0" rotWithShape="1">
+          <a:blip r:embed="rId3">
+            <a:lum/>
+          </a:blip>
+          <a:srcRect/>
+          <a:stretch>
+            <a:fillRect/>
+          </a:stretch>
+        </a:blipFill>
+        <a:effectLst/>
+      </p:bgPr>
+    </p:bg>
     <p:spTree>
       <p:nvGrpSpPr>
         <p:cNvPr id="1" name=""/>
@@ -8602,10 +8998,19 @@
           <a:lstStyle/>
           <a:p>
             <a:r>
-              <a:rPr lang="en-US" dirty="0"/>
+              <a:rPr lang="en-US" b="1" dirty="0">
+                <a:solidFill>
+                  <a:srgbClr val="0071F6"/>
+                </a:solidFill>
+                <a:latin typeface="Lexend" panose="020B0604020202020204"/>
+              </a:rPr>
               <a:t>Classes clean-up – cont’d</a:t>
             </a:r>
-            <a:endParaRPr lang="he-IL" dirty="0">
+            <a:endParaRPr lang="he-IL" b="1" dirty="0">
+              <a:solidFill>
+                <a:srgbClr val="0071F6"/>
+              </a:solidFill>
+              <a:latin typeface="Lexend" panose="020B0604020202020204"/>
               <a:cs typeface="Times New Roman"/>
             </a:endParaRPr>
           </a:p>
@@ -8629,7 +9034,9 @@
           <a:lstStyle/>
           <a:p>
             <a:r>
-              <a:rPr lang="en-US" sz="2400" dirty="0"/>
+              <a:rPr lang="en-US" sz="2400" dirty="0">
+                <a:latin typeface="Lexend Light"/>
+              </a:rPr>
               <a:t>The problem with __del__ is that it will be called at unpredictable time (if ever) for objects with circular referencing</a:t>
             </a:r>
           </a:p>
@@ -8637,17 +9044,25 @@
             <a:pPr marL="0" indent="0">
               <a:buNone/>
             </a:pPr>
-            <a:endParaRPr lang="en-US" sz="1000" dirty="0"/>
+            <a:endParaRPr lang="en-US" sz="1000" dirty="0">
+              <a:latin typeface="Lexend Light"/>
+            </a:endParaRPr>
           </a:p>
           <a:p>
             <a:pPr algn="l"/>
-            <a:endParaRPr lang="en-US" sz="2400" dirty="0"/>
-          </a:p>
-          <a:p>
-            <a:endParaRPr lang="en-US" sz="2400" dirty="0"/>
-          </a:p>
-          <a:p>
-            <a:endParaRPr lang="he-IL" sz="2400" dirty="0"/>
+            <a:endParaRPr lang="en-US" sz="2400" dirty="0">
+              <a:latin typeface="Lexend Light"/>
+            </a:endParaRPr>
+          </a:p>
+          <a:p>
+            <a:endParaRPr lang="en-US" sz="2400" dirty="0">
+              <a:latin typeface="Lexend Light"/>
+            </a:endParaRPr>
+          </a:p>
+          <a:p>
+            <a:endParaRPr lang="he-IL" sz="2400" dirty="0">
+              <a:latin typeface="Lexend Light"/>
+            </a:endParaRPr>
           </a:p>
         </p:txBody>
       </p:sp>
@@ -9305,6 +9720,20 @@
 <file path=ppt/slides/slide14.xml><?xml version="1.0" encoding="utf-8"?>
 <p:sld xmlns:a="http://schemas.openxmlformats.org/drawingml/2006/main" xmlns:r="http://schemas.openxmlformats.org/officeDocument/2006/relationships" xmlns:p="http://schemas.openxmlformats.org/presentationml/2006/main">
   <p:cSld>
+    <p:bg>
+      <p:bgPr>
+        <a:blipFill dpi="0" rotWithShape="1">
+          <a:blip r:embed="rId2">
+            <a:lum/>
+          </a:blip>
+          <a:srcRect/>
+          <a:stretch>
+            <a:fillRect/>
+          </a:stretch>
+        </a:blipFill>
+        <a:effectLst/>
+      </p:bgPr>
+    </p:bg>
     <p:spTree>
       <p:nvGrpSpPr>
         <p:cNvPr id="1" name=""/>
@@ -9348,10 +9777,20 @@
           <a:lstStyle/>
           <a:p>
             <a:r>
-              <a:rPr lang="en-US" dirty="0"/>
+              <a:rPr lang="en-US" b="1" dirty="0">
+                <a:solidFill>
+                  <a:srgbClr val="0071F6"/>
+                </a:solidFill>
+                <a:latin typeface="Lexend" panose="020B0604020202020204"/>
+              </a:rPr>
               <a:t>Classes clean-up – cont’d</a:t>
             </a:r>
-            <a:endParaRPr lang="he-IL" dirty="0"/>
+            <a:endParaRPr lang="he-IL" b="1" dirty="0">
+              <a:solidFill>
+                <a:srgbClr val="0071F6"/>
+              </a:solidFill>
+              <a:latin typeface="Lexend" panose="020B0604020202020204"/>
+            </a:endParaRPr>
           </a:p>
         </p:txBody>
       </p:sp>
@@ -9391,15 +9830,21 @@
               <a:buChar char="•"/>
             </a:pPr>
             <a:r>
-              <a:rPr lang="en-US" sz="2800" dirty="0"/>
+              <a:rPr lang="en-US" sz="2800" dirty="0">
+                <a:latin typeface="Lexend Light"/>
+              </a:rPr>
               <a:t>The better solution for object clean-up and the recommended one is to add to the class support of context manager (</a:t>
             </a:r>
             <a:r>
-              <a:rPr lang="en-US" sz="2800" i="1" dirty="0"/>
+              <a:rPr lang="en-US" sz="2800" i="1" dirty="0">
+                <a:latin typeface="Lexend Light"/>
+              </a:rPr>
               <a:t>with</a:t>
             </a:r>
             <a:r>
-              <a:rPr lang="en-US" sz="2800" dirty="0"/>
+              <a:rPr lang="en-US" sz="2800" dirty="0">
+                <a:latin typeface="Lexend Light"/>
+              </a:rPr>
               <a:t> statement)</a:t>
             </a:r>
           </a:p>
@@ -9408,7 +9853,9 @@
               <a:buFont typeface="Arial" panose="020B0604020202020204" pitchFamily="34" charset="0"/>
               <a:buChar char="•"/>
             </a:pPr>
-            <a:endParaRPr lang="en-US" sz="2800" dirty="0"/>
+            <a:endParaRPr lang="en-US" sz="2800" dirty="0">
+              <a:latin typeface="Lexend Light"/>
+            </a:endParaRPr>
           </a:p>
           <a:p>
             <a:pPr marL="457200" indent="-457200">
@@ -9416,7 +9863,9 @@
               <a:buChar char="•"/>
             </a:pPr>
             <a:r>
-              <a:rPr lang="en-US" sz="2800" dirty="0"/>
+              <a:rPr lang="en-US" sz="2800" dirty="0">
+                <a:latin typeface="Lexend Light"/>
+              </a:rPr>
               <a:t>Not like __del__() it has no side effects</a:t>
             </a:r>
           </a:p>
@@ -9425,7 +9874,9 @@
               <a:buFont typeface="Arial" panose="020B0604020202020204" pitchFamily="34" charset="0"/>
               <a:buChar char="•"/>
             </a:pPr>
-            <a:endParaRPr lang="en-US" sz="2800" dirty="0"/>
+            <a:endParaRPr lang="en-US" sz="2800" dirty="0">
+              <a:latin typeface="Lexend Light"/>
+            </a:endParaRPr>
           </a:p>
           <a:p>
             <a:pPr marL="457200" indent="-457200">
@@ -9433,7 +9884,9 @@
               <a:buChar char="•"/>
             </a:pPr>
             <a:r>
-              <a:rPr lang="en-US" sz="2800" dirty="0"/>
+              <a:rPr lang="en-US" sz="2800" dirty="0">
+                <a:latin typeface="Lexend Light"/>
+              </a:rPr>
               <a:t>To use the with statement, create a class with the following methods:</a:t>
             </a:r>
           </a:p>
@@ -9443,7 +9896,9 @@
               <a:buChar char="•"/>
             </a:pPr>
             <a:r>
-              <a:rPr lang="en-US" sz="2800" dirty="0"/>
+              <a:rPr lang="en-US" sz="2800" dirty="0">
+                <a:latin typeface="Lexend Light"/>
+              </a:rPr>
               <a:t>__enter__ </a:t>
             </a:r>
           </a:p>
@@ -9453,7 +9908,9 @@
               <a:buChar char="•"/>
             </a:pPr>
             <a:r>
-              <a:rPr lang="en-US" sz="2800" dirty="0"/>
+              <a:rPr lang="en-US" sz="2800" dirty="0">
+                <a:latin typeface="Lexend Light"/>
+              </a:rPr>
               <a:t>__exit__</a:t>
             </a:r>
           </a:p>
@@ -9475,6 +9932,20 @@
 <file path=ppt/slides/slide15.xml><?xml version="1.0" encoding="utf-8"?>
 <p:sld xmlns:a="http://schemas.openxmlformats.org/drawingml/2006/main" xmlns:r="http://schemas.openxmlformats.org/officeDocument/2006/relationships" xmlns:p="http://schemas.openxmlformats.org/presentationml/2006/main">
   <p:cSld>
+    <p:bg>
+      <p:bgPr>
+        <a:blipFill dpi="0" rotWithShape="1">
+          <a:blip r:embed="rId3">
+            <a:lum/>
+          </a:blip>
+          <a:srcRect/>
+          <a:stretch>
+            <a:fillRect/>
+          </a:stretch>
+        </a:blipFill>
+        <a:effectLst/>
+      </p:bgPr>
+    </p:bg>
     <p:spTree>
       <p:nvGrpSpPr>
         <p:cNvPr id="1" name=""/>
@@ -9507,10 +9978,19 @@
           <a:lstStyle/>
           <a:p>
             <a:r>
-              <a:rPr lang="en-US" dirty="0"/>
+              <a:rPr lang="en-US" b="1" dirty="0">
+                <a:solidFill>
+                  <a:srgbClr val="0071F6"/>
+                </a:solidFill>
+                <a:latin typeface="Lexend" panose="020B0604020202020204"/>
+              </a:rPr>
               <a:t>Class Inheritance</a:t>
             </a:r>
-            <a:endParaRPr lang="he-IL" dirty="0">
+            <a:endParaRPr lang="he-IL" b="1" dirty="0">
+              <a:solidFill>
+                <a:srgbClr val="0071F6"/>
+              </a:solidFill>
+              <a:latin typeface="Lexend" panose="020B0604020202020204"/>
               <a:cs typeface="Times New Roman"/>
             </a:endParaRPr>
           </a:p>
@@ -9539,67 +10019,95 @@
           <a:lstStyle/>
           <a:p>
             <a:r>
-              <a:rPr lang="en-US" sz="2400" dirty="0"/>
+              <a:rPr lang="en-US" sz="2400" dirty="0">
+                <a:latin typeface="Lexend Light"/>
+              </a:rPr>
               <a:t>When we need to extend the existed class functionality and to add an extra features with a smart reuse of existed class – the solution is inheritance</a:t>
             </a:r>
           </a:p>
           <a:p>
-            <a:endParaRPr lang="en-US" sz="1100" dirty="0"/>
-          </a:p>
-          <a:p>
-            <a:r>
-              <a:rPr lang="en-US" sz="2400" dirty="0"/>
+            <a:endParaRPr lang="en-US" sz="1100" dirty="0">
+              <a:latin typeface="Lexend Light"/>
+            </a:endParaRPr>
+          </a:p>
+          <a:p>
+            <a:r>
+              <a:rPr lang="en-US" sz="2400" dirty="0">
+                <a:latin typeface="Lexend Light"/>
+              </a:rPr>
               <a:t>In inheritance, the class that performs the inheritance called derived class and the one who we inherits (extends) from - called base class</a:t>
             </a:r>
           </a:p>
           <a:p>
-            <a:endParaRPr lang="en-US" sz="1200" dirty="0"/>
-          </a:p>
-          <a:p>
-            <a:r>
-              <a:rPr lang="en-US" sz="2400" dirty="0"/>
+            <a:endParaRPr lang="en-US" sz="1200" dirty="0">
+              <a:latin typeface="Lexend Light"/>
+            </a:endParaRPr>
+          </a:p>
+          <a:p>
+            <a:r>
+              <a:rPr lang="en-US" sz="2400" dirty="0">
+                <a:latin typeface="Lexend Light"/>
+              </a:rPr>
               <a:t>The child class inherits all attributes of its parent class</a:t>
             </a:r>
           </a:p>
           <a:p>
             <a:r>
-              <a:rPr lang="en-US" sz="2400" dirty="0"/>
+              <a:rPr lang="en-US" sz="2400" dirty="0">
+                <a:latin typeface="Lexend Light"/>
+              </a:rPr>
               <a:t>A derived class can override any method of its base class, and a method can call the method of a base class with the same name</a:t>
             </a:r>
           </a:p>
           <a:p>
-            <a:endParaRPr lang="en-US" sz="2000" dirty="0"/>
+            <a:endParaRPr lang="en-US" sz="2000" dirty="0">
+              <a:latin typeface="Lexend Light"/>
+            </a:endParaRPr>
           </a:p>
           <a:p>
             <a:pPr marL="0" indent="0">
               <a:buNone/>
             </a:pPr>
             <a:r>
-              <a:rPr lang="en-US" sz="2400" dirty="0"/>
+              <a:rPr lang="en-US" sz="2400" dirty="0">
+                <a:latin typeface="Lexend Light"/>
+              </a:rPr>
               <a:t>         class </a:t>
             </a:r>
             <a:r>
-              <a:rPr lang="en-US" sz="2400" i="1" dirty="0" err="1"/>
+              <a:rPr lang="en-US" sz="2400" i="1" dirty="0" err="1">
+                <a:latin typeface="Lexend Light"/>
+              </a:rPr>
               <a:t>DerivedClass</a:t>
             </a:r>
             <a:r>
-              <a:rPr lang="en-US" sz="2400" dirty="0"/>
+              <a:rPr lang="en-US" sz="2400" dirty="0">
+                <a:latin typeface="Lexend Light"/>
+              </a:rPr>
               <a:t> (</a:t>
             </a:r>
             <a:r>
-              <a:rPr lang="en-US" sz="2400" i="1" dirty="0"/>
+              <a:rPr lang="en-US" sz="2400" i="1" dirty="0">
+                <a:latin typeface="Lexend Light"/>
+              </a:rPr>
               <a:t>BaseClass1</a:t>
             </a:r>
             <a:r>
-              <a:rPr lang="en-US" sz="2400" dirty="0"/>
+              <a:rPr lang="en-US" sz="2400" dirty="0">
+                <a:latin typeface="Lexend Light"/>
+              </a:rPr>
               <a:t> [, </a:t>
             </a:r>
             <a:r>
-              <a:rPr lang="en-US" sz="2400" i="1" dirty="0"/>
+              <a:rPr lang="en-US" sz="2400" i="1" dirty="0">
+                <a:latin typeface="Lexend Light"/>
+              </a:rPr>
               <a:t>BaseClass2</a:t>
             </a:r>
             <a:r>
-              <a:rPr lang="en-US" sz="2400" dirty="0"/>
+              <a:rPr lang="en-US" sz="2400" dirty="0">
+                <a:latin typeface="Lexend Light"/>
+              </a:rPr>
               <a:t>, ...]): 	</a:t>
             </a:r>
           </a:p>
@@ -9608,7 +10116,9 @@
               <a:buNone/>
             </a:pPr>
             <a:r>
-              <a:rPr lang="en-US" sz="2400" dirty="0"/>
+              <a:rPr lang="en-US" sz="2400" dirty="0">
+                <a:latin typeface="Lexend Light"/>
+              </a:rPr>
               <a:t>                'Optional class documentation string' </a:t>
             </a:r>
           </a:p>
@@ -9617,21 +10127,16 @@
               <a:buNone/>
             </a:pPr>
             <a:r>
-              <a:rPr lang="en-US" sz="2400" dirty="0"/>
+              <a:rPr lang="en-US" sz="2400" dirty="0">
+                <a:latin typeface="Lexend Light"/>
+              </a:rPr>
               <a:t>	    commands</a:t>
             </a:r>
           </a:p>
           <a:p>
-            <a:pPr marL="0" indent="0" algn="l">
-              <a:buNone/>
-            </a:pPr>
-            <a:endParaRPr lang="en-US" sz="2400" dirty="0"/>
-          </a:p>
-          <a:p>
-            <a:endParaRPr lang="en-US" sz="2400" dirty="0"/>
-          </a:p>
-          <a:p>
-            <a:endParaRPr lang="he-IL" sz="2400" dirty="0"/>
+            <a:endParaRPr lang="he-IL" sz="2400" dirty="0">
+              <a:latin typeface="Lexend Light"/>
+            </a:endParaRPr>
           </a:p>
         </p:txBody>
       </p:sp>
@@ -9650,7 +10155,7 @@
           <p:nvPr/>
         </p:nvPicPr>
         <p:blipFill>
-          <a:blip r:embed="rId3">
+          <a:blip r:embed="rId4">
             <a:extLst>
               <a:ext uri="{28A0092B-C50C-407E-A947-70E740481C1C}">
                 <a14:useLocalDpi xmlns:a14="http://schemas.microsoft.com/office/drawing/2010/main" val="0"/>
@@ -9698,6 +10203,20 @@
 <file path=ppt/slides/slide16.xml><?xml version="1.0" encoding="utf-8"?>
 <p:sld xmlns:a="http://schemas.openxmlformats.org/drawingml/2006/main" xmlns:r="http://schemas.openxmlformats.org/officeDocument/2006/relationships" xmlns:p="http://schemas.openxmlformats.org/presentationml/2006/main">
   <p:cSld>
+    <p:bg>
+      <p:bgPr>
+        <a:blipFill dpi="0" rotWithShape="1">
+          <a:blip r:embed="rId3">
+            <a:lum/>
+          </a:blip>
+          <a:srcRect/>
+          <a:stretch>
+            <a:fillRect/>
+          </a:stretch>
+        </a:blipFill>
+        <a:effectLst/>
+      </p:bgPr>
+    </p:bg>
     <p:spTree>
       <p:nvGrpSpPr>
         <p:cNvPr id="1" name=""/>
@@ -9730,7 +10249,12 @@
           <a:lstStyle/>
           <a:p>
             <a:r>
-              <a:rPr lang="en-US" dirty="0"/>
+              <a:rPr lang="en-US" b="1" dirty="0">
+                <a:solidFill>
+                  <a:srgbClr val="0071F6"/>
+                </a:solidFill>
+                <a:latin typeface="Lexend" panose="020B0604020202020204"/>
+              </a:rPr>
               <a:t>Class Inheritance – cont’d</a:t>
             </a:r>
           </a:p>
@@ -9759,7 +10283,9 @@
           <a:lstStyle/>
           <a:p>
             <a:r>
-              <a:rPr lang="en-US" sz="2800" dirty="0"/>
+              <a:rPr lang="en-US" sz="2800" dirty="0">
+                <a:latin typeface="Lexend Light"/>
+              </a:rPr>
               <a:t>Student Bank Account example:</a:t>
             </a:r>
           </a:p>
@@ -10722,6 +11248,20 @@
 <file path=ppt/slides/slide17.xml><?xml version="1.0" encoding="utf-8"?>
 <p:sld xmlns:a="http://schemas.openxmlformats.org/drawingml/2006/main" xmlns:r="http://schemas.openxmlformats.org/officeDocument/2006/relationships" xmlns:p="http://schemas.openxmlformats.org/presentationml/2006/main">
   <p:cSld>
+    <p:bg>
+      <p:bgPr>
+        <a:blipFill dpi="0" rotWithShape="1">
+          <a:blip r:embed="rId3">
+            <a:lum/>
+          </a:blip>
+          <a:srcRect/>
+          <a:stretch>
+            <a:fillRect/>
+          </a:stretch>
+        </a:blipFill>
+        <a:effectLst/>
+      </p:bgPr>
+    </p:bg>
     <p:spTree>
       <p:nvGrpSpPr>
         <p:cNvPr id="1" name=""/>
@@ -10754,7 +11294,12 @@
           <a:lstStyle/>
           <a:p>
             <a:r>
-              <a:rPr lang="en-US" dirty="0"/>
+              <a:rPr lang="en-US" b="1" dirty="0">
+                <a:solidFill>
+                  <a:srgbClr val="0071F6"/>
+                </a:solidFill>
+                <a:latin typeface="Lexend" panose="020B0604020202020204"/>
+              </a:rPr>
               <a:t>Class Inheritance – cont’d</a:t>
             </a:r>
           </a:p>
@@ -10783,92 +11328,134 @@
           <a:lstStyle/>
           <a:p>
             <a:r>
-              <a:rPr lang="en-US" dirty="0"/>
+              <a:rPr lang="en-US" dirty="0">
+                <a:latin typeface="Lexend Light"/>
+              </a:rPr>
               <a:t>Base method overriding can be done using </a:t>
             </a:r>
             <a:r>
-              <a:rPr lang="en-US" i="1" dirty="0"/>
+              <a:rPr lang="en-US" i="1" dirty="0">
+                <a:latin typeface="Lexend Light"/>
+              </a:rPr>
               <a:t>super:</a:t>
             </a:r>
           </a:p>
           <a:p>
-            <a:endParaRPr lang="en-US" sz="2400" dirty="0"/>
-          </a:p>
-          <a:p>
-            <a:endParaRPr lang="en-US" sz="2400" dirty="0"/>
-          </a:p>
-          <a:p>
-            <a:endParaRPr lang="en-US" sz="2400" dirty="0"/>
-          </a:p>
-          <a:p>
-            <a:endParaRPr lang="en-US" sz="2400" dirty="0"/>
-          </a:p>
-          <a:p>
-            <a:r>
-              <a:rPr lang="en-US" dirty="0"/>
+            <a:endParaRPr lang="en-US" sz="2400" dirty="0">
+              <a:latin typeface="Lexend Light"/>
+            </a:endParaRPr>
+          </a:p>
+          <a:p>
+            <a:endParaRPr lang="en-US" sz="2400" dirty="0">
+              <a:latin typeface="Lexend Light"/>
+            </a:endParaRPr>
+          </a:p>
+          <a:p>
+            <a:endParaRPr lang="en-US" sz="2400" dirty="0">
+              <a:latin typeface="Lexend Light"/>
+            </a:endParaRPr>
+          </a:p>
+          <a:p>
+            <a:endParaRPr lang="en-US" sz="2400" dirty="0">
+              <a:latin typeface="Lexend Light"/>
+            </a:endParaRPr>
+          </a:p>
+          <a:p>
+            <a:r>
+              <a:rPr lang="en-US" dirty="0">
+                <a:latin typeface="Lexend Light"/>
+              </a:rPr>
               <a:t>Note:  </a:t>
             </a:r>
           </a:p>
           <a:p>
             <a:pPr lvl="1"/>
             <a:r>
-              <a:rPr lang="en-US" sz="2500" dirty="0"/>
+              <a:rPr lang="en-US" sz="2500" dirty="0">
+                <a:latin typeface="Lexend Light"/>
+              </a:rPr>
               <a:t>In python 3.x super syntax is much easier:   super().__</a:t>
             </a:r>
             <a:r>
-              <a:rPr lang="en-US" sz="2500" dirty="0" err="1"/>
+              <a:rPr lang="en-US" sz="2500" dirty="0" err="1">
+                <a:latin typeface="Lexend Light"/>
+              </a:rPr>
               <a:t>init</a:t>
             </a:r>
             <a:r>
-              <a:rPr lang="en-US" sz="2500" dirty="0"/>
+              <a:rPr lang="en-US" sz="2500" dirty="0">
+                <a:latin typeface="Lexend Light"/>
+              </a:rPr>
               <a:t>__( ….)</a:t>
             </a:r>
           </a:p>
           <a:p>
-            <a:endParaRPr lang="en-US" sz="1600" dirty="0"/>
-          </a:p>
-          <a:p>
-            <a:r>
-              <a:rPr lang="en-US" i="1" dirty="0" err="1"/>
+            <a:endParaRPr lang="en-US" sz="1600" dirty="0">
+              <a:latin typeface="Lexend Light"/>
+            </a:endParaRPr>
+          </a:p>
+          <a:p>
+            <a:r>
+              <a:rPr lang="en-US" i="1" dirty="0" err="1">
+                <a:latin typeface="Lexend Light"/>
+              </a:rPr>
               <a:t>isinstance</a:t>
             </a:r>
             <a:r>
-              <a:rPr lang="en-US" i="1" dirty="0"/>
+              <a:rPr lang="en-US" i="1" dirty="0">
+                <a:latin typeface="Lexend Light"/>
+              </a:rPr>
               <a:t>(obj, type)</a:t>
             </a:r>
             <a:r>
-              <a:rPr lang="en-US" dirty="0"/>
+              <a:rPr lang="en-US" dirty="0">
+                <a:latin typeface="Lexend Light"/>
+              </a:rPr>
               <a:t>  - return true if the </a:t>
             </a:r>
             <a:r>
-              <a:rPr lang="en-US" i="1" dirty="0"/>
+              <a:rPr lang="en-US" i="1" dirty="0">
+                <a:latin typeface="Lexend Light"/>
+              </a:rPr>
               <a:t>obj</a:t>
             </a:r>
             <a:r>
-              <a:rPr lang="en-US" dirty="0"/>
+              <a:rPr lang="en-US" dirty="0">
+                <a:latin typeface="Lexend Light"/>
+              </a:rPr>
               <a:t> argument is an instance of the </a:t>
             </a:r>
             <a:r>
-              <a:rPr lang="en-US" i="1" dirty="0"/>
+              <a:rPr lang="en-US" i="1" dirty="0">
+                <a:latin typeface="Lexend Light"/>
+              </a:rPr>
               <a:t>type</a:t>
             </a:r>
             <a:r>
-              <a:rPr lang="en-US" dirty="0"/>
+              <a:rPr lang="en-US" dirty="0">
+                <a:latin typeface="Lexend Light"/>
+              </a:rPr>
               <a:t> argument, or of a subclass thereof.</a:t>
             </a:r>
-            <a:endParaRPr lang="en-US" i="1" dirty="0"/>
+            <a:endParaRPr lang="en-US" i="1" dirty="0">
+              <a:latin typeface="Lexend Light"/>
+            </a:endParaRPr>
           </a:p>
           <a:p>
             <a:pPr marL="0" indent="0">
               <a:buNone/>
             </a:pPr>
-            <a:endParaRPr lang="en-US" dirty="0"/>
+            <a:endParaRPr lang="en-US" dirty="0">
+              <a:latin typeface="Lexend Light"/>
+            </a:endParaRPr>
           </a:p>
           <a:p>
             <a:pPr marL="0" indent="0">
               <a:buNone/>
             </a:pPr>
-            <a:endParaRPr lang="en-US" dirty="0"/>
+            <a:endParaRPr lang="en-US" dirty="0">
+              <a:latin typeface="Lexend Light"/>
+            </a:endParaRPr>
           </a:p>
         </p:txBody>
       </p:sp>
@@ -11507,6 +12094,20 @@
 <file path=ppt/slides/slide18.xml><?xml version="1.0" encoding="utf-8"?>
 <p:sld xmlns:a="http://schemas.openxmlformats.org/drawingml/2006/main" xmlns:r="http://schemas.openxmlformats.org/officeDocument/2006/relationships" xmlns:p="http://schemas.openxmlformats.org/presentationml/2006/main">
   <p:cSld>
+    <p:bg>
+      <p:bgPr>
+        <a:blipFill dpi="0" rotWithShape="1">
+          <a:blip r:embed="rId2">
+            <a:lum/>
+          </a:blip>
+          <a:srcRect/>
+          <a:stretch>
+            <a:fillRect/>
+          </a:stretch>
+        </a:blipFill>
+        <a:effectLst/>
+      </p:bgPr>
+    </p:bg>
     <p:spTree>
       <p:nvGrpSpPr>
         <p:cNvPr id="1" name=""/>
@@ -11537,10 +12138,14 @@
           <a:lstStyle/>
           <a:p>
             <a:r>
-              <a:rPr lang="en-US"/>
+              <a:rPr lang="en-US" b="1" dirty="0">
+                <a:latin typeface="Lexend Light"/>
+              </a:rPr>
               <a:t>Lab 03</a:t>
             </a:r>
-            <a:endParaRPr lang="he-IL" dirty="0"/>
+            <a:endParaRPr lang="he-IL" b="1" dirty="0">
+              <a:latin typeface="Lexend Light"/>
+            </a:endParaRPr>
           </a:p>
         </p:txBody>
       </p:sp>
@@ -11560,6 +12165,20 @@
 <file path=ppt/slides/slide19.xml><?xml version="1.0" encoding="utf-8"?>
 <p:sld xmlns:a="http://schemas.openxmlformats.org/drawingml/2006/main" xmlns:r="http://schemas.openxmlformats.org/officeDocument/2006/relationships" xmlns:p="http://schemas.openxmlformats.org/presentationml/2006/main">
   <p:cSld>
+    <p:bg>
+      <p:bgPr>
+        <a:blipFill dpi="0" rotWithShape="1">
+          <a:blip r:embed="rId2">
+            <a:lum/>
+          </a:blip>
+          <a:srcRect/>
+          <a:stretch>
+            <a:fillRect/>
+          </a:stretch>
+        </a:blipFill>
+        <a:effectLst/>
+      </p:bgPr>
+    </p:bg>
     <p:spTree>
       <p:nvGrpSpPr>
         <p:cNvPr id="1" name=""/>
@@ -11590,6 +12209,20 @@
 <file path=ppt/slides/slide2.xml><?xml version="1.0" encoding="utf-8"?>
 <p:sld xmlns:a="http://schemas.openxmlformats.org/drawingml/2006/main" xmlns:r="http://schemas.openxmlformats.org/officeDocument/2006/relationships" xmlns:p="http://schemas.openxmlformats.org/presentationml/2006/main">
   <p:cSld>
+    <p:bg>
+      <p:bgPr>
+        <a:blipFill dpi="0" rotWithShape="1">
+          <a:blip r:embed="rId2">
+            <a:lum/>
+          </a:blip>
+          <a:srcRect/>
+          <a:stretch>
+            <a:fillRect/>
+          </a:stretch>
+        </a:blipFill>
+        <a:effectLst/>
+      </p:bgPr>
+    </p:bg>
     <p:spTree>
       <p:nvGrpSpPr>
         <p:cNvPr id="1" name=""/>
@@ -11627,7 +12260,9 @@
               </a:lnSpc>
             </a:pPr>
             <a:r>
-              <a:rPr lang="en-US" dirty="0"/>
+              <a:rPr lang="en-US" dirty="0">
+                <a:latin typeface="Lexend Light"/>
+              </a:rPr>
               <a:t>Classes explanation and example</a:t>
             </a:r>
           </a:p>
@@ -11638,7 +12273,9 @@
               </a:lnSpc>
             </a:pPr>
             <a:r>
-              <a:rPr lang="en-US" dirty="0"/>
+              <a:rPr lang="en-US" dirty="0">
+                <a:latin typeface="Lexend Light"/>
+              </a:rPr>
               <a:t>Creating Instances</a:t>
             </a:r>
           </a:p>
@@ -11649,7 +12286,9 @@
               </a:lnSpc>
             </a:pPr>
             <a:r>
-              <a:rPr lang="en-US" dirty="0"/>
+              <a:rPr lang="en-US" dirty="0">
+                <a:latin typeface="Lexend Light"/>
+              </a:rPr>
               <a:t>Hide Implementation</a:t>
             </a:r>
           </a:p>
@@ -11660,7 +12299,9 @@
               </a:lnSpc>
             </a:pPr>
             <a:r>
-              <a:rPr lang="en-US" dirty="0"/>
+              <a:rPr lang="en-US" dirty="0">
+                <a:latin typeface="Lexend Light"/>
+              </a:rPr>
               <a:t>Class destructors</a:t>
             </a:r>
           </a:p>
@@ -11671,7 +12312,9 @@
               </a:lnSpc>
             </a:pPr>
             <a:r>
-              <a:rPr lang="en-US" dirty="0"/>
+              <a:rPr lang="en-US" dirty="0">
+                <a:latin typeface="Lexend Light"/>
+              </a:rPr>
               <a:t>Class Inheritance</a:t>
             </a:r>
           </a:p>
@@ -11682,7 +12325,9 @@
               </a:lnSpc>
             </a:pPr>
             <a:r>
-              <a:rPr lang="en-US" dirty="0"/>
+              <a:rPr lang="en-US" dirty="0">
+                <a:latin typeface="Lexend Light"/>
+              </a:rPr>
               <a:t>Override base class methods</a:t>
             </a:r>
           </a:p>
@@ -11704,10 +12349,20 @@
           <a:lstStyle/>
           <a:p>
             <a:r>
-              <a:rPr lang="en-US" dirty="0"/>
+              <a:rPr lang="en-US" b="1" dirty="0">
+                <a:solidFill>
+                  <a:srgbClr val="0071F6"/>
+                </a:solidFill>
+                <a:latin typeface="Lexend" panose="020B0604020202020204"/>
+              </a:rPr>
               <a:t>Agenda</a:t>
             </a:r>
-            <a:endParaRPr lang="he-IL" dirty="0"/>
+            <a:endParaRPr lang="he-IL" b="1" dirty="0">
+              <a:solidFill>
+                <a:srgbClr val="0071F6"/>
+              </a:solidFill>
+              <a:latin typeface="Lexend" panose="020B0604020202020204"/>
+            </a:endParaRPr>
           </a:p>
         </p:txBody>
       </p:sp>
@@ -11727,138 +12382,20 @@
 <file path=ppt/slides/slide3.xml><?xml version="1.0" encoding="utf-8"?>
 <p:sld xmlns:a="http://schemas.openxmlformats.org/drawingml/2006/main" xmlns:r="http://schemas.openxmlformats.org/officeDocument/2006/relationships" xmlns:p="http://schemas.openxmlformats.org/presentationml/2006/main">
   <p:cSld>
-    <p:spTree>
-      <p:nvGrpSpPr>
-        <p:cNvPr id="1" name=""/>
-        <p:cNvGrpSpPr/>
-        <p:nvPr/>
-      </p:nvGrpSpPr>
-      <p:grpSpPr>
-        <a:xfrm>
-          <a:off x="0" y="0"/>
-          <a:ext cx="0" cy="0"/>
-          <a:chOff x="0" y="0"/>
-          <a:chExt cx="0" cy="0"/>
-        </a:xfrm>
-      </p:grpSpPr>
-      <p:sp>
-        <p:nvSpPr>
-          <p:cNvPr id="2" name="Title 1"/>
-          <p:cNvSpPr>
-            <a:spLocks noGrp="1"/>
-          </p:cNvSpPr>
-          <p:nvPr>
-            <p:ph type="title"/>
-          </p:nvPr>
-        </p:nvSpPr>
-        <p:spPr/>
-        <p:txBody>
-          <a:bodyPr/>
-          <a:lstStyle/>
-          <a:p>
-            <a:r>
-              <a:rPr lang="en-US" dirty="0"/>
-              <a:t>Class</a:t>
-            </a:r>
-            <a:endParaRPr lang="he-IL" dirty="0"/>
-          </a:p>
-        </p:txBody>
-      </p:sp>
-      <p:sp>
-        <p:nvSpPr>
-          <p:cNvPr id="3" name="Content Placeholder 2"/>
-          <p:cNvSpPr>
-            <a:spLocks noGrp="1"/>
-          </p:cNvSpPr>
-          <p:nvPr>
-            <p:ph idx="1"/>
-          </p:nvPr>
-        </p:nvSpPr>
-        <p:spPr/>
-        <p:txBody>
-          <a:bodyPr vert="horz" lIns="91440" tIns="45720" rIns="91440" bIns="45720" rtlCol="0" anchor="t">
-            <a:normAutofit/>
-          </a:bodyPr>
-          <a:lstStyle/>
-          <a:p>
-            <a:r>
-              <a:rPr lang="en-US" dirty="0"/>
-              <a:t>Python defines a set of predefined types of objects, like int, string, list, method etc.</a:t>
-            </a:r>
-          </a:p>
-          <a:p>
-            <a:r>
-              <a:rPr lang="en-US" dirty="0"/>
-              <a:t>User can define its own, user defined type of object using </a:t>
-            </a:r>
-            <a:r>
-              <a:rPr lang="en-US" i="1" dirty="0"/>
-              <a:t>class</a:t>
-            </a:r>
-            <a:r>
-              <a:rPr lang="en-US" dirty="0"/>
-              <a:t> keyword</a:t>
-            </a:r>
-          </a:p>
-          <a:p>
-            <a:r>
-              <a:rPr lang="en-US" dirty="0"/>
-              <a:t>The name of the class immediately follows the keyword </a:t>
-            </a:r>
-            <a:r>
-              <a:rPr lang="en-US" i="1" dirty="0"/>
-              <a:t>class</a:t>
-            </a:r>
-            <a:r>
-              <a:rPr lang="en-US" dirty="0"/>
-              <a:t> followed by a colon. The name of class is a new user defined type:</a:t>
-            </a:r>
-          </a:p>
-          <a:p>
-            <a:pPr marL="0" indent="0">
-              <a:buNone/>
-            </a:pPr>
-            <a:r>
-              <a:rPr lang="en-US" dirty="0"/>
-              <a:t>class Test:</a:t>
-            </a:r>
-          </a:p>
-          <a:p>
-            <a:pPr marL="0" indent="0">
-              <a:buNone/>
-            </a:pPr>
-            <a:r>
-              <a:rPr lang="en-US" dirty="0"/>
-              <a:t>	 'Optional class documentation string' </a:t>
-            </a:r>
-          </a:p>
-          <a:p>
-            <a:pPr marL="0" indent="0">
-              <a:buNone/>
-            </a:pPr>
-            <a:r>
-              <a:rPr lang="en-US" dirty="0"/>
-              <a:t>	pass</a:t>
-            </a:r>
-          </a:p>
-        </p:txBody>
-      </p:sp>
-    </p:spTree>
-    <p:extLst>
-      <p:ext uri="{BB962C8B-B14F-4D97-AF65-F5344CB8AC3E}">
-        <p14:creationId xmlns:p14="http://schemas.microsoft.com/office/powerpoint/2010/main" val="89284741"/>
-      </p:ext>
-    </p:extLst>
-  </p:cSld>
-  <p:clrMapOvr>
-    <a:masterClrMapping/>
-  </p:clrMapOvr>
-</p:sld>
-</file>
-
-<file path=ppt/slides/slide4.xml><?xml version="1.0" encoding="utf-8"?>
-<p:sld xmlns:a="http://schemas.openxmlformats.org/drawingml/2006/main" xmlns:r="http://schemas.openxmlformats.org/officeDocument/2006/relationships" xmlns:p="http://schemas.openxmlformats.org/presentationml/2006/main">
-  <p:cSld>
+    <p:bg>
+      <p:bgPr>
+        <a:blipFill dpi="0" rotWithShape="1">
+          <a:blip r:embed="rId3">
+            <a:lum/>
+          </a:blip>
+          <a:srcRect/>
+          <a:stretch>
+            <a:fillRect/>
+          </a:stretch>
+        </a:blipFill>
+        <a:effectLst/>
+      </p:bgPr>
+    </p:bg>
     <p:spTree>
       <p:nvGrpSpPr>
         <p:cNvPr id="1" name=""/>
@@ -11885,8 +12422,189 @@
         </p:nvSpPr>
         <p:spPr>
           <a:xfrm>
-            <a:off x="136237" y="291155"/>
-            <a:ext cx="10515600" cy="1325563"/>
+            <a:off x="838200" y="445025"/>
+            <a:ext cx="10515600" cy="993158"/>
+          </a:xfrm>
+        </p:spPr>
+        <p:txBody>
+          <a:bodyPr/>
+          <a:lstStyle/>
+          <a:p>
+            <a:r>
+              <a:rPr lang="en-US" b="1" dirty="0">
+                <a:solidFill>
+                  <a:srgbClr val="0071F6"/>
+                </a:solidFill>
+                <a:latin typeface="Lexend" panose="020B0604020202020204"/>
+              </a:rPr>
+              <a:t>Class</a:t>
+            </a:r>
+            <a:endParaRPr lang="he-IL" b="1" dirty="0">
+              <a:solidFill>
+                <a:srgbClr val="0071F6"/>
+              </a:solidFill>
+              <a:latin typeface="Lexend" panose="020B0604020202020204"/>
+            </a:endParaRPr>
+          </a:p>
+        </p:txBody>
+      </p:sp>
+      <p:sp>
+        <p:nvSpPr>
+          <p:cNvPr id="3" name="Content Placeholder 2"/>
+          <p:cNvSpPr>
+            <a:spLocks noGrp="1"/>
+          </p:cNvSpPr>
+          <p:nvPr>
+            <p:ph idx="1"/>
+          </p:nvPr>
+        </p:nvSpPr>
+        <p:spPr/>
+        <p:txBody>
+          <a:bodyPr vert="horz" lIns="91440" tIns="45720" rIns="91440" bIns="45720" rtlCol="0" anchor="t">
+            <a:normAutofit/>
+          </a:bodyPr>
+          <a:lstStyle/>
+          <a:p>
+            <a:r>
+              <a:rPr lang="en-US" dirty="0">
+                <a:latin typeface="Lexend Light"/>
+              </a:rPr>
+              <a:t>Python defines a set of predefined types of objects, like int, string, list, method etc.</a:t>
+            </a:r>
+          </a:p>
+          <a:p>
+            <a:r>
+              <a:rPr lang="en-US" dirty="0">
+                <a:latin typeface="Lexend Light"/>
+              </a:rPr>
+              <a:t>User can define its own, user defined type of object using </a:t>
+            </a:r>
+            <a:r>
+              <a:rPr lang="en-US" i="1" dirty="0">
+                <a:latin typeface="Lexend Light"/>
+              </a:rPr>
+              <a:t>class</a:t>
+            </a:r>
+            <a:r>
+              <a:rPr lang="en-US" dirty="0">
+                <a:latin typeface="Lexend Light"/>
+              </a:rPr>
+              <a:t> keyword</a:t>
+            </a:r>
+          </a:p>
+          <a:p>
+            <a:r>
+              <a:rPr lang="en-US" dirty="0">
+                <a:latin typeface="Lexend Light"/>
+              </a:rPr>
+              <a:t>The name of the class immediately follows the keyword </a:t>
+            </a:r>
+            <a:r>
+              <a:rPr lang="en-US" i="1" dirty="0">
+                <a:latin typeface="Lexend Light"/>
+              </a:rPr>
+              <a:t>class</a:t>
+            </a:r>
+            <a:r>
+              <a:rPr lang="en-US" dirty="0">
+                <a:latin typeface="Lexend Light"/>
+              </a:rPr>
+              <a:t> followed by a colon. The name of class is a new user defined type:</a:t>
+            </a:r>
+          </a:p>
+          <a:p>
+            <a:pPr marL="0" indent="0">
+              <a:buNone/>
+            </a:pPr>
+            <a:r>
+              <a:rPr lang="en-US" dirty="0">
+                <a:latin typeface="Lexend Light"/>
+              </a:rPr>
+              <a:t>class Test:</a:t>
+            </a:r>
+          </a:p>
+          <a:p>
+            <a:pPr marL="0" indent="0">
+              <a:buNone/>
+            </a:pPr>
+            <a:r>
+              <a:rPr lang="en-US" dirty="0">
+                <a:latin typeface="Lexend Light"/>
+              </a:rPr>
+              <a:t>	 'Optional class documentation string' </a:t>
+            </a:r>
+          </a:p>
+          <a:p>
+            <a:pPr marL="0" indent="0">
+              <a:buNone/>
+            </a:pPr>
+            <a:r>
+              <a:rPr lang="en-US" dirty="0">
+                <a:latin typeface="Lexend Light"/>
+              </a:rPr>
+              <a:t>	pass</a:t>
+            </a:r>
+          </a:p>
+        </p:txBody>
+      </p:sp>
+    </p:spTree>
+    <p:extLst>
+      <p:ext uri="{BB962C8B-B14F-4D97-AF65-F5344CB8AC3E}">
+        <p14:creationId xmlns:p14="http://schemas.microsoft.com/office/powerpoint/2010/main" val="89284741"/>
+      </p:ext>
+    </p:extLst>
+  </p:cSld>
+  <p:clrMapOvr>
+    <a:masterClrMapping/>
+  </p:clrMapOvr>
+</p:sld>
+</file>
+
+<file path=ppt/slides/slide4.xml><?xml version="1.0" encoding="utf-8"?>
+<p:sld xmlns:a="http://schemas.openxmlformats.org/drawingml/2006/main" xmlns:r="http://schemas.openxmlformats.org/officeDocument/2006/relationships" xmlns:p="http://schemas.openxmlformats.org/presentationml/2006/main">
+  <p:cSld>
+    <p:bg>
+      <p:bgPr>
+        <a:blipFill dpi="0" rotWithShape="1">
+          <a:blip r:embed="rId2">
+            <a:lum/>
+          </a:blip>
+          <a:srcRect/>
+          <a:stretch>
+            <a:fillRect/>
+          </a:stretch>
+        </a:blipFill>
+        <a:effectLst/>
+      </p:bgPr>
+    </p:bg>
+    <p:spTree>
+      <p:nvGrpSpPr>
+        <p:cNvPr id="1" name=""/>
+        <p:cNvGrpSpPr/>
+        <p:nvPr/>
+      </p:nvGrpSpPr>
+      <p:grpSpPr>
+        <a:xfrm>
+          <a:off x="0" y="0"/>
+          <a:ext cx="0" cy="0"/>
+          <a:chOff x="0" y="0"/>
+          <a:chExt cx="0" cy="0"/>
+        </a:xfrm>
+      </p:grpSpPr>
+      <p:sp>
+        <p:nvSpPr>
+          <p:cNvPr id="2" name="Title 1"/>
+          <p:cNvSpPr>
+            <a:spLocks noGrp="1"/>
+          </p:cNvSpPr>
+          <p:nvPr>
+            <p:ph type="title"/>
+          </p:nvPr>
+        </p:nvSpPr>
+        <p:spPr>
+          <a:xfrm>
+            <a:off x="666749" y="291155"/>
+            <a:ext cx="9985087" cy="1325563"/>
           </a:xfrm>
         </p:spPr>
         <p:txBody>
@@ -11896,7 +12614,12 @@
           <a:lstStyle/>
           <a:p>
             <a:r>
-              <a:rPr lang="en-US" dirty="0"/>
+              <a:rPr lang="en-US" b="1" dirty="0">
+                <a:solidFill>
+                  <a:srgbClr val="0071F6"/>
+                </a:solidFill>
+                <a:latin typeface="Lexend" panose="020B0604020202020204"/>
+              </a:rPr>
               <a:t>Class – cont’d</a:t>
             </a:r>
           </a:p>
@@ -11920,8 +12643,8 @@
         </p:nvSpPr>
         <p:spPr>
           <a:xfrm>
-            <a:off x="136237" y="1616718"/>
-            <a:ext cx="5727389" cy="4479282"/>
+            <a:off x="284085" y="1616718"/>
+            <a:ext cx="5579541" cy="4479282"/>
           </a:xfrm>
         </p:spPr>
         <p:txBody>
@@ -11931,61 +12654,83 @@
           <a:lstStyle/>
           <a:p>
             <a:r>
-              <a:rPr lang="en-US" sz="2000" dirty="0"/>
+              <a:rPr lang="en-US" sz="2000" dirty="0">
+                <a:latin typeface="Lexend Light"/>
+              </a:rPr>
               <a:t>Python classes can contain different attributes, like methods, data members, docstring, </a:t>
             </a:r>
             <a:r>
-              <a:rPr lang="en-US" sz="2000" dirty="0" err="1"/>
+              <a:rPr lang="en-US" sz="2000" dirty="0" err="1">
+                <a:latin typeface="Lexend Light"/>
+              </a:rPr>
               <a:t>etc</a:t>
             </a:r>
-            <a:endParaRPr lang="en-US" sz="2000" dirty="0"/>
-          </a:p>
-          <a:p>
-            <a:r>
-              <a:rPr lang="en-US" sz="2000" dirty="0"/>
+            <a:endParaRPr lang="en-US" sz="2000" dirty="0">
+              <a:latin typeface="Lexend Light"/>
+            </a:endParaRPr>
+          </a:p>
+          <a:p>
+            <a:r>
+              <a:rPr lang="en-US" sz="2000" dirty="0">
+                <a:latin typeface="Lexend Light"/>
+              </a:rPr>
               <a:t>classes may define special methods, with predefined names and meaning and format like __XXX__. </a:t>
             </a:r>
           </a:p>
           <a:p>
             <a:pPr lvl="1"/>
             <a:r>
-              <a:rPr lang="en-US" sz="1800" dirty="0"/>
+              <a:rPr lang="en-US" sz="1800" dirty="0">
+                <a:latin typeface="Lexend Light"/>
+              </a:rPr>
               <a:t>They usually used for operators overloading and built-ins overriding</a:t>
             </a:r>
           </a:p>
           <a:p>
             <a:pPr lvl="1"/>
             <a:r>
-              <a:rPr lang="en-US" sz="1800" dirty="0"/>
+              <a:rPr lang="en-US" sz="1800" dirty="0">
+                <a:latin typeface="Lexend Light"/>
+              </a:rPr>
               <a:t>They are automatically invoked</a:t>
             </a:r>
           </a:p>
           <a:p>
             <a:pPr lvl="1"/>
             <a:r>
-              <a:rPr lang="en-US" sz="1800" dirty="0"/>
+              <a:rPr lang="en-US" sz="1800" dirty="0">
+                <a:latin typeface="Lexend Light"/>
+              </a:rPr>
               <a:t>For example:</a:t>
             </a:r>
           </a:p>
           <a:p>
             <a:pPr lvl="2"/>
             <a:r>
-              <a:rPr lang="en-US" sz="1800" dirty="0"/>
+              <a:rPr lang="en-US" sz="1800" dirty="0">
+                <a:latin typeface="Lexend Light"/>
+              </a:rPr>
               <a:t>__</a:t>
             </a:r>
             <a:r>
-              <a:rPr lang="en-US" sz="1800" dirty="0" err="1"/>
+              <a:rPr lang="en-US" sz="1800" dirty="0" err="1">
+                <a:latin typeface="Lexend Light"/>
+              </a:rPr>
               <a:t>init</a:t>
             </a:r>
             <a:r>
-              <a:rPr lang="en-US" sz="1800" dirty="0"/>
+              <a:rPr lang="en-US" sz="1800" dirty="0">
+                <a:latin typeface="Lexend Light"/>
+              </a:rPr>
               <a:t>__  - responsible for class instantiation for the newly-created class instance</a:t>
             </a:r>
           </a:p>
           <a:p>
             <a:pPr lvl="2"/>
             <a:r>
-              <a:rPr lang="en-US" sz="1800" dirty="0"/>
+              <a:rPr lang="en-US" sz="1800" dirty="0">
+                <a:latin typeface="Lexend Light"/>
+              </a:rPr>
               <a:t>__str__ -  returns string representation of an object</a:t>
             </a:r>
           </a:p>
@@ -12006,7 +12751,7 @@
           <p:nvPr/>
         </p:nvPicPr>
         <p:blipFill>
-          <a:blip r:embed="rId2">
+          <a:blip r:embed="rId3">
             <a:extLst>
               <a:ext uri="{28A0092B-C50C-407E-A947-70E740481C1C}">
                 <a14:useLocalDpi xmlns:a14="http://schemas.microsoft.com/office/drawing/2010/main" val="0"/>
@@ -12043,6 +12788,20 @@
 <file path=ppt/slides/slide5.xml><?xml version="1.0" encoding="utf-8"?>
 <p:sld xmlns:a="http://schemas.openxmlformats.org/drawingml/2006/main" xmlns:r="http://schemas.openxmlformats.org/officeDocument/2006/relationships" xmlns:p="http://schemas.openxmlformats.org/presentationml/2006/main">
   <p:cSld>
+    <p:bg>
+      <p:bgPr>
+        <a:blipFill dpi="0" rotWithShape="1">
+          <a:blip r:embed="rId3">
+            <a:lum/>
+          </a:blip>
+          <a:srcRect/>
+          <a:stretch>
+            <a:fillRect/>
+          </a:stretch>
+        </a:blipFill>
+        <a:effectLst/>
+      </p:bgPr>
+    </p:bg>
     <p:spTree>
       <p:nvGrpSpPr>
         <p:cNvPr id="1" name=""/>
@@ -12084,10 +12843,19 @@
           <a:lstStyle/>
           <a:p>
             <a:r>
-              <a:rPr lang="en-US" dirty="0"/>
+              <a:rPr lang="en-US" b="1" dirty="0">
+                <a:solidFill>
+                  <a:srgbClr val="0071F6"/>
+                </a:solidFill>
+                <a:latin typeface="Lexend" panose="020B0604020202020204"/>
+              </a:rPr>
               <a:t>self in Class’s methods</a:t>
             </a:r>
-            <a:endParaRPr lang="he-IL" dirty="0">
+            <a:endParaRPr lang="he-IL" b="1" dirty="0">
+              <a:solidFill>
+                <a:srgbClr val="0071F6"/>
+              </a:solidFill>
+              <a:latin typeface="Lexend" panose="020B0604020202020204"/>
               <a:cs typeface="Times New Roman"/>
             </a:endParaRPr>
           </a:p>
@@ -12122,45 +12890,65 @@
           <a:lstStyle/>
           <a:p>
             <a:r>
-              <a:rPr lang="en-US" dirty="0"/>
+              <a:rPr lang="en-US" dirty="0">
+                <a:latin typeface="Lexend Light"/>
+              </a:rPr>
               <a:t>Python implements methods in a way that makes the instance, to which the method belongs, be </a:t>
             </a:r>
             <a:r>
-              <a:rPr lang="en-US" i="1" dirty="0"/>
+              <a:rPr lang="en-US" i="1" dirty="0">
+                <a:latin typeface="Lexend Light"/>
+              </a:rPr>
               <a:t>passed</a:t>
             </a:r>
             <a:r>
-              <a:rPr lang="en-US" dirty="0"/>
+              <a:rPr lang="en-US" dirty="0">
+                <a:latin typeface="Lexend Light"/>
+              </a:rPr>
               <a:t> automatically, but not </a:t>
             </a:r>
             <a:r>
-              <a:rPr lang="en-US" i="1" dirty="0"/>
+              <a:rPr lang="en-US" i="1" dirty="0">
+                <a:latin typeface="Lexend Light"/>
+              </a:rPr>
               <a:t>received</a:t>
             </a:r>
             <a:r>
-              <a:rPr lang="en-US" dirty="0"/>
+              <a:rPr lang="en-US" dirty="0">
+                <a:latin typeface="Lexend Light"/>
+              </a:rPr>
               <a:t> automatically</a:t>
             </a:r>
           </a:p>
           <a:p>
-            <a:endParaRPr lang="en-US" dirty="0"/>
-          </a:p>
-          <a:p>
-            <a:r>
-              <a:rPr lang="en-US" dirty="0"/>
+            <a:endParaRPr lang="en-US" dirty="0">
+              <a:latin typeface="Lexend Light"/>
+            </a:endParaRPr>
+          </a:p>
+          <a:p>
+            <a:r>
+              <a:rPr lang="en-US" dirty="0">
+                <a:latin typeface="Lexend Light"/>
+              </a:rPr>
               <a:t>The first parameter of methods is the instance the method is called on</a:t>
             </a:r>
           </a:p>
           <a:p>
-            <a:endParaRPr lang="en-US" dirty="0"/>
-          </a:p>
-          <a:p>
-            <a:r>
-              <a:rPr lang="en-US" dirty="0"/>
+            <a:endParaRPr lang="en-US" dirty="0">
+              <a:latin typeface="Lexend Light"/>
+            </a:endParaRPr>
+          </a:p>
+          <a:p>
+            <a:r>
+              <a:rPr lang="en-US" dirty="0">
+                <a:latin typeface="Lexend Light"/>
+              </a:rPr>
               <a:t>This parameter usually called </a:t>
             </a:r>
             <a:r>
-              <a:rPr lang="en-US" i="1" dirty="0"/>
+              <a:rPr lang="en-US" i="1" dirty="0">
+                <a:latin typeface="Lexend Light"/>
+              </a:rPr>
               <a:t>self</a:t>
             </a:r>
           </a:p>
@@ -12182,6 +12970,20 @@
 <file path=ppt/slides/slide6.xml><?xml version="1.0" encoding="utf-8"?>
 <p:sld xmlns:a="http://schemas.openxmlformats.org/drawingml/2006/main" xmlns:r="http://schemas.openxmlformats.org/officeDocument/2006/relationships" xmlns:p="http://schemas.openxmlformats.org/presentationml/2006/main">
   <p:cSld>
+    <p:bg>
+      <p:bgPr>
+        <a:blipFill dpi="0" rotWithShape="1">
+          <a:blip r:embed="rId2">
+            <a:lum/>
+          </a:blip>
+          <a:srcRect/>
+          <a:stretch>
+            <a:fillRect/>
+          </a:stretch>
+        </a:blipFill>
+        <a:effectLst/>
+      </p:bgPr>
+    </p:bg>
     <p:spTree>
       <p:nvGrpSpPr>
         <p:cNvPr id="1" name=""/>
@@ -12219,10 +13021,14 @@
           <a:lstStyle/>
           <a:p>
             <a:r>
-              <a:rPr lang="en-US" dirty="0" err="1"/>
+              <a:rPr lang="en-US" b="1" dirty="0" err="1">
+                <a:latin typeface="Lexend Light"/>
+              </a:rPr>
               <a:t>BankAccount</a:t>
             </a:r>
-            <a:endParaRPr lang="he-IL" dirty="0"/>
+            <a:endParaRPr lang="he-IL" b="1" dirty="0">
+              <a:latin typeface="Lexend Light"/>
+            </a:endParaRPr>
           </a:p>
         </p:txBody>
       </p:sp>
@@ -12242,6 +13048,20 @@
 <file path=ppt/slides/slide7.xml><?xml version="1.0" encoding="utf-8"?>
 <p:sld xmlns:a="http://schemas.openxmlformats.org/drawingml/2006/main" xmlns:r="http://schemas.openxmlformats.org/officeDocument/2006/relationships" xmlns:p="http://schemas.openxmlformats.org/presentationml/2006/main">
   <p:cSld>
+    <p:bg>
+      <p:bgPr>
+        <a:blipFill dpi="0" rotWithShape="1">
+          <a:blip r:embed="rId2">
+            <a:lum/>
+          </a:blip>
+          <a:srcRect/>
+          <a:stretch>
+            <a:fillRect/>
+          </a:stretch>
+        </a:blipFill>
+        <a:effectLst/>
+      </p:bgPr>
+    </p:bg>
     <p:spTree>
       <p:nvGrpSpPr>
         <p:cNvPr id="1" name=""/>
@@ -12285,18 +13105,38 @@
           <a:lstStyle/>
           <a:p>
             <a:r>
-              <a:rPr lang="en-US" dirty="0"/>
+              <a:rPr lang="en-US" b="1" dirty="0">
+                <a:solidFill>
+                  <a:srgbClr val="0071F6"/>
+                </a:solidFill>
+                <a:latin typeface="Lexend" panose="020B0604020202020204"/>
+              </a:rPr>
               <a:t>class </a:t>
             </a:r>
             <a:r>
-              <a:rPr lang="en-US" dirty="0" err="1"/>
+              <a:rPr lang="en-US" b="1" dirty="0" err="1">
+                <a:solidFill>
+                  <a:srgbClr val="0071F6"/>
+                </a:solidFill>
+                <a:latin typeface="Lexend" panose="020B0604020202020204"/>
+              </a:rPr>
               <a:t>BankAccount</a:t>
             </a:r>
             <a:r>
-              <a:rPr lang="en-US" dirty="0"/>
+              <a:rPr lang="en-US" b="1" dirty="0">
+                <a:solidFill>
+                  <a:srgbClr val="0071F6"/>
+                </a:solidFill>
+                <a:latin typeface="Lexend" panose="020B0604020202020204"/>
+              </a:rPr>
               <a:t> Example</a:t>
             </a:r>
-            <a:endParaRPr lang="he-IL" dirty="0"/>
+            <a:endParaRPr lang="he-IL" b="1" dirty="0">
+              <a:solidFill>
+                <a:srgbClr val="0071F6"/>
+              </a:solidFill>
+              <a:latin typeface="Lexend" panose="020B0604020202020204"/>
+            </a:endParaRPr>
           </a:p>
         </p:txBody>
       </p:sp>
@@ -12332,7 +13172,9 @@
           <a:lstStyle/>
           <a:p>
             <a:r>
-              <a:rPr lang="en-US" sz="2400" dirty="0"/>
+              <a:rPr lang="en-US" sz="2400" dirty="0">
+                <a:latin typeface="Lexend Light"/>
+              </a:rPr>
               <a:t>Lets create Bank Account class</a:t>
             </a:r>
           </a:p>
@@ -13820,6 +14662,20 @@
 <file path=ppt/slides/slide8.xml><?xml version="1.0" encoding="utf-8"?>
 <p:sld xmlns:a="http://schemas.openxmlformats.org/drawingml/2006/main" xmlns:r="http://schemas.openxmlformats.org/officeDocument/2006/relationships" xmlns:p="http://schemas.openxmlformats.org/presentationml/2006/main">
   <p:cSld>
+    <p:bg>
+      <p:bgPr>
+        <a:blipFill dpi="0" rotWithShape="1">
+          <a:blip r:embed="rId3">
+            <a:lum/>
+          </a:blip>
+          <a:srcRect/>
+          <a:stretch>
+            <a:fillRect/>
+          </a:stretch>
+        </a:blipFill>
+        <a:effectLst/>
+      </p:bgPr>
+    </p:bg>
     <p:spTree>
       <p:nvGrpSpPr>
         <p:cNvPr id="1" name=""/>
@@ -13852,15 +14708,30 @@
           <a:lstStyle/>
           <a:p>
             <a:r>
-              <a:rPr lang="en-US" dirty="0"/>
+              <a:rPr lang="en-US" b="1" dirty="0">
+                <a:solidFill>
+                  <a:srgbClr val="0071F6"/>
+                </a:solidFill>
+                <a:latin typeface="Lexend" panose="020B0604020202020204"/>
+              </a:rPr>
               <a:t>class </a:t>
             </a:r>
             <a:r>
-              <a:rPr lang="en-US" dirty="0" err="1"/>
+              <a:rPr lang="en-US" b="1" dirty="0" err="1">
+                <a:solidFill>
+                  <a:srgbClr val="0071F6"/>
+                </a:solidFill>
+                <a:latin typeface="Lexend" panose="020B0604020202020204"/>
+              </a:rPr>
               <a:t>BankAcount</a:t>
             </a:r>
             <a:r>
-              <a:rPr lang="en-US" dirty="0"/>
+              <a:rPr lang="en-US" b="1" dirty="0">
+                <a:solidFill>
+                  <a:srgbClr val="0071F6"/>
+                </a:solidFill>
+                <a:latin typeface="Lexend" panose="020B0604020202020204"/>
+              </a:rPr>
               <a:t> – explanation</a:t>
             </a:r>
           </a:p>
@@ -13887,49 +14758,71 @@
           <a:lstStyle/>
           <a:p>
             <a:r>
-              <a:rPr lang="en-US" dirty="0"/>
+              <a:rPr lang="en-US" dirty="0">
+                <a:latin typeface="Lexend Light"/>
+              </a:rPr>
               <a:t>The variable </a:t>
             </a:r>
             <a:r>
-              <a:rPr lang="en-US" i="1" dirty="0"/>
+              <a:rPr lang="en-US" i="1" dirty="0">
+                <a:latin typeface="Lexend Light"/>
+              </a:rPr>
               <a:t>commission</a:t>
             </a:r>
             <a:r>
-              <a:rPr lang="en-US" dirty="0"/>
+              <a:rPr lang="en-US" dirty="0">
+                <a:latin typeface="Lexend Light"/>
+              </a:rPr>
               <a:t> is a class variable whose  value would be shared among all instances of a this class – static  attribute</a:t>
             </a:r>
           </a:p>
           <a:p>
-            <a:endParaRPr lang="en-US" dirty="0"/>
-          </a:p>
-          <a:p>
-            <a:r>
-              <a:rPr lang="en-US" dirty="0"/>
+            <a:endParaRPr lang="en-US" dirty="0">
+              <a:latin typeface="Lexend Light"/>
+            </a:endParaRPr>
+          </a:p>
+          <a:p>
+            <a:r>
+              <a:rPr lang="en-US" dirty="0">
+                <a:latin typeface="Lexend Light"/>
+              </a:rPr>
               <a:t>It can be accessed as </a:t>
             </a:r>
             <a:r>
-              <a:rPr lang="en-US" i="1" dirty="0" err="1"/>
+              <a:rPr lang="en-US" i="1" dirty="0" err="1">
+                <a:latin typeface="Lexend Light"/>
+              </a:rPr>
               <a:t>BankAccount.commission</a:t>
             </a:r>
             <a:r>
-              <a:rPr lang="en-US" dirty="0"/>
+              <a:rPr lang="en-US" dirty="0">
+                <a:latin typeface="Lexend Light"/>
+              </a:rPr>
               <a:t> from inside or outside the class.</a:t>
             </a:r>
           </a:p>
           <a:p>
-            <a:endParaRPr lang="en-US" dirty="0"/>
-          </a:p>
-          <a:p>
-            <a:r>
-              <a:rPr lang="en-US" dirty="0"/>
+            <a:endParaRPr lang="en-US" dirty="0">
+              <a:latin typeface="Lexend Light"/>
+            </a:endParaRPr>
+          </a:p>
+          <a:p>
+            <a:r>
+              <a:rPr lang="en-US" dirty="0">
+                <a:latin typeface="Lexend Light"/>
+              </a:rPr>
               <a:t>The first method __</a:t>
             </a:r>
             <a:r>
-              <a:rPr lang="en-US" dirty="0" err="1"/>
+              <a:rPr lang="en-US" dirty="0" err="1">
+                <a:latin typeface="Lexend Light"/>
+              </a:rPr>
               <a:t>init</a:t>
             </a:r>
             <a:r>
-              <a:rPr lang="en-US" dirty="0"/>
+              <a:rPr lang="en-US" dirty="0">
+                <a:latin typeface="Lexend Light"/>
+              </a:rPr>
               <a:t>__() is a special method automatically called by python to initialize newly-created class instance</a:t>
             </a:r>
           </a:p>
@@ -13937,13 +14830,17 @@
             <a:pPr marL="0" indent="0">
               <a:buNone/>
             </a:pPr>
-            <a:endParaRPr lang="en-US" dirty="0"/>
+            <a:endParaRPr lang="en-US" dirty="0">
+              <a:latin typeface="Lexend Light"/>
+            </a:endParaRPr>
           </a:p>
           <a:p>
             <a:pPr marL="0" indent="0">
               <a:buNone/>
             </a:pPr>
-            <a:endParaRPr lang="en-US" dirty="0"/>
+            <a:endParaRPr lang="en-US" dirty="0">
+              <a:latin typeface="Lexend Light"/>
+            </a:endParaRPr>
           </a:p>
         </p:txBody>
       </p:sp>
@@ -13963,6 +14860,20 @@
 <file path=ppt/slides/slide9.xml><?xml version="1.0" encoding="utf-8"?>
 <p:sld xmlns:a="http://schemas.openxmlformats.org/drawingml/2006/main" xmlns:r="http://schemas.openxmlformats.org/officeDocument/2006/relationships" xmlns:p="http://schemas.openxmlformats.org/presentationml/2006/main">
   <p:cSld>
+    <p:bg>
+      <p:bgPr>
+        <a:blipFill dpi="0" rotWithShape="1">
+          <a:blip r:embed="rId3">
+            <a:lum/>
+          </a:blip>
+          <a:srcRect/>
+          <a:stretch>
+            <a:fillRect/>
+          </a:stretch>
+        </a:blipFill>
+        <a:effectLst/>
+      </p:bgPr>
+    </p:bg>
     <p:spTree>
       <p:nvGrpSpPr>
         <p:cNvPr id="1" name=""/>
@@ -13995,10 +14906,19 @@
           <a:lstStyle/>
           <a:p>
             <a:r>
-              <a:rPr lang="en-US" dirty="0"/>
+              <a:rPr lang="en-US" b="1" dirty="0">
+                <a:solidFill>
+                  <a:srgbClr val="0071F6"/>
+                </a:solidFill>
+                <a:latin typeface="Lexend" panose="020B0604020202020204"/>
+              </a:rPr>
               <a:t>Creating Instances</a:t>
             </a:r>
-            <a:endParaRPr lang="he-IL" dirty="0">
+            <a:endParaRPr lang="he-IL" b="1" dirty="0">
+              <a:solidFill>
+                <a:srgbClr val="0071F6"/>
+              </a:solidFill>
+              <a:latin typeface="Lexend" panose="020B0604020202020204"/>
               <a:cs typeface="Times New Roman"/>
             </a:endParaRPr>
           </a:p>
@@ -14022,67 +14942,93 @@
           <a:lstStyle/>
           <a:p>
             <a:r>
-              <a:rPr lang="en-US" sz="2400" dirty="0"/>
+              <a:rPr lang="en-US" sz="2400" dirty="0">
+                <a:latin typeface="Lexend Light"/>
+              </a:rPr>
               <a:t>To create a new instance of a class simply specified a class name with all its parameters and assigned the result to some variable</a:t>
             </a:r>
           </a:p>
           <a:p>
-            <a:endParaRPr lang="en-US" sz="1400" dirty="0"/>
+            <a:endParaRPr lang="en-US" sz="1400" dirty="0">
+              <a:latin typeface="Lexend Light"/>
+            </a:endParaRPr>
           </a:p>
           <a:p>
             <a:pPr marL="0" indent="0">
               <a:buNone/>
             </a:pPr>
             <a:r>
-              <a:rPr lang="en-US" sz="2400" i="1" dirty="0" err="1"/>
+              <a:rPr lang="en-US" sz="2400" i="1" dirty="0" err="1">
+                <a:latin typeface="Lexend Light"/>
+              </a:rPr>
               <a:t>ba</a:t>
             </a:r>
             <a:r>
-              <a:rPr lang="en-US" sz="2400" i="1" dirty="0"/>
+              <a:rPr lang="en-US" sz="2400" i="1" dirty="0">
+                <a:latin typeface="Lexend Light"/>
+              </a:rPr>
               <a:t> = </a:t>
             </a:r>
             <a:r>
-              <a:rPr lang="en-US" sz="2400" i="1" dirty="0" err="1"/>
+              <a:rPr lang="en-US" sz="2400" i="1" dirty="0" err="1">
+                <a:latin typeface="Lexend Light"/>
+              </a:rPr>
               <a:t>BankAccount</a:t>
             </a:r>
             <a:r>
-              <a:rPr lang="en-US" sz="2400" i="1" dirty="0"/>
+              <a:rPr lang="en-US" sz="2400" i="1" dirty="0">
+                <a:latin typeface="Lexend Light"/>
+              </a:rPr>
               <a:t>(“Tal Moshe”, 12345678, 1000)</a:t>
             </a:r>
           </a:p>
           <a:p>
             <a:r>
-              <a:rPr lang="en-US" sz="2400" dirty="0"/>
+              <a:rPr lang="en-US" sz="2400" dirty="0">
+                <a:latin typeface="Lexend Light"/>
+              </a:rPr>
               <a:t>This statement invokes the __</a:t>
             </a:r>
             <a:r>
-              <a:rPr lang="en-US" sz="2400" dirty="0" err="1"/>
+              <a:rPr lang="en-US" sz="2400" dirty="0" err="1">
+                <a:latin typeface="Lexend Light"/>
+              </a:rPr>
               <a:t>init</a:t>
             </a:r>
             <a:r>
-              <a:rPr lang="en-US" sz="2400" dirty="0"/>
+              <a:rPr lang="en-US" sz="2400" dirty="0">
+                <a:latin typeface="Lexend Light"/>
+              </a:rPr>
               <a:t>__ method</a:t>
             </a:r>
           </a:p>
           <a:p>
             <a:r>
-              <a:rPr lang="en-US" sz="2400" dirty="0"/>
+              <a:rPr lang="en-US" sz="2400" dirty="0">
+                <a:latin typeface="Lexend Light"/>
+              </a:rPr>
               <a:t>Now we can access all the instance attributes</a:t>
             </a:r>
           </a:p>
           <a:p>
-            <a:endParaRPr lang="en-US" sz="2400" dirty="0"/>
+            <a:endParaRPr lang="en-US" sz="2400" dirty="0">
+              <a:latin typeface="Lexend Light"/>
+            </a:endParaRPr>
           </a:p>
           <a:p>
             <a:pPr marL="0" indent="0">
               <a:buNone/>
             </a:pPr>
             <a:r>
-              <a:rPr lang="en-US" sz="2400" dirty="0" err="1"/>
+              <a:rPr lang="en-US" sz="2400" dirty="0" err="1">
+                <a:latin typeface="Lexend Light"/>
+              </a:rPr>
               <a:t>ba.deposit</a:t>
             </a:r>
             <a:r>
-              <a:rPr lang="en-US" sz="2400" dirty="0"/>
+              <a:rPr lang="en-US" sz="2400" dirty="0">
+                <a:latin typeface="Lexend Light"/>
+              </a:rPr>
               <a:t>(500)</a:t>
             </a:r>
           </a:p>
@@ -14091,27 +15037,39 @@
               <a:buNone/>
             </a:pPr>
             <a:r>
-              <a:rPr lang="en-US" sz="2400" dirty="0"/>
+              <a:rPr lang="en-US" sz="2400" dirty="0">
+                <a:latin typeface="Lexend Light"/>
+              </a:rPr>
               <a:t>print(</a:t>
             </a:r>
             <a:r>
-              <a:rPr lang="en-US" sz="2400" dirty="0" err="1"/>
+              <a:rPr lang="en-US" sz="2400" dirty="0" err="1">
+                <a:latin typeface="Lexend Light"/>
+              </a:rPr>
               <a:t>ba</a:t>
             </a:r>
             <a:r>
-              <a:rPr lang="en-US" sz="2400" dirty="0"/>
+              <a:rPr lang="en-US" sz="2400" dirty="0">
+                <a:latin typeface="Lexend Light"/>
+              </a:rPr>
               <a:t>)			#prints Tal Moshe has 493.60 $” </a:t>
             </a:r>
           </a:p>
           <a:p>
             <a:pPr algn="l"/>
-            <a:endParaRPr lang="en-US" sz="2400" dirty="0"/>
-          </a:p>
-          <a:p>
-            <a:endParaRPr lang="en-US" sz="2400" dirty="0"/>
-          </a:p>
-          <a:p>
-            <a:endParaRPr lang="he-IL" sz="2400" dirty="0"/>
+            <a:endParaRPr lang="en-US" sz="2400" dirty="0">
+              <a:latin typeface="Lexend Light"/>
+            </a:endParaRPr>
+          </a:p>
+          <a:p>
+            <a:endParaRPr lang="en-US" sz="2400" dirty="0">
+              <a:latin typeface="Lexend Light"/>
+            </a:endParaRPr>
+          </a:p>
+          <a:p>
+            <a:endParaRPr lang="he-IL" sz="2400" dirty="0">
+              <a:latin typeface="Lexend Light"/>
+            </a:endParaRPr>
           </a:p>
         </p:txBody>
       </p:sp>

--- a/basic_new/Module 05 - Python Classes and Objects.pptx
+++ b/basic_new/Module 05 - Python Classes and Objects.pptx
@@ -7690,13 +7690,13 @@
               <a:buNone/>
             </a:pPr>
             <a:r>
-              <a:rPr lang="en-US" sz="6000" b="1" dirty="0">
+              <a:rPr lang="en-US" sz="5400" b="1" dirty="0">
                 <a:latin typeface="Lexend" panose="020B0604020202020204"/>
                 <a:cs typeface="Levenim MT" panose="02010502060101010101" pitchFamily="2" charset="-79"/>
               </a:rPr>
               <a:t>Module 05- Classes and Objects</a:t>
             </a:r>
-            <a:endParaRPr lang="en-US" sz="2400" b="1" i="0" u="none" strike="noStrike" cap="none" dirty="0">
+            <a:endParaRPr lang="en-US" sz="2000" b="1" i="0" u="none" strike="noStrike" cap="none" dirty="0">
               <a:latin typeface="Lexend" panose="020B0604020202020204"/>
               <a:ea typeface="Lexend" panose="020B0604020202020204"/>
               <a:cs typeface="Levenim MT" panose="02010502060101010101" pitchFamily="2" charset="-79"/>
